--- a/AIS_2020_Figures/other_figures.pptx
+++ b/AIS_2020_Figures/other_figures.pptx
@@ -5,13 +5,14 @@
     <p:sldMasterId id="2147483648" r:id="rId1"/>
   </p:sldMasterIdLst>
   <p:notesMasterIdLst>
-    <p:notesMasterId r:id="rId6"/>
+    <p:notesMasterId r:id="rId7"/>
   </p:notesMasterIdLst>
   <p:sldIdLst>
     <p:sldId id="256" r:id="rId2"/>
-    <p:sldId id="257" r:id="rId3"/>
-    <p:sldId id="258" r:id="rId4"/>
-    <p:sldId id="259" r:id="rId5"/>
+    <p:sldId id="260" r:id="rId3"/>
+    <p:sldId id="257" r:id="rId4"/>
+    <p:sldId id="258" r:id="rId5"/>
+    <p:sldId id="259" r:id="rId6"/>
   </p:sldIdLst>
   <p:sldSz cx="12192000" cy="6858000"/>
   <p:notesSz cx="6858000" cy="9144000"/>
@@ -200,7 +201,7 @@
           <a:p>
             <a:fld id="{7EF3566A-9E6A-4D98-9396-FECA8DCC1C32}" type="datetimeFigureOut">
               <a:rPr lang="en-US" smtClean="0"/>
-              <a:t>9/5/2020</a:t>
+              <a:t>9/20/2020</a:t>
             </a:fld>
             <a:endParaRPr lang="en-US"/>
           </a:p>
@@ -532,7 +533,7 @@
           <a:p>
             <a:fld id="{D990E8F5-0B85-4A96-BEEB-C0EF027FC77C}" type="slidenum">
               <a:rPr lang="en-US" smtClean="0"/>
-              <a:t>2</a:t>
+              <a:t>3</a:t>
             </a:fld>
             <a:endParaRPr lang="en-US"/>
           </a:p>
@@ -698,7 +699,7 @@
           <a:p>
             <a:fld id="{DFB6A452-54AD-48EF-9033-E242B29034F8}" type="datetimeFigureOut">
               <a:rPr lang="en-US" smtClean="0"/>
-              <a:t>9/5/2020</a:t>
+              <a:t>9/20/2020</a:t>
             </a:fld>
             <a:endParaRPr lang="en-US"/>
           </a:p>
@@ -896,7 +897,7 @@
           <a:p>
             <a:fld id="{DFB6A452-54AD-48EF-9033-E242B29034F8}" type="datetimeFigureOut">
               <a:rPr lang="en-US" smtClean="0"/>
-              <a:t>9/5/2020</a:t>
+              <a:t>9/20/2020</a:t>
             </a:fld>
             <a:endParaRPr lang="en-US"/>
           </a:p>
@@ -1104,7 +1105,7 @@
           <a:p>
             <a:fld id="{DFB6A452-54AD-48EF-9033-E242B29034F8}" type="datetimeFigureOut">
               <a:rPr lang="en-US" smtClean="0"/>
-              <a:t>9/5/2020</a:t>
+              <a:t>9/20/2020</a:t>
             </a:fld>
             <a:endParaRPr lang="en-US"/>
           </a:p>
@@ -1302,7 +1303,7 @@
           <a:p>
             <a:fld id="{DFB6A452-54AD-48EF-9033-E242B29034F8}" type="datetimeFigureOut">
               <a:rPr lang="en-US" smtClean="0"/>
-              <a:t>9/5/2020</a:t>
+              <a:t>9/20/2020</a:t>
             </a:fld>
             <a:endParaRPr lang="en-US"/>
           </a:p>
@@ -1577,7 +1578,7 @@
           <a:p>
             <a:fld id="{DFB6A452-54AD-48EF-9033-E242B29034F8}" type="datetimeFigureOut">
               <a:rPr lang="en-US" smtClean="0"/>
-              <a:t>9/5/2020</a:t>
+              <a:t>9/20/2020</a:t>
             </a:fld>
             <a:endParaRPr lang="en-US"/>
           </a:p>
@@ -1842,7 +1843,7 @@
           <a:p>
             <a:fld id="{DFB6A452-54AD-48EF-9033-E242B29034F8}" type="datetimeFigureOut">
               <a:rPr lang="en-US" smtClean="0"/>
-              <a:t>9/5/2020</a:t>
+              <a:t>9/20/2020</a:t>
             </a:fld>
             <a:endParaRPr lang="en-US"/>
           </a:p>
@@ -2254,7 +2255,7 @@
           <a:p>
             <a:fld id="{DFB6A452-54AD-48EF-9033-E242B29034F8}" type="datetimeFigureOut">
               <a:rPr lang="en-US" smtClean="0"/>
-              <a:t>9/5/2020</a:t>
+              <a:t>9/20/2020</a:t>
             </a:fld>
             <a:endParaRPr lang="en-US"/>
           </a:p>
@@ -2395,7 +2396,7 @@
           <a:p>
             <a:fld id="{DFB6A452-54AD-48EF-9033-E242B29034F8}" type="datetimeFigureOut">
               <a:rPr lang="en-US" smtClean="0"/>
-              <a:t>9/5/2020</a:t>
+              <a:t>9/20/2020</a:t>
             </a:fld>
             <a:endParaRPr lang="en-US"/>
           </a:p>
@@ -2508,7 +2509,7 @@
           <a:p>
             <a:fld id="{DFB6A452-54AD-48EF-9033-E242B29034F8}" type="datetimeFigureOut">
               <a:rPr lang="en-US" smtClean="0"/>
-              <a:t>9/5/2020</a:t>
+              <a:t>9/20/2020</a:t>
             </a:fld>
             <a:endParaRPr lang="en-US"/>
           </a:p>
@@ -2819,7 +2820,7 @@
           <a:p>
             <a:fld id="{DFB6A452-54AD-48EF-9033-E242B29034F8}" type="datetimeFigureOut">
               <a:rPr lang="en-US" smtClean="0"/>
-              <a:t>9/5/2020</a:t>
+              <a:t>9/20/2020</a:t>
             </a:fld>
             <a:endParaRPr lang="en-US"/>
           </a:p>
@@ -3107,7 +3108,7 @@
           <a:p>
             <a:fld id="{DFB6A452-54AD-48EF-9033-E242B29034F8}" type="datetimeFigureOut">
               <a:rPr lang="en-US" smtClean="0"/>
-              <a:t>9/5/2020</a:t>
+              <a:t>9/20/2020</a:t>
             </a:fld>
             <a:endParaRPr lang="en-US"/>
           </a:p>
@@ -3348,7 +3349,7 @@
           <a:p>
             <a:fld id="{DFB6A452-54AD-48EF-9033-E242B29034F8}" type="datetimeFigureOut">
               <a:rPr lang="en-US" smtClean="0"/>
-              <a:t>9/5/2020</a:t>
+              <a:t>9/20/2020</a:t>
             </a:fld>
             <a:endParaRPr lang="en-US"/>
           </a:p>
@@ -3767,10 +3768,10 @@
       </p:grpSpPr>
       <p:grpSp>
         <p:nvGrpSpPr>
-          <p:cNvPr id="47" name="Group 46">
+          <p:cNvPr id="2" name="Group 1">
             <a:extLst>
               <a:ext uri="{FF2B5EF4-FFF2-40B4-BE49-F238E27FC236}">
-                <a16:creationId xmlns:a16="http://schemas.microsoft.com/office/drawing/2014/main" id="{3B458918-10FE-4D8A-8D7F-FCCAE3BFB451}"/>
+                <a16:creationId xmlns:a16="http://schemas.microsoft.com/office/drawing/2014/main" id="{ABE8B96C-52D6-4E0A-B306-400B932530E0}"/>
               </a:ext>
             </a:extLst>
           </p:cNvPr>
@@ -3787,10 +3788,10 @@
         </p:grpSpPr>
         <p:grpSp>
           <p:nvGrpSpPr>
-            <p:cNvPr id="17" name="Group 16">
+            <p:cNvPr id="47" name="Group 46">
               <a:extLst>
                 <a:ext uri="{FF2B5EF4-FFF2-40B4-BE49-F238E27FC236}">
-                  <a16:creationId xmlns:a16="http://schemas.microsoft.com/office/drawing/2014/main" id="{E2B00341-5D80-42AA-8D4F-CB072B604EE8}"/>
+                  <a16:creationId xmlns:a16="http://schemas.microsoft.com/office/drawing/2014/main" id="{3B458918-10FE-4D8A-8D7F-FCCAE3BFB451}"/>
                 </a:ext>
               </a:extLst>
             </p:cNvPr>
@@ -3799,18 +3800,18 @@
           </p:nvGrpSpPr>
           <p:grpSpPr>
             <a:xfrm>
-              <a:off x="745827" y="3119232"/>
-              <a:ext cx="2021633" cy="3225575"/>
-              <a:chOff x="1363047" y="2565141"/>
-              <a:chExt cx="2021633" cy="3225575"/>
+              <a:off x="745827" y="512276"/>
+              <a:ext cx="11097830" cy="5832531"/>
+              <a:chOff x="745827" y="512276"/>
+              <a:chExt cx="11097830" cy="5832531"/>
             </a:xfrm>
           </p:grpSpPr>
           <p:grpSp>
             <p:nvGrpSpPr>
-              <p:cNvPr id="15" name="Group 14">
+              <p:cNvPr id="17" name="Group 16">
                 <a:extLst>
                   <a:ext uri="{FF2B5EF4-FFF2-40B4-BE49-F238E27FC236}">
-                    <a16:creationId xmlns:a16="http://schemas.microsoft.com/office/drawing/2014/main" id="{51C7E96E-01E8-4F77-871B-7A3ECAA7BFD3}"/>
+                    <a16:creationId xmlns:a16="http://schemas.microsoft.com/office/drawing/2014/main" id="{E2B00341-5D80-42AA-8D4F-CB072B604EE8}"/>
                   </a:ext>
                 </a:extLst>
               </p:cNvPr>
@@ -3819,108 +3820,260 @@
             </p:nvGrpSpPr>
             <p:grpSpPr>
               <a:xfrm>
-                <a:off x="1363047" y="2565141"/>
-                <a:ext cx="2021633" cy="2792963"/>
-                <a:chOff x="1934547" y="1841241"/>
-                <a:chExt cx="2021633" cy="2792963"/>
+                <a:off x="745827" y="3119232"/>
+                <a:ext cx="2021633" cy="3225575"/>
+                <a:chOff x="1363047" y="2565141"/>
+                <a:chExt cx="2021633" cy="3225575"/>
               </a:xfrm>
             </p:grpSpPr>
-            <p:sp>
-              <p:nvSpPr>
-                <p:cNvPr id="4" name="Rectangle 3">
+            <p:grpSp>
+              <p:nvGrpSpPr>
+                <p:cNvPr id="15" name="Group 14">
                   <a:extLst>
                     <a:ext uri="{FF2B5EF4-FFF2-40B4-BE49-F238E27FC236}">
-                      <a16:creationId xmlns:a16="http://schemas.microsoft.com/office/drawing/2014/main" id="{2A4D8AB6-790A-4ABC-BE77-9666A6B98B92}"/>
+                      <a16:creationId xmlns:a16="http://schemas.microsoft.com/office/drawing/2014/main" id="{51C7E96E-01E8-4F77-871B-7A3ECAA7BFD3}"/>
                     </a:ext>
                   </a:extLst>
                 </p:cNvPr>
-                <p:cNvSpPr/>
+                <p:cNvGrpSpPr/>
+                <p:nvPr/>
+              </p:nvGrpSpPr>
+              <p:grpSpPr>
+                <a:xfrm>
+                  <a:off x="1363047" y="2565141"/>
+                  <a:ext cx="2021633" cy="2792963"/>
+                  <a:chOff x="1934547" y="1841241"/>
+                  <a:chExt cx="2021633" cy="2792963"/>
+                </a:xfrm>
+              </p:grpSpPr>
+              <p:sp>
+                <p:nvSpPr>
+                  <p:cNvPr id="4" name="Rectangle 3">
+                    <a:extLst>
+                      <a:ext uri="{FF2B5EF4-FFF2-40B4-BE49-F238E27FC236}">
+                        <a16:creationId xmlns:a16="http://schemas.microsoft.com/office/drawing/2014/main" id="{2A4D8AB6-790A-4ABC-BE77-9666A6B98B92}"/>
+                      </a:ext>
+                    </a:extLst>
+                  </p:cNvPr>
+                  <p:cNvSpPr/>
+                  <p:nvPr/>
+                </p:nvSpPr>
+                <p:spPr>
+                  <a:xfrm>
+                    <a:off x="1934547" y="1841241"/>
+                    <a:ext cx="2021633" cy="2792963"/>
+                  </a:xfrm>
+                  <a:prstGeom prst="rect">
+                    <a:avLst/>
+                  </a:prstGeom>
+                </p:spPr>
+                <p:style>
+                  <a:lnRef idx="2">
+                    <a:schemeClr val="dk1">
+                      <a:shade val="50000"/>
+                    </a:schemeClr>
+                  </a:lnRef>
+                  <a:fillRef idx="1">
+                    <a:schemeClr val="dk1"/>
+                  </a:fillRef>
+                  <a:effectRef idx="0">
+                    <a:schemeClr val="dk1"/>
+                  </a:effectRef>
+                  <a:fontRef idx="minor">
+                    <a:schemeClr val="lt1"/>
+                  </a:fontRef>
+                </p:style>
+                <p:txBody>
+                  <a:bodyPr rtlCol="0" anchor="ctr"/>
+                  <a:lstStyle/>
+                  <a:p>
+                    <a:pPr algn="ctr"/>
+                    <a:endParaRPr lang="en-US"/>
+                  </a:p>
+                </p:txBody>
+              </p:sp>
+              <p:sp>
+                <p:nvSpPr>
+                  <p:cNvPr id="5" name="Rectangle 4">
+                    <a:extLst>
+                      <a:ext uri="{FF2B5EF4-FFF2-40B4-BE49-F238E27FC236}">
+                        <a16:creationId xmlns:a16="http://schemas.microsoft.com/office/drawing/2014/main" id="{806AEFE7-374C-4227-997A-872B9E669544}"/>
+                      </a:ext>
+                    </a:extLst>
+                  </p:cNvPr>
+                  <p:cNvSpPr/>
+                  <p:nvPr/>
+                </p:nvSpPr>
+                <p:spPr>
+                  <a:xfrm>
+                    <a:off x="1990531" y="1884784"/>
+                    <a:ext cx="1897224" cy="2699657"/>
+                  </a:xfrm>
+                  <a:prstGeom prst="rect">
+                    <a:avLst/>
+                  </a:prstGeom>
+                </p:spPr>
+                <p:style>
+                  <a:lnRef idx="1">
+                    <a:schemeClr val="accent3"/>
+                  </a:lnRef>
+                  <a:fillRef idx="2">
+                    <a:schemeClr val="accent3"/>
+                  </a:fillRef>
+                  <a:effectRef idx="1">
+                    <a:schemeClr val="accent3"/>
+                  </a:effectRef>
+                  <a:fontRef idx="minor">
+                    <a:schemeClr val="dk1"/>
+                  </a:fontRef>
+                </p:style>
+                <p:txBody>
+                  <a:bodyPr rtlCol="0" anchor="ctr"/>
+                  <a:lstStyle/>
+                  <a:p>
+                    <a:pPr algn="ctr"/>
+                    <a:endParaRPr lang="en-US"/>
+                  </a:p>
+                </p:txBody>
+              </p:sp>
+              <p:pic>
+                <p:nvPicPr>
+                  <p:cNvPr id="3" name="Picture 2" descr="A picture containing flower&#10;&#10;Description automatically generated">
+                    <a:extLst>
+                      <a:ext uri="{FF2B5EF4-FFF2-40B4-BE49-F238E27FC236}">
+                        <a16:creationId xmlns:a16="http://schemas.microsoft.com/office/drawing/2014/main" id="{D6E99C5D-2993-46B9-9D6D-99DEE0869D55}"/>
+                      </a:ext>
+                    </a:extLst>
+                  </p:cNvPr>
+                  <p:cNvPicPr>
+                    <a:picLocks noChangeAspect="1"/>
+                  </p:cNvPicPr>
+                  <p:nvPr/>
+                </p:nvPicPr>
+                <p:blipFill>
+                  <a:blip r:embed="rId2">
+                    <a:extLst>
+                      <a:ext uri="{28A0092B-C50C-407E-A947-70E740481C1C}">
+                        <a14:useLocalDpi xmlns:a14="http://schemas.microsoft.com/office/drawing/2010/main" val="0"/>
+                      </a:ext>
+                    </a:extLst>
+                  </a:blip>
+                  <a:stretch>
+                    <a:fillRect/>
+                  </a:stretch>
+                </p:blipFill>
+                <p:spPr>
+                  <a:xfrm>
+                    <a:off x="2052735" y="1948064"/>
+                    <a:ext cx="619899" cy="309395"/>
+                  </a:xfrm>
+                  <a:prstGeom prst="rect">
+                    <a:avLst/>
+                  </a:prstGeom>
+                </p:spPr>
+              </p:pic>
+              <p:pic>
+                <p:nvPicPr>
+                  <p:cNvPr id="14" name="Picture 13" descr="A picture containing game&#10;&#10;Description automatically generated">
+                    <a:extLst>
+                      <a:ext uri="{FF2B5EF4-FFF2-40B4-BE49-F238E27FC236}">
+                        <a16:creationId xmlns:a16="http://schemas.microsoft.com/office/drawing/2014/main" id="{DAFE493F-13E0-4926-9AF2-A82F2300CADD}"/>
+                      </a:ext>
+                    </a:extLst>
+                  </p:cNvPr>
+                  <p:cNvPicPr>
+                    <a:picLocks noChangeAspect="1"/>
+                  </p:cNvPicPr>
+                  <p:nvPr/>
+                </p:nvPicPr>
+                <p:blipFill>
+                  <a:blip r:embed="rId3">
+                    <a:extLst>
+                      <a:ext uri="{28A0092B-C50C-407E-A947-70E740481C1C}">
+                        <a14:useLocalDpi xmlns:a14="http://schemas.microsoft.com/office/drawing/2010/main" val="0"/>
+                      </a:ext>
+                    </a:extLst>
+                  </a:blip>
+                  <a:stretch>
+                    <a:fillRect/>
+                  </a:stretch>
+                </p:blipFill>
+                <p:spPr>
+                  <a:xfrm>
+                    <a:off x="3215951" y="1948064"/>
+                    <a:ext cx="619899" cy="670728"/>
+                  </a:xfrm>
+                  <a:prstGeom prst="rect">
+                    <a:avLst/>
+                  </a:prstGeom>
+                </p:spPr>
+              </p:pic>
+            </p:grpSp>
+            <p:sp>
+              <p:nvSpPr>
+                <p:cNvPr id="16" name="TextBox 15">
+                  <a:extLst>
+                    <a:ext uri="{FF2B5EF4-FFF2-40B4-BE49-F238E27FC236}">
+                      <a16:creationId xmlns:a16="http://schemas.microsoft.com/office/drawing/2014/main" id="{F47614FB-E6E5-4B2E-BB7C-526CEB58F07C}"/>
+                    </a:ext>
+                  </a:extLst>
+                </p:cNvPr>
+                <p:cNvSpPr txBox="1"/>
                 <p:nvPr/>
               </p:nvSpPr>
               <p:spPr>
                 <a:xfrm>
-                  <a:off x="1934547" y="1841241"/>
-                  <a:ext cx="2021633" cy="2792963"/>
+                  <a:off x="1665623" y="5421384"/>
+                  <a:ext cx="1335622" cy="369332"/>
                 </a:xfrm>
                 <a:prstGeom prst="rect">
                   <a:avLst/>
                 </a:prstGeom>
+                <a:noFill/>
               </p:spPr>
-              <p:style>
-                <a:lnRef idx="2">
-                  <a:schemeClr val="dk1">
-                    <a:shade val="50000"/>
-                  </a:schemeClr>
-                </a:lnRef>
-                <a:fillRef idx="1">
-                  <a:schemeClr val="dk1"/>
-                </a:fillRef>
-                <a:effectRef idx="0">
-                  <a:schemeClr val="dk1"/>
-                </a:effectRef>
-                <a:fontRef idx="minor">
-                  <a:schemeClr val="lt1"/>
-                </a:fontRef>
-              </p:style>
               <p:txBody>
-                <a:bodyPr rtlCol="0" anchor="ctr"/>
+                <a:bodyPr wrap="none" rtlCol="0">
+                  <a:spAutoFit/>
+                </a:bodyPr>
                 <a:lstStyle/>
                 <a:p>
-                  <a:pPr algn="ctr"/>
-                  <a:endParaRPr lang="en-US"/>
+                  <a:r>
+                    <a:rPr lang="en-US" dirty="0">
+                      <a:latin typeface="Roboto Condensed" panose="02000000000000000000" pitchFamily="2" charset="0"/>
+                      <a:ea typeface="Roboto Condensed" panose="02000000000000000000" pitchFamily="2" charset="0"/>
+                    </a:rPr>
+                    <a:t>Smart Mirror</a:t>
+                  </a:r>
                 </a:p>
               </p:txBody>
             </p:sp>
-            <p:sp>
-              <p:nvSpPr>
-                <p:cNvPr id="5" name="Rectangle 4">
+          </p:grpSp>
+          <p:grpSp>
+            <p:nvGrpSpPr>
+              <p:cNvPr id="22" name="Group 21">
+                <a:extLst>
+                  <a:ext uri="{FF2B5EF4-FFF2-40B4-BE49-F238E27FC236}">
+                    <a16:creationId xmlns:a16="http://schemas.microsoft.com/office/drawing/2014/main" id="{67DCDFA1-90E4-4231-8C7A-DE1271E8F75E}"/>
+                  </a:ext>
+                </a:extLst>
+              </p:cNvPr>
+              <p:cNvGrpSpPr/>
+              <p:nvPr/>
+            </p:nvGrpSpPr>
+            <p:grpSpPr>
+              <a:xfrm>
+                <a:off x="4685812" y="512276"/>
+                <a:ext cx="2820375" cy="2432615"/>
+                <a:chOff x="4951297" y="321776"/>
+                <a:chExt cx="2820375" cy="2432615"/>
+              </a:xfrm>
+            </p:grpSpPr>
+            <p:pic>
+              <p:nvPicPr>
+                <p:cNvPr id="19" name="Picture 18" descr="A picture containing cup, glass, glasses, sitting&#10;&#10;Description automatically generated">
                   <a:extLst>
                     <a:ext uri="{FF2B5EF4-FFF2-40B4-BE49-F238E27FC236}">
-                      <a16:creationId xmlns:a16="http://schemas.microsoft.com/office/drawing/2014/main" id="{806AEFE7-374C-4227-997A-872B9E669544}"/>
-                    </a:ext>
-                  </a:extLst>
-                </p:cNvPr>
-                <p:cNvSpPr/>
-                <p:nvPr/>
-              </p:nvSpPr>
-              <p:spPr>
-                <a:xfrm>
-                  <a:off x="1990531" y="1884784"/>
-                  <a:ext cx="1897224" cy="2699657"/>
-                </a:xfrm>
-                <a:prstGeom prst="rect">
-                  <a:avLst/>
-                </a:prstGeom>
-              </p:spPr>
-              <p:style>
-                <a:lnRef idx="1">
-                  <a:schemeClr val="accent3"/>
-                </a:lnRef>
-                <a:fillRef idx="2">
-                  <a:schemeClr val="accent3"/>
-                </a:fillRef>
-                <a:effectRef idx="1">
-                  <a:schemeClr val="accent3"/>
-                </a:effectRef>
-                <a:fontRef idx="minor">
-                  <a:schemeClr val="dk1"/>
-                </a:fontRef>
-              </p:style>
-              <p:txBody>
-                <a:bodyPr rtlCol="0" anchor="ctr"/>
-                <a:lstStyle/>
-                <a:p>
-                  <a:pPr algn="ctr"/>
-                  <a:endParaRPr lang="en-US"/>
-                </a:p>
-              </p:txBody>
-            </p:sp>
-            <p:pic>
-              <p:nvPicPr>
-                <p:cNvPr id="3" name="Picture 2" descr="A picture containing flower&#10;&#10;Description automatically generated">
-                  <a:extLst>
-                    <a:ext uri="{FF2B5EF4-FFF2-40B4-BE49-F238E27FC236}">
-                      <a16:creationId xmlns:a16="http://schemas.microsoft.com/office/drawing/2014/main" id="{D6E99C5D-2993-46B9-9D6D-99DEE0869D55}"/>
+                      <a16:creationId xmlns:a16="http://schemas.microsoft.com/office/drawing/2014/main" id="{1528F949-3FDC-45C7-8F24-32B3BA320C38}"/>
                     </a:ext>
                   </a:extLst>
                 </p:cNvPr>
@@ -3930,7 +4083,7 @@
                 <p:nvPr/>
               </p:nvPicPr>
               <p:blipFill>
-                <a:blip r:embed="rId2">
+                <a:blip r:embed="rId4">
                   <a:extLst>
                     <a:ext uri="{28A0092B-C50C-407E-A947-70E740481C1C}">
                       <a14:useLocalDpi xmlns:a14="http://schemas.microsoft.com/office/drawing/2010/main" val="0"/>
@@ -3943,20 +4096,79 @@
               </p:blipFill>
               <p:spPr>
                 <a:xfrm>
-                  <a:off x="2052735" y="1948064"/>
-                  <a:ext cx="619899" cy="309395"/>
+                  <a:off x="4951297" y="321776"/>
+                  <a:ext cx="2820375" cy="2063283"/>
                 </a:xfrm>
                 <a:prstGeom prst="rect">
                   <a:avLst/>
                 </a:prstGeom>
               </p:spPr>
             </p:pic>
+            <p:sp>
+              <p:nvSpPr>
+                <p:cNvPr id="21" name="TextBox 20">
+                  <a:extLst>
+                    <a:ext uri="{FF2B5EF4-FFF2-40B4-BE49-F238E27FC236}">
+                      <a16:creationId xmlns:a16="http://schemas.microsoft.com/office/drawing/2014/main" id="{5EE10236-EFEB-4C34-8055-1BA330FBE957}"/>
+                    </a:ext>
+                  </a:extLst>
+                </p:cNvPr>
+                <p:cNvSpPr txBox="1"/>
+                <p:nvPr/>
+              </p:nvSpPr>
+              <p:spPr>
+                <a:xfrm>
+                  <a:off x="5139034" y="2385059"/>
+                  <a:ext cx="2444900" cy="369332"/>
+                </a:xfrm>
+                <a:prstGeom prst="rect">
+                  <a:avLst/>
+                </a:prstGeom>
+                <a:noFill/>
+              </p:spPr>
+              <p:txBody>
+                <a:bodyPr wrap="none" rtlCol="0">
+                  <a:spAutoFit/>
+                </a:bodyPr>
+                <a:lstStyle/>
+                <a:p>
+                  <a:r>
+                    <a:rPr lang="en-US" dirty="0">
+                      <a:latin typeface="Roboto Condensed" panose="02000000000000000000" pitchFamily="2" charset="0"/>
+                      <a:ea typeface="Roboto Condensed" panose="02000000000000000000" pitchFamily="2" charset="0"/>
+                    </a:rPr>
+                    <a:t>Database and Webserver</a:t>
+                  </a:r>
+                </a:p>
+              </p:txBody>
+            </p:sp>
+          </p:grpSp>
+          <p:grpSp>
+            <p:nvGrpSpPr>
+              <p:cNvPr id="35" name="Group 34">
+                <a:extLst>
+                  <a:ext uri="{FF2B5EF4-FFF2-40B4-BE49-F238E27FC236}">
+                    <a16:creationId xmlns:a16="http://schemas.microsoft.com/office/drawing/2014/main" id="{E9AF47B3-5D17-4010-B2B7-5104FC583F5F}"/>
+                  </a:ext>
+                </a:extLst>
+              </p:cNvPr>
+              <p:cNvGrpSpPr/>
+              <p:nvPr/>
+            </p:nvGrpSpPr>
+            <p:grpSpPr>
+              <a:xfrm>
+                <a:off x="8766160" y="3506397"/>
+                <a:ext cx="3077497" cy="2838410"/>
+                <a:chOff x="8585768" y="3535450"/>
+                <a:chExt cx="3077497" cy="2838410"/>
+              </a:xfrm>
+            </p:grpSpPr>
             <p:pic>
               <p:nvPicPr>
-                <p:cNvPr id="14" name="Picture 13" descr="A picture containing game&#10;&#10;Description automatically generated">
+                <p:cNvPr id="24" name="Picture 23" descr="A picture containing computer, computer&#10;&#10;Description automatically generated">
                   <a:extLst>
                     <a:ext uri="{FF2B5EF4-FFF2-40B4-BE49-F238E27FC236}">
-                      <a16:creationId xmlns:a16="http://schemas.microsoft.com/office/drawing/2014/main" id="{DAFE493F-13E0-4926-9AF2-A82F2300CADD}"/>
+                      <a16:creationId xmlns:a16="http://schemas.microsoft.com/office/drawing/2014/main" id="{31355BAD-CAAF-4613-A2CE-C9EEBB6B4A25}"/>
                     </a:ext>
                   </a:extLst>
                 </p:cNvPr>
@@ -3966,7 +4178,7 @@
                 <p:nvPr/>
               </p:nvPicPr>
               <p:blipFill>
-                <a:blip r:embed="rId3">
+                <a:blip r:embed="rId5">
                   <a:extLst>
                     <a:ext uri="{28A0092B-C50C-407E-A947-70E740481C1C}">
                       <a14:useLocalDpi xmlns:a14="http://schemas.microsoft.com/office/drawing/2010/main" val="0"/>
@@ -3979,21 +4191,148 @@
               </p:blipFill>
               <p:spPr>
                 <a:xfrm>
-                  <a:off x="3215951" y="1948064"/>
-                  <a:ext cx="619899" cy="670728"/>
+                  <a:off x="8743765" y="3535450"/>
+                  <a:ext cx="2761501" cy="2079122"/>
                 </a:xfrm>
                 <a:prstGeom prst="rect">
                   <a:avLst/>
                 </a:prstGeom>
               </p:spPr>
             </p:pic>
+            <p:sp>
+              <p:nvSpPr>
+                <p:cNvPr id="26" name="TextBox 25">
+                  <a:extLst>
+                    <a:ext uri="{FF2B5EF4-FFF2-40B4-BE49-F238E27FC236}">
+                      <a16:creationId xmlns:a16="http://schemas.microsoft.com/office/drawing/2014/main" id="{3916DBAE-5E4F-42CD-8F53-3C3CCBDC731F}"/>
+                    </a:ext>
+                  </a:extLst>
+                </p:cNvPr>
+                <p:cNvSpPr txBox="1"/>
+                <p:nvPr/>
+              </p:nvSpPr>
+              <p:spPr>
+                <a:xfrm>
+                  <a:off x="8585768" y="5727529"/>
+                  <a:ext cx="3077497" cy="646331"/>
+                </a:xfrm>
+                <a:prstGeom prst="rect">
+                  <a:avLst/>
+                </a:prstGeom>
+                <a:noFill/>
+              </p:spPr>
+              <p:txBody>
+                <a:bodyPr wrap="square" rtlCol="0">
+                  <a:spAutoFit/>
+                </a:bodyPr>
+                <a:lstStyle/>
+                <a:p>
+                  <a:pPr algn="ctr"/>
+                  <a:r>
+                    <a:rPr lang="en-US" dirty="0">
+                      <a:latin typeface="Roboto Condensed" panose="02000000000000000000" pitchFamily="2" charset="0"/>
+                      <a:ea typeface="Roboto Condensed" panose="02000000000000000000" pitchFamily="2" charset="0"/>
+                    </a:rPr>
+                    <a:t>Registration and Management website</a:t>
+                  </a:r>
+                </a:p>
+              </p:txBody>
+            </p:sp>
           </p:grpSp>
+          <p:cxnSp>
+            <p:nvCxnSpPr>
+              <p:cNvPr id="28" name="Straight Arrow Connector 27">
+                <a:extLst>
+                  <a:ext uri="{FF2B5EF4-FFF2-40B4-BE49-F238E27FC236}">
+                    <a16:creationId xmlns:a16="http://schemas.microsoft.com/office/drawing/2014/main" id="{F573D385-D8C3-4393-831D-0ECA1823A5DB}"/>
+                  </a:ext>
+                </a:extLst>
+              </p:cNvPr>
+              <p:cNvCxnSpPr>
+                <a:cxnSpLocks/>
+              </p:cNvCxnSpPr>
+              <p:nvPr/>
+            </p:nvCxnSpPr>
+            <p:spPr>
+              <a:xfrm flipV="1">
+                <a:off x="2841596" y="2624962"/>
+                <a:ext cx="1777912" cy="1635966"/>
+              </a:xfrm>
+              <a:prstGeom prst="straightConnector1">
+                <a:avLst/>
+              </a:prstGeom>
+              <a:ln w="57150">
+                <a:solidFill>
+                  <a:srgbClr val="000000"/>
+                </a:solidFill>
+                <a:tailEnd type="triangle"/>
+              </a:ln>
+            </p:spPr>
+            <p:style>
+              <a:lnRef idx="1">
+                <a:schemeClr val="accent1"/>
+              </a:lnRef>
+              <a:fillRef idx="0">
+                <a:schemeClr val="accent1"/>
+              </a:fillRef>
+              <a:effectRef idx="0">
+                <a:schemeClr val="accent1"/>
+              </a:effectRef>
+              <a:fontRef idx="minor">
+                <a:schemeClr val="tx1"/>
+              </a:fontRef>
+            </p:style>
+          </p:cxnSp>
+          <p:cxnSp>
+            <p:nvCxnSpPr>
+              <p:cNvPr id="37" name="Straight Arrow Connector 36">
+                <a:extLst>
+                  <a:ext uri="{FF2B5EF4-FFF2-40B4-BE49-F238E27FC236}">
+                    <a16:creationId xmlns:a16="http://schemas.microsoft.com/office/drawing/2014/main" id="{DD385056-E99F-450C-BCC7-FA74C50AA5A4}"/>
+                  </a:ext>
+                </a:extLst>
+              </p:cNvPr>
+              <p:cNvCxnSpPr>
+                <a:cxnSpLocks/>
+              </p:cNvCxnSpPr>
+              <p:nvPr/>
+            </p:nvCxnSpPr>
+            <p:spPr>
+              <a:xfrm flipH="1">
+                <a:off x="3036919" y="2946446"/>
+                <a:ext cx="1747935" cy="1626334"/>
+              </a:xfrm>
+              <a:prstGeom prst="straightConnector1">
+                <a:avLst/>
+              </a:prstGeom>
+              <a:ln w="57150">
+                <a:solidFill>
+                  <a:srgbClr val="000000"/>
+                </a:solidFill>
+                <a:tailEnd type="triangle"/>
+              </a:ln>
+            </p:spPr>
+            <p:style>
+              <a:lnRef idx="1">
+                <a:schemeClr val="accent1"/>
+              </a:lnRef>
+              <a:fillRef idx="0">
+                <a:schemeClr val="accent1"/>
+              </a:fillRef>
+              <a:effectRef idx="0">
+                <a:schemeClr val="accent1"/>
+              </a:effectRef>
+              <a:fontRef idx="minor">
+                <a:schemeClr val="tx1"/>
+              </a:fontRef>
+            </p:style>
+          </p:cxnSp>
           <p:sp>
             <p:nvSpPr>
-              <p:cNvPr id="16" name="TextBox 15">
+              <p:cNvPr id="41" name="TextBox 40">
                 <a:extLst>
                   <a:ext uri="{FF2B5EF4-FFF2-40B4-BE49-F238E27FC236}">
-                    <a16:creationId xmlns:a16="http://schemas.microsoft.com/office/drawing/2014/main" id="{F47614FB-E6E5-4B2E-BB7C-526CEB58F07C}"/>
+                    <a16:creationId xmlns:a16="http://schemas.microsoft.com/office/drawing/2014/main" id="{EF073A1D-5E35-4AC5-8A00-3B54549F434C}"/>
                   </a:ext>
                 </a:extLst>
               </p:cNvPr>
@@ -4001,9 +4340,9 @@
               <p:nvPr/>
             </p:nvSpPr>
             <p:spPr>
-              <a:xfrm>
-                <a:off x="1665623" y="5421384"/>
-                <a:ext cx="1335622" cy="369332"/>
+              <a:xfrm rot="19041196">
+                <a:off x="3116611" y="3127337"/>
+                <a:ext cx="1029449" cy="369332"/>
               </a:xfrm>
               <a:prstGeom prst="rect">
                 <a:avLst/>
@@ -4021,18 +4360,383 @@
                     <a:latin typeface="Roboto Condensed" panose="02000000000000000000" pitchFamily="2" charset="0"/>
                     <a:ea typeface="Roboto Condensed" panose="02000000000000000000" pitchFamily="2" charset="0"/>
                   </a:rPr>
-                  <a:t>Smart Mirror</a:t>
+                  <a:t>Requests</a:t>
+                </a:r>
+              </a:p>
+            </p:txBody>
+          </p:sp>
+          <p:cxnSp>
+            <p:nvCxnSpPr>
+              <p:cNvPr id="42" name="Straight Arrow Connector 41">
+                <a:extLst>
+                  <a:ext uri="{FF2B5EF4-FFF2-40B4-BE49-F238E27FC236}">
+                    <a16:creationId xmlns:a16="http://schemas.microsoft.com/office/drawing/2014/main" id="{0435DD12-2D4F-471F-BA3C-5E64C5C70CF2}"/>
+                  </a:ext>
+                </a:extLst>
+              </p:cNvPr>
+              <p:cNvCxnSpPr>
+                <a:cxnSpLocks/>
+              </p:cNvCxnSpPr>
+              <p:nvPr/>
+            </p:nvCxnSpPr>
+            <p:spPr>
+              <a:xfrm>
+                <a:off x="7594882" y="2233127"/>
+                <a:ext cx="1801280" cy="1704354"/>
+              </a:xfrm>
+              <a:prstGeom prst="straightConnector1">
+                <a:avLst/>
+              </a:prstGeom>
+              <a:ln w="57150">
+                <a:solidFill>
+                  <a:srgbClr val="000000"/>
+                </a:solidFill>
+                <a:tailEnd type="triangle"/>
+              </a:ln>
+            </p:spPr>
+            <p:style>
+              <a:lnRef idx="1">
+                <a:schemeClr val="accent1"/>
+              </a:lnRef>
+              <a:fillRef idx="0">
+                <a:schemeClr val="accent1"/>
+              </a:fillRef>
+              <a:effectRef idx="0">
+                <a:schemeClr val="accent1"/>
+              </a:effectRef>
+              <a:fontRef idx="minor">
+                <a:schemeClr val="tx1"/>
+              </a:fontRef>
+            </p:style>
+          </p:cxnSp>
+          <p:cxnSp>
+            <p:nvCxnSpPr>
+              <p:cNvPr id="43" name="Straight Arrow Connector 42">
+                <a:extLst>
+                  <a:ext uri="{FF2B5EF4-FFF2-40B4-BE49-F238E27FC236}">
+                    <a16:creationId xmlns:a16="http://schemas.microsoft.com/office/drawing/2014/main" id="{EF10C1C4-81A5-4D64-85A2-FE42032B50C5}"/>
+                  </a:ext>
+                </a:extLst>
+              </p:cNvPr>
+              <p:cNvCxnSpPr>
+                <a:cxnSpLocks/>
+              </p:cNvCxnSpPr>
+              <p:nvPr/>
+            </p:nvCxnSpPr>
+            <p:spPr>
+              <a:xfrm rot="5136767" flipH="1">
+                <a:off x="7503700" y="2665016"/>
+                <a:ext cx="1747935" cy="1626334"/>
+              </a:xfrm>
+              <a:prstGeom prst="straightConnector1">
+                <a:avLst/>
+              </a:prstGeom>
+              <a:ln w="57150">
+                <a:solidFill>
+                  <a:srgbClr val="000000"/>
+                </a:solidFill>
+                <a:tailEnd type="triangle"/>
+              </a:ln>
+            </p:spPr>
+            <p:style>
+              <a:lnRef idx="1">
+                <a:schemeClr val="accent1"/>
+              </a:lnRef>
+              <a:fillRef idx="0">
+                <a:schemeClr val="accent1"/>
+              </a:fillRef>
+              <a:effectRef idx="0">
+                <a:schemeClr val="accent1"/>
+              </a:effectRef>
+              <a:fontRef idx="minor">
+                <a:schemeClr val="tx1"/>
+              </a:fontRef>
+            </p:style>
+          </p:cxnSp>
+          <p:sp>
+            <p:nvSpPr>
+              <p:cNvPr id="44" name="TextBox 43">
+                <a:extLst>
+                  <a:ext uri="{FF2B5EF4-FFF2-40B4-BE49-F238E27FC236}">
+                    <a16:creationId xmlns:a16="http://schemas.microsoft.com/office/drawing/2014/main" id="{C9238C91-395C-4F14-97A6-74AEE4B986D3}"/>
+                  </a:ext>
+                </a:extLst>
+              </p:cNvPr>
+              <p:cNvSpPr txBox="1"/>
+              <p:nvPr/>
+            </p:nvSpPr>
+            <p:spPr>
+              <a:xfrm rot="2577963">
+                <a:off x="8105727" y="3090242"/>
+                <a:ext cx="696024" cy="369332"/>
+              </a:xfrm>
+              <a:prstGeom prst="rect">
+                <a:avLst/>
+              </a:prstGeom>
+              <a:noFill/>
+            </p:spPr>
+            <p:txBody>
+              <a:bodyPr wrap="none" rtlCol="0">
+                <a:spAutoFit/>
+              </a:bodyPr>
+              <a:lstStyle/>
+              <a:p>
+                <a:r>
+                  <a:rPr lang="en-US" dirty="0">
+                    <a:latin typeface="Roboto Condensed" panose="02000000000000000000" pitchFamily="2" charset="0"/>
+                    <a:ea typeface="Roboto Condensed" panose="02000000000000000000" pitchFamily="2" charset="0"/>
+                  </a:rPr>
+                  <a:t>HTTP</a:t>
                 </a:r>
               </a:p>
             </p:txBody>
           </p:sp>
         </p:grpSp>
+        <p:sp>
+          <p:nvSpPr>
+            <p:cNvPr id="49" name="TextBox 48">
+              <a:extLst>
+                <a:ext uri="{FF2B5EF4-FFF2-40B4-BE49-F238E27FC236}">
+                  <a16:creationId xmlns:a16="http://schemas.microsoft.com/office/drawing/2014/main" id="{58FB7C42-D342-4F43-8762-B09238EA5591}"/>
+                </a:ext>
+              </a:extLst>
+            </p:cNvPr>
+            <p:cNvSpPr txBox="1"/>
+            <p:nvPr/>
+          </p:nvSpPr>
+          <p:spPr>
+            <a:xfrm rot="19041196">
+              <a:off x="3522257" y="3389778"/>
+              <a:ext cx="696024" cy="369332"/>
+            </a:xfrm>
+            <a:prstGeom prst="rect">
+              <a:avLst/>
+            </a:prstGeom>
+            <a:noFill/>
+          </p:spPr>
+          <p:txBody>
+            <a:bodyPr wrap="none" rtlCol="0">
+              <a:spAutoFit/>
+            </a:bodyPr>
+            <a:lstStyle/>
+            <a:p>
+              <a:r>
+                <a:rPr lang="en-US" dirty="0">
+                  <a:latin typeface="Roboto Condensed" panose="02000000000000000000" pitchFamily="2" charset="0"/>
+                  <a:ea typeface="Roboto Condensed" panose="02000000000000000000" pitchFamily="2" charset="0"/>
+                </a:rPr>
+                <a:t>HTTP</a:t>
+              </a:r>
+            </a:p>
+          </p:txBody>
+        </p:sp>
+        <p:sp>
+          <p:nvSpPr>
+            <p:cNvPr id="55" name="TextBox 54">
+              <a:extLst>
+                <a:ext uri="{FF2B5EF4-FFF2-40B4-BE49-F238E27FC236}">
+                  <a16:creationId xmlns:a16="http://schemas.microsoft.com/office/drawing/2014/main" id="{686ED1B7-86E2-4BFD-8A3A-9EE98EC52936}"/>
+                </a:ext>
+              </a:extLst>
+            </p:cNvPr>
+            <p:cNvSpPr txBox="1"/>
+            <p:nvPr/>
+          </p:nvSpPr>
+          <p:spPr>
+            <a:xfrm rot="18992551">
+              <a:off x="3510495" y="3666466"/>
+              <a:ext cx="1180131" cy="369332"/>
+            </a:xfrm>
+            <a:prstGeom prst="rect">
+              <a:avLst/>
+            </a:prstGeom>
+            <a:noFill/>
+          </p:spPr>
+          <p:txBody>
+            <a:bodyPr wrap="none" rtlCol="0">
+              <a:spAutoFit/>
+            </a:bodyPr>
+            <a:lstStyle/>
+            <a:p>
+              <a:r>
+                <a:rPr lang="en-US" dirty="0">
+                  <a:latin typeface="Roboto Condensed" panose="02000000000000000000" pitchFamily="2" charset="0"/>
+                  <a:ea typeface="Roboto Condensed" panose="02000000000000000000" pitchFamily="2" charset="0"/>
+                </a:rPr>
+                <a:t>Responses</a:t>
+              </a:r>
+            </a:p>
+          </p:txBody>
+        </p:sp>
+      </p:grpSp>
+      <p:pic>
+        <p:nvPicPr>
+          <p:cNvPr id="10" name="Picture 9" descr="A picture containing drawing&#10;&#10;Description automatically generated">
+            <a:extLst>
+              <a:ext uri="{FF2B5EF4-FFF2-40B4-BE49-F238E27FC236}">
+                <a16:creationId xmlns:a16="http://schemas.microsoft.com/office/drawing/2014/main" id="{F8ED8CB4-8486-4300-8AEF-0B9E6AB4E436}"/>
+              </a:ext>
+            </a:extLst>
+          </p:cNvPr>
+          <p:cNvPicPr>
+            <a:picLocks noChangeAspect="1"/>
+          </p:cNvPicPr>
+          <p:nvPr/>
+        </p:nvPicPr>
+        <p:blipFill rotWithShape="1">
+          <a:blip r:embed="rId6">
+            <a:alphaModFix amt="20000"/>
+            <a:extLst>
+              <a:ext uri="{28A0092B-C50C-407E-A947-70E740481C1C}">
+                <a14:useLocalDpi xmlns:a14="http://schemas.microsoft.com/office/drawing/2010/main" val="0"/>
+              </a:ext>
+            </a:extLst>
+          </a:blip>
+          <a:srcRect b="20477"/>
+          <a:stretch/>
+        </p:blipFill>
+        <p:spPr>
+          <a:xfrm>
+            <a:off x="938906" y="4034675"/>
+            <a:ext cx="1554615" cy="1827757"/>
+          </a:xfrm>
+          <a:prstGeom prst="rect">
+            <a:avLst/>
+          </a:prstGeom>
+        </p:spPr>
+      </p:pic>
+      <p:sp>
+        <p:nvSpPr>
+          <p:cNvPr id="13" name="TextBox 12">
+            <a:extLst>
+              <a:ext uri="{FF2B5EF4-FFF2-40B4-BE49-F238E27FC236}">
+                <a16:creationId xmlns:a16="http://schemas.microsoft.com/office/drawing/2014/main" id="{F0E7606A-661B-4D1D-B3A9-C0B289C62501}"/>
+              </a:ext>
+            </a:extLst>
+          </p:cNvPr>
+          <p:cNvSpPr txBox="1"/>
+          <p:nvPr/>
+        </p:nvSpPr>
+        <p:spPr>
+          <a:xfrm rot="2550401">
+            <a:off x="7682203" y="3366087"/>
+            <a:ext cx="1029449" cy="369332"/>
+          </a:xfrm>
+          <a:prstGeom prst="rect">
+            <a:avLst/>
+          </a:prstGeom>
+          <a:noFill/>
+        </p:spPr>
+        <p:txBody>
+          <a:bodyPr wrap="none" rtlCol="0">
+            <a:spAutoFit/>
+          </a:bodyPr>
+          <a:lstStyle/>
+          <a:p>
+            <a:r>
+              <a:rPr lang="en-US" dirty="0">
+                <a:latin typeface="Roboto Condensed" panose="02000000000000000000" pitchFamily="2" charset="0"/>
+                <a:ea typeface="Roboto Condensed" panose="02000000000000000000" pitchFamily="2" charset="0"/>
+              </a:rPr>
+              <a:t>Requests</a:t>
+            </a:r>
+          </a:p>
+        </p:txBody>
+      </p:sp>
+      <p:sp>
+        <p:nvSpPr>
+          <p:cNvPr id="18" name="TextBox 17">
+            <a:extLst>
+              <a:ext uri="{FF2B5EF4-FFF2-40B4-BE49-F238E27FC236}">
+                <a16:creationId xmlns:a16="http://schemas.microsoft.com/office/drawing/2014/main" id="{845010FA-0188-4DC0-BE49-CE17085286B5}"/>
+              </a:ext>
+            </a:extLst>
+          </p:cNvPr>
+          <p:cNvSpPr txBox="1"/>
+          <p:nvPr/>
+        </p:nvSpPr>
+        <p:spPr>
+          <a:xfrm rot="2605623">
+            <a:off x="8131308" y="2824543"/>
+            <a:ext cx="1180131" cy="369332"/>
+          </a:xfrm>
+          <a:prstGeom prst="rect">
+            <a:avLst/>
+          </a:prstGeom>
+          <a:noFill/>
+        </p:spPr>
+        <p:txBody>
+          <a:bodyPr wrap="none" rtlCol="0">
+            <a:spAutoFit/>
+          </a:bodyPr>
+          <a:lstStyle/>
+          <a:p>
+            <a:r>
+              <a:rPr lang="en-US" dirty="0">
+                <a:latin typeface="Roboto Condensed" panose="02000000000000000000" pitchFamily="2" charset="0"/>
+                <a:ea typeface="Roboto Condensed" panose="02000000000000000000" pitchFamily="2" charset="0"/>
+              </a:rPr>
+              <a:t>Responses</a:t>
+            </a:r>
+          </a:p>
+        </p:txBody>
+      </p:sp>
+    </p:spTree>
+    <p:extLst>
+      <p:ext uri="{BB962C8B-B14F-4D97-AF65-F5344CB8AC3E}">
+        <p14:creationId xmlns:p14="http://schemas.microsoft.com/office/powerpoint/2010/main" val="1450515046"/>
+      </p:ext>
+    </p:extLst>
+  </p:cSld>
+  <p:clrMapOvr>
+    <a:masterClrMapping/>
+  </p:clrMapOvr>
+</p:sld>
+</file>
+
+<file path=ppt/slides/slide2.xml><?xml version="1.0" encoding="utf-8"?>
+<p:sld xmlns:a="http://schemas.openxmlformats.org/drawingml/2006/main" xmlns:r="http://schemas.openxmlformats.org/officeDocument/2006/relationships" xmlns:p="http://schemas.openxmlformats.org/presentationml/2006/main">
+  <p:cSld>
+    <p:spTree>
+      <p:nvGrpSpPr>
+        <p:cNvPr id="1" name=""/>
+        <p:cNvGrpSpPr/>
+        <p:nvPr/>
+      </p:nvGrpSpPr>
+      <p:grpSpPr>
+        <a:xfrm>
+          <a:off x="0" y="0"/>
+          <a:ext cx="0" cy="0"/>
+          <a:chOff x="0" y="0"/>
+          <a:chExt cx="0" cy="0"/>
+        </a:xfrm>
+      </p:grpSpPr>
+      <p:grpSp>
+        <p:nvGrpSpPr>
+          <p:cNvPr id="2" name="Group 1">
+            <a:extLst>
+              <a:ext uri="{FF2B5EF4-FFF2-40B4-BE49-F238E27FC236}">
+                <a16:creationId xmlns:a16="http://schemas.microsoft.com/office/drawing/2014/main" id="{ABE8B96C-52D6-4E0A-B306-400B932530E0}"/>
+              </a:ext>
+            </a:extLst>
+          </p:cNvPr>
+          <p:cNvGrpSpPr/>
+          <p:nvPr/>
+        </p:nvGrpSpPr>
+        <p:grpSpPr>
+          <a:xfrm>
+            <a:off x="745827" y="2233127"/>
+            <a:ext cx="11097830" cy="4111680"/>
+            <a:chOff x="745827" y="2233127"/>
+            <a:chExt cx="11097830" cy="4111680"/>
+          </a:xfrm>
+        </p:grpSpPr>
         <p:grpSp>
           <p:nvGrpSpPr>
-            <p:cNvPr id="22" name="Group 21">
+            <p:cNvPr id="47" name="Group 46">
               <a:extLst>
                 <a:ext uri="{FF2B5EF4-FFF2-40B4-BE49-F238E27FC236}">
-                  <a16:creationId xmlns:a16="http://schemas.microsoft.com/office/drawing/2014/main" id="{67DCDFA1-90E4-4231-8C7A-DE1271E8F75E}"/>
+                  <a16:creationId xmlns:a16="http://schemas.microsoft.com/office/drawing/2014/main" id="{3B458918-10FE-4D8A-8D7F-FCCAE3BFB451}"/>
                 </a:ext>
               </a:extLst>
             </p:cNvPr>
@@ -4041,48 +4745,254 @@
           </p:nvGrpSpPr>
           <p:grpSpPr>
             <a:xfrm>
-              <a:off x="4685812" y="512276"/>
-              <a:ext cx="2820375" cy="2432615"/>
-              <a:chOff x="4951297" y="321776"/>
-              <a:chExt cx="2820375" cy="2432615"/>
+              <a:off x="745827" y="2233127"/>
+              <a:ext cx="11097830" cy="4111680"/>
+              <a:chOff x="745827" y="2233127"/>
+              <a:chExt cx="11097830" cy="4111680"/>
             </a:xfrm>
           </p:grpSpPr>
-          <p:pic>
-            <p:nvPicPr>
-              <p:cNvPr id="19" name="Picture 18" descr="A picture containing cup, glass, glasses, sitting&#10;&#10;Description automatically generated">
+          <p:grpSp>
+            <p:nvGrpSpPr>
+              <p:cNvPr id="17" name="Group 16">
                 <a:extLst>
                   <a:ext uri="{FF2B5EF4-FFF2-40B4-BE49-F238E27FC236}">
-                    <a16:creationId xmlns:a16="http://schemas.microsoft.com/office/drawing/2014/main" id="{1528F949-3FDC-45C7-8F24-32B3BA320C38}"/>
+                    <a16:creationId xmlns:a16="http://schemas.microsoft.com/office/drawing/2014/main" id="{E2B00341-5D80-42AA-8D4F-CB072B604EE8}"/>
                   </a:ext>
                 </a:extLst>
               </p:cNvPr>
-              <p:cNvPicPr>
-                <a:picLocks noChangeAspect="1"/>
-              </p:cNvPicPr>
+              <p:cNvGrpSpPr/>
               <p:nvPr/>
-            </p:nvPicPr>
-            <p:blipFill>
-              <a:blip r:embed="rId4">
-                <a:extLst>
-                  <a:ext uri="{28A0092B-C50C-407E-A947-70E740481C1C}">
-                    <a14:useLocalDpi xmlns:a14="http://schemas.microsoft.com/office/drawing/2010/main" val="0"/>
-                  </a:ext>
-                </a:extLst>
-              </a:blip>
-              <a:stretch>
-                <a:fillRect/>
-              </a:stretch>
-            </p:blipFill>
-            <p:spPr>
+            </p:nvGrpSpPr>
+            <p:grpSpPr>
               <a:xfrm>
-                <a:off x="4951297" y="321776"/>
-                <a:ext cx="2820375" cy="2063283"/>
+                <a:off x="745827" y="3119232"/>
+                <a:ext cx="2021633" cy="3225575"/>
+                <a:chOff x="1363047" y="2565141"/>
+                <a:chExt cx="2021633" cy="3225575"/>
               </a:xfrm>
-              <a:prstGeom prst="rect">
-                <a:avLst/>
-              </a:prstGeom>
-            </p:spPr>
-          </p:pic>
+            </p:grpSpPr>
+            <p:grpSp>
+              <p:nvGrpSpPr>
+                <p:cNvPr id="15" name="Group 14">
+                  <a:extLst>
+                    <a:ext uri="{FF2B5EF4-FFF2-40B4-BE49-F238E27FC236}">
+                      <a16:creationId xmlns:a16="http://schemas.microsoft.com/office/drawing/2014/main" id="{51C7E96E-01E8-4F77-871B-7A3ECAA7BFD3}"/>
+                    </a:ext>
+                  </a:extLst>
+                </p:cNvPr>
+                <p:cNvGrpSpPr/>
+                <p:nvPr/>
+              </p:nvGrpSpPr>
+              <p:grpSpPr>
+                <a:xfrm>
+                  <a:off x="1363047" y="2565141"/>
+                  <a:ext cx="2021633" cy="2792963"/>
+                  <a:chOff x="1934547" y="1841241"/>
+                  <a:chExt cx="2021633" cy="2792963"/>
+                </a:xfrm>
+              </p:grpSpPr>
+              <p:sp>
+                <p:nvSpPr>
+                  <p:cNvPr id="4" name="Rectangle 3">
+                    <a:extLst>
+                      <a:ext uri="{FF2B5EF4-FFF2-40B4-BE49-F238E27FC236}">
+                        <a16:creationId xmlns:a16="http://schemas.microsoft.com/office/drawing/2014/main" id="{2A4D8AB6-790A-4ABC-BE77-9666A6B98B92}"/>
+                      </a:ext>
+                    </a:extLst>
+                  </p:cNvPr>
+                  <p:cNvSpPr/>
+                  <p:nvPr/>
+                </p:nvSpPr>
+                <p:spPr>
+                  <a:xfrm>
+                    <a:off x="1934547" y="1841241"/>
+                    <a:ext cx="2021633" cy="2792963"/>
+                  </a:xfrm>
+                  <a:prstGeom prst="rect">
+                    <a:avLst/>
+                  </a:prstGeom>
+                </p:spPr>
+                <p:style>
+                  <a:lnRef idx="2">
+                    <a:schemeClr val="dk1">
+                      <a:shade val="50000"/>
+                    </a:schemeClr>
+                  </a:lnRef>
+                  <a:fillRef idx="1">
+                    <a:schemeClr val="dk1"/>
+                  </a:fillRef>
+                  <a:effectRef idx="0">
+                    <a:schemeClr val="dk1"/>
+                  </a:effectRef>
+                  <a:fontRef idx="minor">
+                    <a:schemeClr val="lt1"/>
+                  </a:fontRef>
+                </p:style>
+                <p:txBody>
+                  <a:bodyPr rtlCol="0" anchor="ctr"/>
+                  <a:lstStyle/>
+                  <a:p>
+                    <a:pPr algn="ctr"/>
+                    <a:endParaRPr lang="en-US"/>
+                  </a:p>
+                </p:txBody>
+              </p:sp>
+              <p:sp>
+                <p:nvSpPr>
+                  <p:cNvPr id="5" name="Rectangle 4">
+                    <a:extLst>
+                      <a:ext uri="{FF2B5EF4-FFF2-40B4-BE49-F238E27FC236}">
+                        <a16:creationId xmlns:a16="http://schemas.microsoft.com/office/drawing/2014/main" id="{806AEFE7-374C-4227-997A-872B9E669544}"/>
+                      </a:ext>
+                    </a:extLst>
+                  </p:cNvPr>
+                  <p:cNvSpPr/>
+                  <p:nvPr/>
+                </p:nvSpPr>
+                <p:spPr>
+                  <a:xfrm>
+                    <a:off x="1990531" y="1884784"/>
+                    <a:ext cx="1897224" cy="2699657"/>
+                  </a:xfrm>
+                  <a:prstGeom prst="rect">
+                    <a:avLst/>
+                  </a:prstGeom>
+                </p:spPr>
+                <p:style>
+                  <a:lnRef idx="1">
+                    <a:schemeClr val="accent3"/>
+                  </a:lnRef>
+                  <a:fillRef idx="2">
+                    <a:schemeClr val="accent3"/>
+                  </a:fillRef>
+                  <a:effectRef idx="1">
+                    <a:schemeClr val="accent3"/>
+                  </a:effectRef>
+                  <a:fontRef idx="minor">
+                    <a:schemeClr val="dk1"/>
+                  </a:fontRef>
+                </p:style>
+                <p:txBody>
+                  <a:bodyPr rtlCol="0" anchor="ctr"/>
+                  <a:lstStyle/>
+                  <a:p>
+                    <a:pPr algn="ctr"/>
+                    <a:endParaRPr lang="en-US"/>
+                  </a:p>
+                </p:txBody>
+              </p:sp>
+              <p:pic>
+                <p:nvPicPr>
+                  <p:cNvPr id="3" name="Picture 2" descr="A picture containing flower&#10;&#10;Description automatically generated">
+                    <a:extLst>
+                      <a:ext uri="{FF2B5EF4-FFF2-40B4-BE49-F238E27FC236}">
+                        <a16:creationId xmlns:a16="http://schemas.microsoft.com/office/drawing/2014/main" id="{D6E99C5D-2993-46B9-9D6D-99DEE0869D55}"/>
+                      </a:ext>
+                    </a:extLst>
+                  </p:cNvPr>
+                  <p:cNvPicPr>
+                    <a:picLocks noChangeAspect="1"/>
+                  </p:cNvPicPr>
+                  <p:nvPr/>
+                </p:nvPicPr>
+                <p:blipFill>
+                  <a:blip r:embed="rId2">
+                    <a:extLst>
+                      <a:ext uri="{28A0092B-C50C-407E-A947-70E740481C1C}">
+                        <a14:useLocalDpi xmlns:a14="http://schemas.microsoft.com/office/drawing/2010/main" val="0"/>
+                      </a:ext>
+                    </a:extLst>
+                  </a:blip>
+                  <a:stretch>
+                    <a:fillRect/>
+                  </a:stretch>
+                </p:blipFill>
+                <p:spPr>
+                  <a:xfrm>
+                    <a:off x="2052735" y="1948064"/>
+                    <a:ext cx="619899" cy="309395"/>
+                  </a:xfrm>
+                  <a:prstGeom prst="rect">
+                    <a:avLst/>
+                  </a:prstGeom>
+                </p:spPr>
+              </p:pic>
+              <p:pic>
+                <p:nvPicPr>
+                  <p:cNvPr id="14" name="Picture 13" descr="A picture containing game&#10;&#10;Description automatically generated">
+                    <a:extLst>
+                      <a:ext uri="{FF2B5EF4-FFF2-40B4-BE49-F238E27FC236}">
+                        <a16:creationId xmlns:a16="http://schemas.microsoft.com/office/drawing/2014/main" id="{DAFE493F-13E0-4926-9AF2-A82F2300CADD}"/>
+                      </a:ext>
+                    </a:extLst>
+                  </p:cNvPr>
+                  <p:cNvPicPr>
+                    <a:picLocks noChangeAspect="1"/>
+                  </p:cNvPicPr>
+                  <p:nvPr/>
+                </p:nvPicPr>
+                <p:blipFill>
+                  <a:blip r:embed="rId3">
+                    <a:extLst>
+                      <a:ext uri="{28A0092B-C50C-407E-A947-70E740481C1C}">
+                        <a14:useLocalDpi xmlns:a14="http://schemas.microsoft.com/office/drawing/2010/main" val="0"/>
+                      </a:ext>
+                    </a:extLst>
+                  </a:blip>
+                  <a:stretch>
+                    <a:fillRect/>
+                  </a:stretch>
+                </p:blipFill>
+                <p:spPr>
+                  <a:xfrm>
+                    <a:off x="3215951" y="1948064"/>
+                    <a:ext cx="619899" cy="670728"/>
+                  </a:xfrm>
+                  <a:prstGeom prst="rect">
+                    <a:avLst/>
+                  </a:prstGeom>
+                </p:spPr>
+              </p:pic>
+            </p:grpSp>
+            <p:sp>
+              <p:nvSpPr>
+                <p:cNvPr id="16" name="TextBox 15">
+                  <a:extLst>
+                    <a:ext uri="{FF2B5EF4-FFF2-40B4-BE49-F238E27FC236}">
+                      <a16:creationId xmlns:a16="http://schemas.microsoft.com/office/drawing/2014/main" id="{F47614FB-E6E5-4B2E-BB7C-526CEB58F07C}"/>
+                    </a:ext>
+                  </a:extLst>
+                </p:cNvPr>
+                <p:cNvSpPr txBox="1"/>
+                <p:nvPr/>
+              </p:nvSpPr>
+              <p:spPr>
+                <a:xfrm>
+                  <a:off x="1665623" y="5421384"/>
+                  <a:ext cx="1335622" cy="369332"/>
+                </a:xfrm>
+                <a:prstGeom prst="rect">
+                  <a:avLst/>
+                </a:prstGeom>
+                <a:noFill/>
+              </p:spPr>
+              <p:txBody>
+                <a:bodyPr wrap="none" rtlCol="0">
+                  <a:spAutoFit/>
+                </a:bodyPr>
+                <a:lstStyle/>
+                <a:p>
+                  <a:r>
+                    <a:rPr lang="en-US" dirty="0">
+                      <a:latin typeface="Roboto Condensed" panose="02000000000000000000" pitchFamily="2" charset="0"/>
+                      <a:ea typeface="Roboto Condensed" panose="02000000000000000000" pitchFamily="2" charset="0"/>
+                    </a:rPr>
+                    <a:t>Smart Mirror</a:t>
+                  </a:r>
+                </a:p>
+              </p:txBody>
+            </p:sp>
+          </p:grpSp>
           <p:sp>
             <p:nvSpPr>
               <p:cNvPr id="21" name="TextBox 20">
@@ -4097,7 +5007,7 @@
             </p:nvSpPr>
             <p:spPr>
               <a:xfrm>
-                <a:off x="5139034" y="2385059"/>
+                <a:off x="4873549" y="2575559"/>
                 <a:ext cx="2444900" cy="369332"/>
               </a:xfrm>
               <a:prstGeom prst="rect">
@@ -4121,69 +5031,196 @@
               </a:p>
             </p:txBody>
           </p:sp>
-        </p:grpSp>
-        <p:grpSp>
-          <p:nvGrpSpPr>
-            <p:cNvPr id="35" name="Group 34">
-              <a:extLst>
-                <a:ext uri="{FF2B5EF4-FFF2-40B4-BE49-F238E27FC236}">
-                  <a16:creationId xmlns:a16="http://schemas.microsoft.com/office/drawing/2014/main" id="{E9AF47B3-5D17-4010-B2B7-5104FC583F5F}"/>
-                </a:ext>
-              </a:extLst>
-            </p:cNvPr>
-            <p:cNvGrpSpPr/>
-            <p:nvPr/>
-          </p:nvGrpSpPr>
-          <p:grpSpPr>
-            <a:xfrm>
-              <a:off x="8766160" y="3506397"/>
-              <a:ext cx="3077497" cy="2838410"/>
-              <a:chOff x="8585768" y="3535450"/>
-              <a:chExt cx="3077497" cy="2838410"/>
-            </a:xfrm>
-          </p:grpSpPr>
-          <p:pic>
-            <p:nvPicPr>
-              <p:cNvPr id="24" name="Picture 23" descr="A picture containing computer, computer&#10;&#10;Description automatically generated">
+          <p:grpSp>
+            <p:nvGrpSpPr>
+              <p:cNvPr id="35" name="Group 34">
                 <a:extLst>
                   <a:ext uri="{FF2B5EF4-FFF2-40B4-BE49-F238E27FC236}">
-                    <a16:creationId xmlns:a16="http://schemas.microsoft.com/office/drawing/2014/main" id="{31355BAD-CAAF-4613-A2CE-C9EEBB6B4A25}"/>
+                    <a16:creationId xmlns:a16="http://schemas.microsoft.com/office/drawing/2014/main" id="{E9AF47B3-5D17-4010-B2B7-5104FC583F5F}"/>
                   </a:ext>
                 </a:extLst>
               </p:cNvPr>
-              <p:cNvPicPr>
-                <a:picLocks noChangeAspect="1"/>
-              </p:cNvPicPr>
+              <p:cNvGrpSpPr/>
               <p:nvPr/>
-            </p:nvPicPr>
-            <p:blipFill>
-              <a:blip r:embed="rId5">
+            </p:nvGrpSpPr>
+            <p:grpSpPr>
+              <a:xfrm>
+                <a:off x="8766160" y="3506397"/>
+                <a:ext cx="3077497" cy="2838410"/>
+                <a:chOff x="8585768" y="3535450"/>
+                <a:chExt cx="3077497" cy="2838410"/>
+              </a:xfrm>
+            </p:grpSpPr>
+            <p:pic>
+              <p:nvPicPr>
+                <p:cNvPr id="24" name="Picture 23" descr="A picture containing computer, computer&#10;&#10;Description automatically generated">
+                  <a:extLst>
+                    <a:ext uri="{FF2B5EF4-FFF2-40B4-BE49-F238E27FC236}">
+                      <a16:creationId xmlns:a16="http://schemas.microsoft.com/office/drawing/2014/main" id="{31355BAD-CAAF-4613-A2CE-C9EEBB6B4A25}"/>
+                    </a:ext>
+                  </a:extLst>
+                </p:cNvPr>
+                <p:cNvPicPr>
+                  <a:picLocks noChangeAspect="1"/>
+                </p:cNvPicPr>
+                <p:nvPr/>
+              </p:nvPicPr>
+              <p:blipFill>
+                <a:blip r:embed="rId4">
+                  <a:extLst>
+                    <a:ext uri="{28A0092B-C50C-407E-A947-70E740481C1C}">
+                      <a14:useLocalDpi xmlns:a14="http://schemas.microsoft.com/office/drawing/2010/main" val="0"/>
+                    </a:ext>
+                  </a:extLst>
+                </a:blip>
+                <a:stretch>
+                  <a:fillRect/>
+                </a:stretch>
+              </p:blipFill>
+              <p:spPr>
+                <a:xfrm>
+                  <a:off x="8743765" y="3535450"/>
+                  <a:ext cx="2761501" cy="2079122"/>
+                </a:xfrm>
+                <a:prstGeom prst="rect">
+                  <a:avLst/>
+                </a:prstGeom>
+              </p:spPr>
+            </p:pic>
+            <p:sp>
+              <p:nvSpPr>
+                <p:cNvPr id="26" name="TextBox 25">
+                  <a:extLst>
+                    <a:ext uri="{FF2B5EF4-FFF2-40B4-BE49-F238E27FC236}">
+                      <a16:creationId xmlns:a16="http://schemas.microsoft.com/office/drawing/2014/main" id="{3916DBAE-5E4F-42CD-8F53-3C3CCBDC731F}"/>
+                    </a:ext>
+                  </a:extLst>
+                </p:cNvPr>
+                <p:cNvSpPr txBox="1"/>
+                <p:nvPr/>
+              </p:nvSpPr>
+              <p:spPr>
+                <a:xfrm>
+                  <a:off x="8585768" y="5727529"/>
+                  <a:ext cx="3077497" cy="646331"/>
+                </a:xfrm>
+                <a:prstGeom prst="rect">
+                  <a:avLst/>
+                </a:prstGeom>
+                <a:noFill/>
+              </p:spPr>
+              <p:txBody>
+                <a:bodyPr wrap="square" rtlCol="0">
+                  <a:spAutoFit/>
+                </a:bodyPr>
+                <a:lstStyle/>
+                <a:p>
+                  <a:pPr algn="ctr"/>
+                  <a:r>
+                    <a:rPr lang="en-US" dirty="0">
+                      <a:latin typeface="Roboto Condensed" panose="02000000000000000000" pitchFamily="2" charset="0"/>
+                      <a:ea typeface="Roboto Condensed" panose="02000000000000000000" pitchFamily="2" charset="0"/>
+                    </a:rPr>
+                    <a:t>Registration and Management website</a:t>
+                  </a:r>
+                </a:p>
+              </p:txBody>
+            </p:sp>
+          </p:grpSp>
+          <p:cxnSp>
+            <p:nvCxnSpPr>
+              <p:cNvPr id="28" name="Straight Arrow Connector 27">
                 <a:extLst>
-                  <a:ext uri="{28A0092B-C50C-407E-A947-70E740481C1C}">
-                    <a14:useLocalDpi xmlns:a14="http://schemas.microsoft.com/office/drawing/2010/main" val="0"/>
+                  <a:ext uri="{FF2B5EF4-FFF2-40B4-BE49-F238E27FC236}">
+                    <a16:creationId xmlns:a16="http://schemas.microsoft.com/office/drawing/2014/main" id="{F573D385-D8C3-4393-831D-0ECA1823A5DB}"/>
                   </a:ext>
                 </a:extLst>
-              </a:blip>
-              <a:stretch>
-                <a:fillRect/>
-              </a:stretch>
-            </p:blipFill>
+              </p:cNvPr>
+              <p:cNvCxnSpPr>
+                <a:cxnSpLocks/>
+              </p:cNvCxnSpPr>
+              <p:nvPr/>
+            </p:nvCxnSpPr>
             <p:spPr>
-              <a:xfrm>
-                <a:off x="8743765" y="3535450"/>
-                <a:ext cx="2761501" cy="2079122"/>
+              <a:xfrm flipV="1">
+                <a:off x="2841596" y="2624962"/>
+                <a:ext cx="1777912" cy="1635966"/>
               </a:xfrm>
-              <a:prstGeom prst="rect">
+              <a:prstGeom prst="straightConnector1">
                 <a:avLst/>
               </a:prstGeom>
+              <a:ln w="57150">
+                <a:solidFill>
+                  <a:srgbClr val="000000"/>
+                </a:solidFill>
+                <a:tailEnd type="triangle"/>
+              </a:ln>
             </p:spPr>
-          </p:pic>
+            <p:style>
+              <a:lnRef idx="1">
+                <a:schemeClr val="accent1"/>
+              </a:lnRef>
+              <a:fillRef idx="0">
+                <a:schemeClr val="accent1"/>
+              </a:fillRef>
+              <a:effectRef idx="0">
+                <a:schemeClr val="accent1"/>
+              </a:effectRef>
+              <a:fontRef idx="minor">
+                <a:schemeClr val="tx1"/>
+              </a:fontRef>
+            </p:style>
+          </p:cxnSp>
+          <p:cxnSp>
+            <p:nvCxnSpPr>
+              <p:cNvPr id="37" name="Straight Arrow Connector 36">
+                <a:extLst>
+                  <a:ext uri="{FF2B5EF4-FFF2-40B4-BE49-F238E27FC236}">
+                    <a16:creationId xmlns:a16="http://schemas.microsoft.com/office/drawing/2014/main" id="{DD385056-E99F-450C-BCC7-FA74C50AA5A4}"/>
+                  </a:ext>
+                </a:extLst>
+              </p:cNvPr>
+              <p:cNvCxnSpPr>
+                <a:cxnSpLocks/>
+              </p:cNvCxnSpPr>
+              <p:nvPr/>
+            </p:nvCxnSpPr>
+            <p:spPr>
+              <a:xfrm flipH="1">
+                <a:off x="3036919" y="2946446"/>
+                <a:ext cx="1747935" cy="1626334"/>
+              </a:xfrm>
+              <a:prstGeom prst="straightConnector1">
+                <a:avLst/>
+              </a:prstGeom>
+              <a:ln w="57150">
+                <a:solidFill>
+                  <a:srgbClr val="000000"/>
+                </a:solidFill>
+                <a:tailEnd type="triangle"/>
+              </a:ln>
+            </p:spPr>
+            <p:style>
+              <a:lnRef idx="1">
+                <a:schemeClr val="accent1"/>
+              </a:lnRef>
+              <a:fillRef idx="0">
+                <a:schemeClr val="accent1"/>
+              </a:fillRef>
+              <a:effectRef idx="0">
+                <a:schemeClr val="accent1"/>
+              </a:effectRef>
+              <a:fontRef idx="minor">
+                <a:schemeClr val="tx1"/>
+              </a:fontRef>
+            </p:style>
+          </p:cxnSp>
           <p:sp>
             <p:nvSpPr>
-              <p:cNvPr id="26" name="TextBox 25">
+              <p:cNvPr id="41" name="TextBox 40">
                 <a:extLst>
                   <a:ext uri="{FF2B5EF4-FFF2-40B4-BE49-F238E27FC236}">
-                    <a16:creationId xmlns:a16="http://schemas.microsoft.com/office/drawing/2014/main" id="{3916DBAE-5E4F-42CD-8F53-3C3CCBDC731F}"/>
+                    <a16:creationId xmlns:a16="http://schemas.microsoft.com/office/drawing/2014/main" id="{EF073A1D-5E35-4AC5-8A00-3B54549F434C}"/>
                   </a:ext>
                 </a:extLst>
               </p:cNvPr>
@@ -4191,9 +5228,9 @@
               <p:nvPr/>
             </p:nvSpPr>
             <p:spPr>
-              <a:xfrm>
-                <a:off x="8585768" y="5727529"/>
-                <a:ext cx="3077497" cy="646331"/>
+              <a:xfrm rot="19041196">
+                <a:off x="3116611" y="3127337"/>
+                <a:ext cx="1029449" cy="369332"/>
               </a:xfrm>
               <a:prstGeom prst="rect">
                 <a:avLst/>
@@ -4201,117 +5238,154 @@
               <a:noFill/>
             </p:spPr>
             <p:txBody>
-              <a:bodyPr wrap="square" rtlCol="0">
+              <a:bodyPr wrap="none" rtlCol="0">
                 <a:spAutoFit/>
               </a:bodyPr>
               <a:lstStyle/>
               <a:p>
-                <a:pPr algn="ctr"/>
                 <a:r>
                   <a:rPr lang="en-US" dirty="0">
                     <a:latin typeface="Roboto Condensed" panose="02000000000000000000" pitchFamily="2" charset="0"/>
                     <a:ea typeface="Roboto Condensed" panose="02000000000000000000" pitchFamily="2" charset="0"/>
                   </a:rPr>
-                  <a:t>Registration and Management website</a:t>
+                  <a:t>Requests</a:t>
+                </a:r>
+              </a:p>
+            </p:txBody>
+          </p:sp>
+          <p:cxnSp>
+            <p:nvCxnSpPr>
+              <p:cNvPr id="42" name="Straight Arrow Connector 41">
+                <a:extLst>
+                  <a:ext uri="{FF2B5EF4-FFF2-40B4-BE49-F238E27FC236}">
+                    <a16:creationId xmlns:a16="http://schemas.microsoft.com/office/drawing/2014/main" id="{0435DD12-2D4F-471F-BA3C-5E64C5C70CF2}"/>
+                  </a:ext>
+                </a:extLst>
+              </p:cNvPr>
+              <p:cNvCxnSpPr>
+                <a:cxnSpLocks/>
+              </p:cNvCxnSpPr>
+              <p:nvPr/>
+            </p:nvCxnSpPr>
+            <p:spPr>
+              <a:xfrm>
+                <a:off x="7594882" y="2233127"/>
+                <a:ext cx="1801280" cy="1704354"/>
+              </a:xfrm>
+              <a:prstGeom prst="straightConnector1">
+                <a:avLst/>
+              </a:prstGeom>
+              <a:ln w="57150">
+                <a:solidFill>
+                  <a:srgbClr val="000000"/>
+                </a:solidFill>
+                <a:tailEnd type="triangle"/>
+              </a:ln>
+            </p:spPr>
+            <p:style>
+              <a:lnRef idx="1">
+                <a:schemeClr val="accent1"/>
+              </a:lnRef>
+              <a:fillRef idx="0">
+                <a:schemeClr val="accent1"/>
+              </a:fillRef>
+              <a:effectRef idx="0">
+                <a:schemeClr val="accent1"/>
+              </a:effectRef>
+              <a:fontRef idx="minor">
+                <a:schemeClr val="tx1"/>
+              </a:fontRef>
+            </p:style>
+          </p:cxnSp>
+          <p:cxnSp>
+            <p:nvCxnSpPr>
+              <p:cNvPr id="43" name="Straight Arrow Connector 42">
+                <a:extLst>
+                  <a:ext uri="{FF2B5EF4-FFF2-40B4-BE49-F238E27FC236}">
+                    <a16:creationId xmlns:a16="http://schemas.microsoft.com/office/drawing/2014/main" id="{EF10C1C4-81A5-4D64-85A2-FE42032B50C5}"/>
+                  </a:ext>
+                </a:extLst>
+              </p:cNvPr>
+              <p:cNvCxnSpPr>
+                <a:cxnSpLocks/>
+              </p:cNvCxnSpPr>
+              <p:nvPr/>
+            </p:nvCxnSpPr>
+            <p:spPr>
+              <a:xfrm rot="5136767" flipH="1">
+                <a:off x="7503700" y="2665016"/>
+                <a:ext cx="1747935" cy="1626334"/>
+              </a:xfrm>
+              <a:prstGeom prst="straightConnector1">
+                <a:avLst/>
+              </a:prstGeom>
+              <a:ln w="57150">
+                <a:solidFill>
+                  <a:srgbClr val="000000"/>
+                </a:solidFill>
+                <a:tailEnd type="triangle"/>
+              </a:ln>
+            </p:spPr>
+            <p:style>
+              <a:lnRef idx="1">
+                <a:schemeClr val="accent1"/>
+              </a:lnRef>
+              <a:fillRef idx="0">
+                <a:schemeClr val="accent1"/>
+              </a:fillRef>
+              <a:effectRef idx="0">
+                <a:schemeClr val="accent1"/>
+              </a:effectRef>
+              <a:fontRef idx="minor">
+                <a:schemeClr val="tx1"/>
+              </a:fontRef>
+            </p:style>
+          </p:cxnSp>
+          <p:sp>
+            <p:nvSpPr>
+              <p:cNvPr id="44" name="TextBox 43">
+                <a:extLst>
+                  <a:ext uri="{FF2B5EF4-FFF2-40B4-BE49-F238E27FC236}">
+                    <a16:creationId xmlns:a16="http://schemas.microsoft.com/office/drawing/2014/main" id="{C9238C91-395C-4F14-97A6-74AEE4B986D3}"/>
+                  </a:ext>
+                </a:extLst>
+              </p:cNvPr>
+              <p:cNvSpPr txBox="1"/>
+              <p:nvPr/>
+            </p:nvSpPr>
+            <p:spPr>
+              <a:xfrm rot="2577963">
+                <a:off x="8105727" y="3090242"/>
+                <a:ext cx="696024" cy="369332"/>
+              </a:xfrm>
+              <a:prstGeom prst="rect">
+                <a:avLst/>
+              </a:prstGeom>
+              <a:noFill/>
+            </p:spPr>
+            <p:txBody>
+              <a:bodyPr wrap="none" rtlCol="0">
+                <a:spAutoFit/>
+              </a:bodyPr>
+              <a:lstStyle/>
+              <a:p>
+                <a:r>
+                  <a:rPr lang="en-US" dirty="0">
+                    <a:latin typeface="Roboto Condensed" panose="02000000000000000000" pitchFamily="2" charset="0"/>
+                    <a:ea typeface="Roboto Condensed" panose="02000000000000000000" pitchFamily="2" charset="0"/>
+                  </a:rPr>
+                  <a:t>HTTP</a:t>
                 </a:r>
               </a:p>
             </p:txBody>
           </p:sp>
         </p:grpSp>
-        <p:cxnSp>
-          <p:nvCxnSpPr>
-            <p:cNvPr id="28" name="Straight Arrow Connector 27">
+        <p:sp>
+          <p:nvSpPr>
+            <p:cNvPr id="49" name="TextBox 48">
               <a:extLst>
                 <a:ext uri="{FF2B5EF4-FFF2-40B4-BE49-F238E27FC236}">
-                  <a16:creationId xmlns:a16="http://schemas.microsoft.com/office/drawing/2014/main" id="{F573D385-D8C3-4393-831D-0ECA1823A5DB}"/>
-                </a:ext>
-              </a:extLst>
-            </p:cNvPr>
-            <p:cNvCxnSpPr>
-              <a:cxnSpLocks/>
-            </p:cNvCxnSpPr>
-            <p:nvPr/>
-          </p:nvCxnSpPr>
-          <p:spPr>
-            <a:xfrm flipV="1">
-              <a:off x="2841596" y="2624962"/>
-              <a:ext cx="1777912" cy="1635966"/>
-            </a:xfrm>
-            <a:prstGeom prst="straightConnector1">
-              <a:avLst/>
-            </a:prstGeom>
-            <a:ln w="57150">
-              <a:solidFill>
-                <a:srgbClr val="000000"/>
-              </a:solidFill>
-              <a:tailEnd type="triangle"/>
-            </a:ln>
-          </p:spPr>
-          <p:style>
-            <a:lnRef idx="1">
-              <a:schemeClr val="accent1"/>
-            </a:lnRef>
-            <a:fillRef idx="0">
-              <a:schemeClr val="accent1"/>
-            </a:fillRef>
-            <a:effectRef idx="0">
-              <a:schemeClr val="accent1"/>
-            </a:effectRef>
-            <a:fontRef idx="minor">
-              <a:schemeClr val="tx1"/>
-            </a:fontRef>
-          </p:style>
-        </p:cxnSp>
-        <p:cxnSp>
-          <p:nvCxnSpPr>
-            <p:cNvPr id="37" name="Straight Arrow Connector 36">
-              <a:extLst>
-                <a:ext uri="{FF2B5EF4-FFF2-40B4-BE49-F238E27FC236}">
-                  <a16:creationId xmlns:a16="http://schemas.microsoft.com/office/drawing/2014/main" id="{DD385056-E99F-450C-BCC7-FA74C50AA5A4}"/>
-                </a:ext>
-              </a:extLst>
-            </p:cNvPr>
-            <p:cNvCxnSpPr>
-              <a:cxnSpLocks/>
-            </p:cNvCxnSpPr>
-            <p:nvPr/>
-          </p:nvCxnSpPr>
-          <p:spPr>
-            <a:xfrm flipH="1">
-              <a:off x="3036919" y="2946446"/>
-              <a:ext cx="1747935" cy="1626334"/>
-            </a:xfrm>
-            <a:prstGeom prst="straightConnector1">
-              <a:avLst/>
-            </a:prstGeom>
-            <a:ln w="57150">
-              <a:solidFill>
-                <a:srgbClr val="000000"/>
-              </a:solidFill>
-              <a:tailEnd type="triangle"/>
-            </a:ln>
-          </p:spPr>
-          <p:style>
-            <a:lnRef idx="1">
-              <a:schemeClr val="accent1"/>
-            </a:lnRef>
-            <a:fillRef idx="0">
-              <a:schemeClr val="accent1"/>
-            </a:fillRef>
-            <a:effectRef idx="0">
-              <a:schemeClr val="accent1"/>
-            </a:effectRef>
-            <a:fontRef idx="minor">
-              <a:schemeClr val="tx1"/>
-            </a:fontRef>
-          </p:style>
-        </p:cxnSp>
-        <p:sp>
-          <p:nvSpPr>
-            <p:cNvPr id="41" name="TextBox 40">
-              <a:extLst>
-                <a:ext uri="{FF2B5EF4-FFF2-40B4-BE49-F238E27FC236}">
-                  <a16:creationId xmlns:a16="http://schemas.microsoft.com/office/drawing/2014/main" id="{EF073A1D-5E35-4AC5-8A00-3B54549F434C}"/>
+                  <a16:creationId xmlns:a16="http://schemas.microsoft.com/office/drawing/2014/main" id="{58FB7C42-D342-4F43-8762-B09238EA5591}"/>
                 </a:ext>
               </a:extLst>
             </p:cNvPr>
@@ -4320,8 +5394,8 @@
           </p:nvSpPr>
           <p:spPr>
             <a:xfrm rot="19041196">
-              <a:off x="3116611" y="3127337"/>
-              <a:ext cx="1029449" cy="369332"/>
+              <a:off x="3522257" y="3389778"/>
+              <a:ext cx="696024" cy="369332"/>
             </a:xfrm>
             <a:prstGeom prst="rect">
               <a:avLst/>
@@ -4339,105 +5413,17 @@
                   <a:latin typeface="Roboto Condensed" panose="02000000000000000000" pitchFamily="2" charset="0"/>
                   <a:ea typeface="Roboto Condensed" panose="02000000000000000000" pitchFamily="2" charset="0"/>
                 </a:rPr>
-                <a:t>Requests</a:t>
+                <a:t>HTTP</a:t>
               </a:r>
             </a:p>
           </p:txBody>
         </p:sp>
-        <p:cxnSp>
-          <p:nvCxnSpPr>
-            <p:cNvPr id="42" name="Straight Arrow Connector 41">
+        <p:sp>
+          <p:nvSpPr>
+            <p:cNvPr id="55" name="TextBox 54">
               <a:extLst>
                 <a:ext uri="{FF2B5EF4-FFF2-40B4-BE49-F238E27FC236}">
-                  <a16:creationId xmlns:a16="http://schemas.microsoft.com/office/drawing/2014/main" id="{0435DD12-2D4F-471F-BA3C-5E64C5C70CF2}"/>
-                </a:ext>
-              </a:extLst>
-            </p:cNvPr>
-            <p:cNvCxnSpPr>
-              <a:cxnSpLocks/>
-            </p:cNvCxnSpPr>
-            <p:nvPr/>
-          </p:nvCxnSpPr>
-          <p:spPr>
-            <a:xfrm rot="5136767" flipV="1">
-              <a:off x="7663112" y="2494020"/>
-              <a:ext cx="1777912" cy="1635966"/>
-            </a:xfrm>
-            <a:prstGeom prst="straightConnector1">
-              <a:avLst/>
-            </a:prstGeom>
-            <a:ln w="57150">
-              <a:solidFill>
-                <a:srgbClr val="000000"/>
-              </a:solidFill>
-              <a:tailEnd type="triangle"/>
-            </a:ln>
-          </p:spPr>
-          <p:style>
-            <a:lnRef idx="1">
-              <a:schemeClr val="accent1"/>
-            </a:lnRef>
-            <a:fillRef idx="0">
-              <a:schemeClr val="accent1"/>
-            </a:fillRef>
-            <a:effectRef idx="0">
-              <a:schemeClr val="accent1"/>
-            </a:effectRef>
-            <a:fontRef idx="minor">
-              <a:schemeClr val="tx1"/>
-            </a:fontRef>
-          </p:style>
-        </p:cxnSp>
-        <p:cxnSp>
-          <p:nvCxnSpPr>
-            <p:cNvPr id="43" name="Straight Arrow Connector 42">
-              <a:extLst>
-                <a:ext uri="{FF2B5EF4-FFF2-40B4-BE49-F238E27FC236}">
-                  <a16:creationId xmlns:a16="http://schemas.microsoft.com/office/drawing/2014/main" id="{EF10C1C4-81A5-4D64-85A2-FE42032B50C5}"/>
-                </a:ext>
-              </a:extLst>
-            </p:cNvPr>
-            <p:cNvCxnSpPr>
-              <a:cxnSpLocks/>
-            </p:cNvCxnSpPr>
-            <p:nvPr/>
-          </p:nvCxnSpPr>
-          <p:spPr>
-            <a:xfrm rot="5136767" flipH="1">
-              <a:off x="7591581" y="2799179"/>
-              <a:ext cx="1747935" cy="1626334"/>
-            </a:xfrm>
-            <a:prstGeom prst="straightConnector1">
-              <a:avLst/>
-            </a:prstGeom>
-            <a:ln w="57150">
-              <a:solidFill>
-                <a:srgbClr val="000000"/>
-              </a:solidFill>
-              <a:tailEnd type="triangle"/>
-            </a:ln>
-          </p:spPr>
-          <p:style>
-            <a:lnRef idx="1">
-              <a:schemeClr val="accent1"/>
-            </a:lnRef>
-            <a:fillRef idx="0">
-              <a:schemeClr val="accent1"/>
-            </a:fillRef>
-            <a:effectRef idx="0">
-              <a:schemeClr val="accent1"/>
-            </a:effectRef>
-            <a:fontRef idx="minor">
-              <a:schemeClr val="tx1"/>
-            </a:fontRef>
-          </p:style>
-        </p:cxnSp>
-        <p:sp>
-          <p:nvSpPr>
-            <p:cNvPr id="44" name="TextBox 43">
-              <a:extLst>
-                <a:ext uri="{FF2B5EF4-FFF2-40B4-BE49-F238E27FC236}">
-                  <a16:creationId xmlns:a16="http://schemas.microsoft.com/office/drawing/2014/main" id="{C9238C91-395C-4F14-97A6-74AEE4B986D3}"/>
+                  <a16:creationId xmlns:a16="http://schemas.microsoft.com/office/drawing/2014/main" id="{686ED1B7-86E2-4BFD-8A3A-9EE98EC52936}"/>
                 </a:ext>
               </a:extLst>
             </p:cNvPr>
@@ -4445,9 +5431,9 @@
             <p:nvPr/>
           </p:nvSpPr>
           <p:spPr>
-            <a:xfrm rot="2577963">
-              <a:off x="7989734" y="2978109"/>
-              <a:ext cx="1572866" cy="369332"/>
+            <a:xfrm rot="18992551">
+              <a:off x="3510495" y="3666466"/>
+              <a:ext cx="1180131" cy="369332"/>
             </a:xfrm>
             <a:prstGeom prst="rect">
               <a:avLst/>
@@ -4465,18 +5451,54 @@
                   <a:latin typeface="Roboto Condensed" panose="02000000000000000000" pitchFamily="2" charset="0"/>
                   <a:ea typeface="Roboto Condensed" panose="02000000000000000000" pitchFamily="2" charset="0"/>
                 </a:rPr>
-                <a:t>HTTP and ORM</a:t>
+                <a:t>Responses</a:t>
               </a:r>
             </a:p>
           </p:txBody>
         </p:sp>
       </p:grpSp>
+      <p:pic>
+        <p:nvPicPr>
+          <p:cNvPr id="10" name="Picture 9" descr="A picture containing drawing&#10;&#10;Description automatically generated">
+            <a:extLst>
+              <a:ext uri="{FF2B5EF4-FFF2-40B4-BE49-F238E27FC236}">
+                <a16:creationId xmlns:a16="http://schemas.microsoft.com/office/drawing/2014/main" id="{F8ED8CB4-8486-4300-8AEF-0B9E6AB4E436}"/>
+              </a:ext>
+            </a:extLst>
+          </p:cNvPr>
+          <p:cNvPicPr>
+            <a:picLocks noChangeAspect="1"/>
+          </p:cNvPicPr>
+          <p:nvPr/>
+        </p:nvPicPr>
+        <p:blipFill rotWithShape="1">
+          <a:blip r:embed="rId5">
+            <a:alphaModFix amt="20000"/>
+            <a:extLst>
+              <a:ext uri="{28A0092B-C50C-407E-A947-70E740481C1C}">
+                <a14:useLocalDpi xmlns:a14="http://schemas.microsoft.com/office/drawing/2010/main" val="0"/>
+              </a:ext>
+            </a:extLst>
+          </a:blip>
+          <a:srcRect b="20477"/>
+          <a:stretch/>
+        </p:blipFill>
+        <p:spPr>
+          <a:xfrm>
+            <a:off x="938906" y="4034675"/>
+            <a:ext cx="1554615" cy="1827757"/>
+          </a:xfrm>
+          <a:prstGeom prst="rect">
+            <a:avLst/>
+          </a:prstGeom>
+        </p:spPr>
+      </p:pic>
       <p:sp>
         <p:nvSpPr>
-          <p:cNvPr id="49" name="TextBox 48">
+          <p:cNvPr id="13" name="TextBox 12">
             <a:extLst>
               <a:ext uri="{FF2B5EF4-FFF2-40B4-BE49-F238E27FC236}">
-                <a16:creationId xmlns:a16="http://schemas.microsoft.com/office/drawing/2014/main" id="{58FB7C42-D342-4F43-8762-B09238EA5591}"/>
+                <a16:creationId xmlns:a16="http://schemas.microsoft.com/office/drawing/2014/main" id="{F0E7606A-661B-4D1D-B3A9-C0B289C62501}"/>
               </a:ext>
             </a:extLst>
           </p:cNvPr>
@@ -4484,9 +5506,9 @@
           <p:nvPr/>
         </p:nvSpPr>
         <p:spPr>
-          <a:xfrm rot="19041196">
-            <a:off x="3522257" y="3389778"/>
-            <a:ext cx="696024" cy="369332"/>
+          <a:xfrm rot="2550401">
+            <a:off x="7682203" y="3366087"/>
+            <a:ext cx="1029449" cy="369332"/>
           </a:xfrm>
           <a:prstGeom prst="rect">
             <a:avLst/>
@@ -4504,17 +5526,17 @@
                 <a:latin typeface="Roboto Condensed" panose="02000000000000000000" pitchFamily="2" charset="0"/>
                 <a:ea typeface="Roboto Condensed" panose="02000000000000000000" pitchFamily="2" charset="0"/>
               </a:rPr>
-              <a:t>HTTP</a:t>
+              <a:t>Requests</a:t>
             </a:r>
           </a:p>
         </p:txBody>
       </p:sp>
       <p:sp>
         <p:nvSpPr>
-          <p:cNvPr id="55" name="TextBox 54">
+          <p:cNvPr id="18" name="TextBox 17">
             <a:extLst>
               <a:ext uri="{FF2B5EF4-FFF2-40B4-BE49-F238E27FC236}">
-                <a16:creationId xmlns:a16="http://schemas.microsoft.com/office/drawing/2014/main" id="{686ED1B7-86E2-4BFD-8A3A-9EE98EC52936}"/>
+                <a16:creationId xmlns:a16="http://schemas.microsoft.com/office/drawing/2014/main" id="{845010FA-0188-4DC0-BE49-CE17085286B5}"/>
               </a:ext>
             </a:extLst>
           </p:cNvPr>
@@ -4522,8 +5544,8 @@
           <p:nvPr/>
         </p:nvSpPr>
         <p:spPr>
-          <a:xfrm rot="18992551">
-            <a:off x="3510495" y="3666466"/>
+          <a:xfrm rot="2605623">
+            <a:off x="8131308" y="2824543"/>
             <a:ext cx="1180131" cy="369332"/>
           </a:xfrm>
           <a:prstGeom prst="rect">
@@ -4547,10 +5569,46 @@
           </a:p>
         </p:txBody>
       </p:sp>
+      <p:pic>
+        <p:nvPicPr>
+          <p:cNvPr id="7" name="Picture 6" descr="A picture containing glass, mug, food, cup&#10;&#10;Description automatically generated">
+            <a:extLst>
+              <a:ext uri="{FF2B5EF4-FFF2-40B4-BE49-F238E27FC236}">
+                <a16:creationId xmlns:a16="http://schemas.microsoft.com/office/drawing/2014/main" id="{29C94464-4B55-4197-AECE-ACB60CC907AC}"/>
+              </a:ext>
+            </a:extLst>
+          </p:cNvPr>
+          <p:cNvPicPr>
+            <a:picLocks noChangeAspect="1"/>
+          </p:cNvPicPr>
+          <p:nvPr/>
+        </p:nvPicPr>
+        <p:blipFill>
+          <a:blip r:embed="rId6">
+            <a:extLst>
+              <a:ext uri="{28A0092B-C50C-407E-A947-70E740481C1C}">
+                <a14:useLocalDpi xmlns:a14="http://schemas.microsoft.com/office/drawing/2010/main" val="0"/>
+              </a:ext>
+            </a:extLst>
+          </a:blip>
+          <a:stretch>
+            <a:fillRect/>
+          </a:stretch>
+        </p:blipFill>
+        <p:spPr>
+          <a:xfrm>
+            <a:off x="4388089" y="541632"/>
+            <a:ext cx="3159365" cy="2457745"/>
+          </a:xfrm>
+          <a:prstGeom prst="rect">
+            <a:avLst/>
+          </a:prstGeom>
+        </p:spPr>
+      </p:pic>
     </p:spTree>
     <p:extLst>
       <p:ext uri="{BB962C8B-B14F-4D97-AF65-F5344CB8AC3E}">
-        <p14:creationId xmlns:p14="http://schemas.microsoft.com/office/powerpoint/2010/main" val="1450515046"/>
+        <p14:creationId xmlns:p14="http://schemas.microsoft.com/office/powerpoint/2010/main" val="3112890730"/>
       </p:ext>
     </p:extLst>
   </p:cSld>
@@ -4560,7 +5618,7 @@
 </p:sld>
 </file>
 
-<file path=ppt/slides/slide2.xml><?xml version="1.0" encoding="utf-8"?>
+<file path=ppt/slides/slide3.xml><?xml version="1.0" encoding="utf-8"?>
 <p:sld xmlns:a="http://schemas.openxmlformats.org/drawingml/2006/main" xmlns:r="http://schemas.openxmlformats.org/officeDocument/2006/relationships" xmlns:p="http://schemas.openxmlformats.org/presentationml/2006/main">
   <p:cSld>
     <p:spTree>
@@ -6783,7 +7841,7 @@
 </p:sld>
 </file>
 
-<file path=ppt/slides/slide3.xml><?xml version="1.0" encoding="utf-8"?>
+<file path=ppt/slides/slide4.xml><?xml version="1.0" encoding="utf-8"?>
 <p:sld xmlns:a="http://schemas.openxmlformats.org/drawingml/2006/main" xmlns:r="http://schemas.openxmlformats.org/officeDocument/2006/relationships" xmlns:p="http://schemas.openxmlformats.org/presentationml/2006/main">
   <p:cSld>
     <p:spTree>
@@ -6802,10 +7860,10 @@
       </p:grpSpPr>
       <p:grpSp>
         <p:nvGrpSpPr>
-          <p:cNvPr id="21" name="Group 20">
+          <p:cNvPr id="3" name="Group 2">
             <a:extLst>
               <a:ext uri="{FF2B5EF4-FFF2-40B4-BE49-F238E27FC236}">
-                <a16:creationId xmlns:a16="http://schemas.microsoft.com/office/drawing/2014/main" id="{3D22CB49-C9B5-4E44-A47C-22EC546A7AE5}"/>
+                <a16:creationId xmlns:a16="http://schemas.microsoft.com/office/drawing/2014/main" id="{ED8A34B4-3BEC-4820-A19D-01FBFE833D2E}"/>
               </a:ext>
             </a:extLst>
           </p:cNvPr>
@@ -6814,10 +7872,10 @@
         </p:nvGrpSpPr>
         <p:grpSpPr>
           <a:xfrm>
-            <a:off x="2838451" y="601980"/>
-            <a:ext cx="4118611" cy="3013710"/>
-            <a:chOff x="2838451" y="601980"/>
-            <a:chExt cx="4118611" cy="3013710"/>
+            <a:off x="2812321" y="601980"/>
+            <a:ext cx="4144741" cy="3049775"/>
+            <a:chOff x="2812321" y="601980"/>
+            <a:chExt cx="4144741" cy="3049775"/>
           </a:xfrm>
         </p:grpSpPr>
         <p:sp>
@@ -7114,191 +8172,213 @@
             </a:p>
           </p:txBody>
         </p:sp>
-        <p:grpSp>
-          <p:nvGrpSpPr>
-            <p:cNvPr id="20" name="Group 19">
+        <p:sp>
+          <p:nvSpPr>
+            <p:cNvPr id="15" name="Rectangle 14">
               <a:extLst>
                 <a:ext uri="{FF2B5EF4-FFF2-40B4-BE49-F238E27FC236}">
-                  <a16:creationId xmlns:a16="http://schemas.microsoft.com/office/drawing/2014/main" id="{50572117-CF1B-480E-8FF7-136D0AAA870C}"/>
+                  <a16:creationId xmlns:a16="http://schemas.microsoft.com/office/drawing/2014/main" id="{375A727C-4852-4400-A961-37687ADCB501}"/>
                 </a:ext>
               </a:extLst>
             </p:cNvPr>
-            <p:cNvGrpSpPr/>
+            <p:cNvSpPr/>
             <p:nvPr/>
-          </p:nvGrpSpPr>
-          <p:grpSpPr>
+          </p:nvSpPr>
+          <p:spPr>
             <a:xfrm>
               <a:off x="2838451" y="2305050"/>
               <a:ext cx="2171700" cy="1310640"/>
-              <a:chOff x="2491740" y="2125980"/>
-              <a:chExt cx="2849880" cy="1851660"/>
             </a:xfrm>
-          </p:grpSpPr>
-          <p:sp>
-            <p:nvSpPr>
-              <p:cNvPr id="15" name="Rectangle 14">
-                <a:extLst>
-                  <a:ext uri="{FF2B5EF4-FFF2-40B4-BE49-F238E27FC236}">
-                    <a16:creationId xmlns:a16="http://schemas.microsoft.com/office/drawing/2014/main" id="{375A727C-4852-4400-A961-37687ADCB501}"/>
-                  </a:ext>
-                </a:extLst>
-              </p:cNvPr>
-              <p:cNvSpPr/>
-              <p:nvPr/>
-            </p:nvSpPr>
-            <p:spPr>
-              <a:xfrm>
-                <a:off x="2491740" y="2125980"/>
-                <a:ext cx="2849880" cy="1851660"/>
-              </a:xfrm>
-              <a:prstGeom prst="rect">
-                <a:avLst/>
-              </a:prstGeom>
+            <a:prstGeom prst="rect">
+              <a:avLst/>
+            </a:prstGeom>
+            <a:solidFill>
+              <a:schemeClr val="bg2">
+                <a:lumMod val="75000"/>
+              </a:schemeClr>
+            </a:solidFill>
+            <a:ln>
               <a:solidFill>
-                <a:schemeClr val="bg2">
-                  <a:lumMod val="75000"/>
-                </a:schemeClr>
+                <a:schemeClr val="tx1"/>
               </a:solidFill>
-              <a:ln>
-                <a:solidFill>
-                  <a:schemeClr val="tx1"/>
-                </a:solidFill>
-              </a:ln>
-            </p:spPr>
-            <p:style>
-              <a:lnRef idx="2">
-                <a:schemeClr val="accent1">
-                  <a:shade val="50000"/>
-                </a:schemeClr>
-              </a:lnRef>
-              <a:fillRef idx="1">
-                <a:schemeClr val="accent1"/>
-              </a:fillRef>
-              <a:effectRef idx="0">
-                <a:schemeClr val="accent1"/>
-              </a:effectRef>
-              <a:fontRef idx="minor">
-                <a:schemeClr val="lt1"/>
-              </a:fontRef>
-            </p:style>
-            <p:txBody>
-              <a:bodyPr rtlCol="0" anchor="ctr"/>
-              <a:lstStyle/>
-              <a:p>
-                <a:pPr algn="ctr"/>
-                <a:endParaRPr lang="en-US"/>
-              </a:p>
-            </p:txBody>
-          </p:sp>
-          <p:sp>
-            <p:nvSpPr>
-              <p:cNvPr id="16" name="Arrow: Right 15">
-                <a:extLst>
-                  <a:ext uri="{FF2B5EF4-FFF2-40B4-BE49-F238E27FC236}">
-                    <a16:creationId xmlns:a16="http://schemas.microsoft.com/office/drawing/2014/main" id="{C83FCA37-8D66-4D37-A737-290522FABF33}"/>
-                  </a:ext>
-                </a:extLst>
-              </p:cNvPr>
-              <p:cNvSpPr/>
-              <p:nvPr/>
-            </p:nvSpPr>
-            <p:spPr>
-              <a:xfrm>
-                <a:off x="2552701" y="2225040"/>
-                <a:ext cx="2659380" cy="868680"/>
-              </a:xfrm>
-              <a:prstGeom prst="rightArrow">
-                <a:avLst/>
-              </a:prstGeom>
+            </a:ln>
+          </p:spPr>
+          <p:style>
+            <a:lnRef idx="2">
+              <a:schemeClr val="accent1">
+                <a:shade val="50000"/>
+              </a:schemeClr>
+            </a:lnRef>
+            <a:fillRef idx="1">
+              <a:schemeClr val="accent1"/>
+            </a:fillRef>
+            <a:effectRef idx="0">
+              <a:schemeClr val="accent1"/>
+            </a:effectRef>
+            <a:fontRef idx="minor">
+              <a:schemeClr val="lt1"/>
+            </a:fontRef>
+          </p:style>
+          <p:txBody>
+            <a:bodyPr rtlCol="0" anchor="ctr"/>
+            <a:lstStyle/>
+            <a:p>
+              <a:pPr algn="ctr"/>
+              <a:endParaRPr lang="en-US"/>
+            </a:p>
+          </p:txBody>
+        </p:sp>
+        <p:sp>
+          <p:nvSpPr>
+            <p:cNvPr id="2" name="TextBox 1">
+              <a:extLst>
+                <a:ext uri="{FF2B5EF4-FFF2-40B4-BE49-F238E27FC236}">
+                  <a16:creationId xmlns:a16="http://schemas.microsoft.com/office/drawing/2014/main" id="{04B6DEF2-5EB3-4850-B1B1-A3945C5D274B}"/>
+                </a:ext>
+              </a:extLst>
+            </p:cNvPr>
+            <p:cNvSpPr txBox="1"/>
+            <p:nvPr/>
+          </p:nvSpPr>
+          <p:spPr>
+            <a:xfrm>
+              <a:off x="2812321" y="2328316"/>
+              <a:ext cx="2171699" cy="1323439"/>
+            </a:xfrm>
+            <a:prstGeom prst="rect">
+              <a:avLst/>
+            </a:prstGeom>
+            <a:noFill/>
+          </p:spPr>
+          <p:txBody>
+            <a:bodyPr wrap="square" rtlCol="0">
+              <a:spAutoFit/>
+            </a:bodyPr>
+            <a:lstStyle/>
+            <a:p>
+              <a:pPr algn="ctr"/>
+              <a:r>
+                <a:rPr lang="en-US" sz="8000" dirty="0">
+                  <a:latin typeface="Roboto Condensed" panose="02000000000000000000" pitchFamily="2" charset="0"/>
+                  <a:ea typeface="Roboto Condensed" panose="02000000000000000000" pitchFamily="2" charset="0"/>
+                </a:rPr>
+                <a:t>ORM</a:t>
+              </a:r>
+            </a:p>
+          </p:txBody>
+        </p:sp>
+        <p:sp>
+          <p:nvSpPr>
+            <p:cNvPr id="19" name="Arrow: Right 18">
+              <a:extLst>
+                <a:ext uri="{FF2B5EF4-FFF2-40B4-BE49-F238E27FC236}">
+                  <a16:creationId xmlns:a16="http://schemas.microsoft.com/office/drawing/2014/main" id="{61B8CF55-421C-4AB2-81FA-D3F763AA769E}"/>
+                </a:ext>
+              </a:extLst>
+            </p:cNvPr>
+            <p:cNvSpPr/>
+            <p:nvPr/>
+          </p:nvSpPr>
+          <p:spPr>
+            <a:xfrm flipH="1">
+              <a:off x="2884905" y="2919918"/>
+              <a:ext cx="2026533" cy="614868"/>
+            </a:xfrm>
+            <a:prstGeom prst="rightArrow">
+              <a:avLst/>
+            </a:prstGeom>
+            <a:solidFill>
+              <a:srgbClr val="002060">
+                <a:alpha val="25000"/>
+              </a:srgbClr>
+            </a:solidFill>
+            <a:ln>
               <a:solidFill>
-                <a:schemeClr val="bg1"/>
+                <a:schemeClr val="tx1"/>
               </a:solidFill>
-              <a:ln>
-                <a:solidFill>
-                  <a:schemeClr val="tx1"/>
-                </a:solidFill>
-              </a:ln>
-            </p:spPr>
-            <p:style>
-              <a:lnRef idx="2">
-                <a:schemeClr val="accent1">
-                  <a:shade val="50000"/>
-                </a:schemeClr>
-              </a:lnRef>
-              <a:fillRef idx="1">
-                <a:schemeClr val="accent1"/>
-              </a:fillRef>
-              <a:effectRef idx="0">
-                <a:schemeClr val="accent1"/>
-              </a:effectRef>
-              <a:fontRef idx="minor">
-                <a:schemeClr val="lt1"/>
-              </a:fontRef>
-            </p:style>
-            <p:txBody>
-              <a:bodyPr rtlCol="0" anchor="ctr"/>
-              <a:lstStyle/>
-              <a:p>
-                <a:pPr algn="ctr"/>
-                <a:endParaRPr lang="en-US"/>
-              </a:p>
-            </p:txBody>
-          </p:sp>
-          <p:sp>
-            <p:nvSpPr>
-              <p:cNvPr id="19" name="Arrow: Right 18">
-                <a:extLst>
-                  <a:ext uri="{FF2B5EF4-FFF2-40B4-BE49-F238E27FC236}">
-                    <a16:creationId xmlns:a16="http://schemas.microsoft.com/office/drawing/2014/main" id="{61B8CF55-421C-4AB2-81FA-D3F763AA769E}"/>
-                  </a:ext>
-                </a:extLst>
-              </p:cNvPr>
-              <p:cNvSpPr/>
-              <p:nvPr/>
-            </p:nvSpPr>
-            <p:spPr>
-              <a:xfrm flipH="1">
-                <a:off x="2552701" y="2994660"/>
-                <a:ext cx="2659380" cy="868680"/>
-              </a:xfrm>
-              <a:prstGeom prst="rightArrow">
-                <a:avLst/>
-              </a:prstGeom>
+            </a:ln>
+          </p:spPr>
+          <p:style>
+            <a:lnRef idx="2">
+              <a:schemeClr val="accent1">
+                <a:shade val="50000"/>
+              </a:schemeClr>
+            </a:lnRef>
+            <a:fillRef idx="1">
+              <a:schemeClr val="accent1"/>
+            </a:fillRef>
+            <a:effectRef idx="0">
+              <a:schemeClr val="accent1"/>
+            </a:effectRef>
+            <a:fontRef idx="minor">
+              <a:schemeClr val="lt1"/>
+            </a:fontRef>
+          </p:style>
+          <p:txBody>
+            <a:bodyPr rtlCol="0" anchor="ctr"/>
+            <a:lstStyle/>
+            <a:p>
+              <a:pPr algn="ctr"/>
+              <a:endParaRPr lang="en-US" dirty="0"/>
+            </a:p>
+          </p:txBody>
+        </p:sp>
+        <p:sp>
+          <p:nvSpPr>
+            <p:cNvPr id="16" name="Arrow: Right 15">
+              <a:extLst>
+                <a:ext uri="{FF2B5EF4-FFF2-40B4-BE49-F238E27FC236}">
+                  <a16:creationId xmlns:a16="http://schemas.microsoft.com/office/drawing/2014/main" id="{C83FCA37-8D66-4D37-A737-290522FABF33}"/>
+                </a:ext>
+              </a:extLst>
+            </p:cNvPr>
+            <p:cNvSpPr/>
+            <p:nvPr/>
+          </p:nvSpPr>
+          <p:spPr>
+            <a:xfrm>
+              <a:off x="2884905" y="2375168"/>
+              <a:ext cx="2026533" cy="614868"/>
+            </a:xfrm>
+            <a:prstGeom prst="rightArrow">
+              <a:avLst/>
+            </a:prstGeom>
+            <a:solidFill>
+              <a:srgbClr val="FFC000">
+                <a:alpha val="25000"/>
+              </a:srgbClr>
+            </a:solidFill>
+            <a:ln>
               <a:solidFill>
-                <a:schemeClr val="bg1"/>
+                <a:schemeClr val="tx1"/>
               </a:solidFill>
-              <a:ln>
-                <a:solidFill>
-                  <a:schemeClr val="tx1"/>
-                </a:solidFill>
-              </a:ln>
-            </p:spPr>
-            <p:style>
-              <a:lnRef idx="2">
-                <a:schemeClr val="accent1">
-                  <a:shade val="50000"/>
-                </a:schemeClr>
-              </a:lnRef>
-              <a:fillRef idx="1">
-                <a:schemeClr val="accent1"/>
-              </a:fillRef>
-              <a:effectRef idx="0">
-                <a:schemeClr val="accent1"/>
-              </a:effectRef>
-              <a:fontRef idx="minor">
-                <a:schemeClr val="lt1"/>
-              </a:fontRef>
-            </p:style>
-            <p:txBody>
-              <a:bodyPr rtlCol="0" anchor="ctr"/>
-              <a:lstStyle/>
-              <a:p>
-                <a:pPr algn="ctr"/>
-                <a:endParaRPr lang="en-US"/>
-              </a:p>
-            </p:txBody>
-          </p:sp>
-        </p:grpSp>
+            </a:ln>
+          </p:spPr>
+          <p:style>
+            <a:lnRef idx="2">
+              <a:schemeClr val="accent1">
+                <a:shade val="50000"/>
+              </a:schemeClr>
+            </a:lnRef>
+            <a:fillRef idx="1">
+              <a:schemeClr val="accent1"/>
+            </a:fillRef>
+            <a:effectRef idx="0">
+              <a:schemeClr val="accent1"/>
+            </a:effectRef>
+            <a:fontRef idx="minor">
+              <a:schemeClr val="lt1"/>
+            </a:fontRef>
+          </p:style>
+          <p:txBody>
+            <a:bodyPr rtlCol="0" anchor="ctr"/>
+            <a:lstStyle/>
+            <a:p>
+              <a:pPr algn="ctr"/>
+              <a:endParaRPr lang="en-US"/>
+            </a:p>
+          </p:txBody>
+        </p:sp>
       </p:grpSp>
     </p:spTree>
     <p:extLst>
@@ -7313,7 +8393,7 @@
 </p:sld>
 </file>
 
-<file path=ppt/slides/slide4.xml><?xml version="1.0" encoding="utf-8"?>
+<file path=ppt/slides/slide5.xml><?xml version="1.0" encoding="utf-8"?>
 <p:sld xmlns:a="http://schemas.openxmlformats.org/drawingml/2006/main" xmlns:r="http://schemas.openxmlformats.org/officeDocument/2006/relationships" xmlns:p="http://schemas.openxmlformats.org/presentationml/2006/main">
   <p:cSld>
     <p:spTree>
@@ -7982,7 +9062,7 @@
               <a:lstStyle/>
               <a:p>
                 <a:pPr algn="ctr"/>
-                <a:endParaRPr lang="en-US"/>
+                <a:endParaRPr lang="en-US" dirty="0"/>
               </a:p>
             </p:txBody>
           </p:sp>

--- a/AIS_2020_Figures/other_figures.pptx
+++ b/AIS_2020_Figures/other_figures.pptx
@@ -4713,10 +4713,10 @@
       </p:grpSpPr>
       <p:grpSp>
         <p:nvGrpSpPr>
-          <p:cNvPr id="2" name="Group 1">
+          <p:cNvPr id="6" name="Group 5">
             <a:extLst>
               <a:ext uri="{FF2B5EF4-FFF2-40B4-BE49-F238E27FC236}">
-                <a16:creationId xmlns:a16="http://schemas.microsoft.com/office/drawing/2014/main" id="{ABE8B96C-52D6-4E0A-B306-400B932530E0}"/>
+                <a16:creationId xmlns:a16="http://schemas.microsoft.com/office/drawing/2014/main" id="{1AAE5759-A53C-4C41-9783-5705FECCC0A1}"/>
               </a:ext>
             </a:extLst>
           </p:cNvPr>
@@ -4725,18 +4725,18 @@
         </p:nvGrpSpPr>
         <p:grpSpPr>
           <a:xfrm>
-            <a:off x="745827" y="2233127"/>
-            <a:ext cx="11097830" cy="4111680"/>
-            <a:chOff x="745827" y="2233127"/>
-            <a:chExt cx="11097830" cy="4111680"/>
+            <a:off x="745827" y="541632"/>
+            <a:ext cx="11097830" cy="5803175"/>
+            <a:chOff x="745827" y="541632"/>
+            <a:chExt cx="11097830" cy="5803175"/>
           </a:xfrm>
         </p:grpSpPr>
         <p:grpSp>
           <p:nvGrpSpPr>
-            <p:cNvPr id="47" name="Group 46">
+            <p:cNvPr id="2" name="Group 1">
               <a:extLst>
                 <a:ext uri="{FF2B5EF4-FFF2-40B4-BE49-F238E27FC236}">
-                  <a16:creationId xmlns:a16="http://schemas.microsoft.com/office/drawing/2014/main" id="{3B458918-10FE-4D8A-8D7F-FCCAE3BFB451}"/>
+                  <a16:creationId xmlns:a16="http://schemas.microsoft.com/office/drawing/2014/main" id="{ABE8B96C-52D6-4E0A-B306-400B932530E0}"/>
                 </a:ext>
               </a:extLst>
             </p:cNvPr>
@@ -4753,10 +4753,10 @@
           </p:grpSpPr>
           <p:grpSp>
             <p:nvGrpSpPr>
-              <p:cNvPr id="17" name="Group 16">
+              <p:cNvPr id="47" name="Group 46">
                 <a:extLst>
                   <a:ext uri="{FF2B5EF4-FFF2-40B4-BE49-F238E27FC236}">
-                    <a16:creationId xmlns:a16="http://schemas.microsoft.com/office/drawing/2014/main" id="{E2B00341-5D80-42AA-8D4F-CB072B604EE8}"/>
+                    <a16:creationId xmlns:a16="http://schemas.microsoft.com/office/drawing/2014/main" id="{3B458918-10FE-4D8A-8D7F-FCCAE3BFB451}"/>
                   </a:ext>
                 </a:extLst>
               </p:cNvPr>
@@ -4765,18 +4765,18 @@
             </p:nvGrpSpPr>
             <p:grpSpPr>
               <a:xfrm>
-                <a:off x="745827" y="3119232"/>
-                <a:ext cx="2021633" cy="3225575"/>
-                <a:chOff x="1363047" y="2565141"/>
-                <a:chExt cx="2021633" cy="3225575"/>
+                <a:off x="745827" y="2233127"/>
+                <a:ext cx="11097830" cy="4111680"/>
+                <a:chOff x="745827" y="2233127"/>
+                <a:chExt cx="11097830" cy="4111680"/>
               </a:xfrm>
             </p:grpSpPr>
             <p:grpSp>
               <p:nvGrpSpPr>
-                <p:cNvPr id="15" name="Group 14">
+                <p:cNvPr id="17" name="Group 16">
                   <a:extLst>
                     <a:ext uri="{FF2B5EF4-FFF2-40B4-BE49-F238E27FC236}">
-                      <a16:creationId xmlns:a16="http://schemas.microsoft.com/office/drawing/2014/main" id="{51C7E96E-01E8-4F77-871B-7A3ECAA7BFD3}"/>
+                      <a16:creationId xmlns:a16="http://schemas.microsoft.com/office/drawing/2014/main" id="{E2B00341-5D80-42AA-8D4F-CB072B604EE8}"/>
                     </a:ext>
                   </a:extLst>
                 </p:cNvPr>
@@ -4785,181 +4785,240 @@
               </p:nvGrpSpPr>
               <p:grpSpPr>
                 <a:xfrm>
-                  <a:off x="1363047" y="2565141"/>
-                  <a:ext cx="2021633" cy="2792963"/>
-                  <a:chOff x="1934547" y="1841241"/>
-                  <a:chExt cx="2021633" cy="2792963"/>
+                  <a:off x="745827" y="3119232"/>
+                  <a:ext cx="2021633" cy="3225575"/>
+                  <a:chOff x="1363047" y="2565141"/>
+                  <a:chExt cx="2021633" cy="3225575"/>
                 </a:xfrm>
               </p:grpSpPr>
-              <p:sp>
-                <p:nvSpPr>
-                  <p:cNvPr id="4" name="Rectangle 3">
+              <p:grpSp>
+                <p:nvGrpSpPr>
+                  <p:cNvPr id="15" name="Group 14">
                     <a:extLst>
                       <a:ext uri="{FF2B5EF4-FFF2-40B4-BE49-F238E27FC236}">
-                        <a16:creationId xmlns:a16="http://schemas.microsoft.com/office/drawing/2014/main" id="{2A4D8AB6-790A-4ABC-BE77-9666A6B98B92}"/>
+                        <a16:creationId xmlns:a16="http://schemas.microsoft.com/office/drawing/2014/main" id="{51C7E96E-01E8-4F77-871B-7A3ECAA7BFD3}"/>
                       </a:ext>
                     </a:extLst>
                   </p:cNvPr>
-                  <p:cNvSpPr/>
+                  <p:cNvGrpSpPr/>
+                  <p:nvPr/>
+                </p:nvGrpSpPr>
+                <p:grpSpPr>
+                  <a:xfrm>
+                    <a:off x="1363047" y="2565141"/>
+                    <a:ext cx="2021633" cy="2792963"/>
+                    <a:chOff x="1934547" y="1841241"/>
+                    <a:chExt cx="2021633" cy="2792963"/>
+                  </a:xfrm>
+                </p:grpSpPr>
+                <p:sp>
+                  <p:nvSpPr>
+                    <p:cNvPr id="4" name="Rectangle 3">
+                      <a:extLst>
+                        <a:ext uri="{FF2B5EF4-FFF2-40B4-BE49-F238E27FC236}">
+                          <a16:creationId xmlns:a16="http://schemas.microsoft.com/office/drawing/2014/main" id="{2A4D8AB6-790A-4ABC-BE77-9666A6B98B92}"/>
+                        </a:ext>
+                      </a:extLst>
+                    </p:cNvPr>
+                    <p:cNvSpPr/>
+                    <p:nvPr/>
+                  </p:nvSpPr>
+                  <p:spPr>
+                    <a:xfrm>
+                      <a:off x="1934547" y="1841241"/>
+                      <a:ext cx="2021633" cy="2792963"/>
+                    </a:xfrm>
+                    <a:prstGeom prst="rect">
+                      <a:avLst/>
+                    </a:prstGeom>
+                  </p:spPr>
+                  <p:style>
+                    <a:lnRef idx="2">
+                      <a:schemeClr val="dk1">
+                        <a:shade val="50000"/>
+                      </a:schemeClr>
+                    </a:lnRef>
+                    <a:fillRef idx="1">
+                      <a:schemeClr val="dk1"/>
+                    </a:fillRef>
+                    <a:effectRef idx="0">
+                      <a:schemeClr val="dk1"/>
+                    </a:effectRef>
+                    <a:fontRef idx="minor">
+                      <a:schemeClr val="lt1"/>
+                    </a:fontRef>
+                  </p:style>
+                  <p:txBody>
+                    <a:bodyPr rtlCol="0" anchor="ctr"/>
+                    <a:lstStyle/>
+                    <a:p>
+                      <a:pPr algn="ctr"/>
+                      <a:endParaRPr lang="en-US"/>
+                    </a:p>
+                  </p:txBody>
+                </p:sp>
+                <p:sp>
+                  <p:nvSpPr>
+                    <p:cNvPr id="5" name="Rectangle 4">
+                      <a:extLst>
+                        <a:ext uri="{FF2B5EF4-FFF2-40B4-BE49-F238E27FC236}">
+                          <a16:creationId xmlns:a16="http://schemas.microsoft.com/office/drawing/2014/main" id="{806AEFE7-374C-4227-997A-872B9E669544}"/>
+                        </a:ext>
+                      </a:extLst>
+                    </p:cNvPr>
+                    <p:cNvSpPr/>
+                    <p:nvPr/>
+                  </p:nvSpPr>
+                  <p:spPr>
+                    <a:xfrm>
+                      <a:off x="1990531" y="1884784"/>
+                      <a:ext cx="1897224" cy="2699657"/>
+                    </a:xfrm>
+                    <a:prstGeom prst="rect">
+                      <a:avLst/>
+                    </a:prstGeom>
+                  </p:spPr>
+                  <p:style>
+                    <a:lnRef idx="1">
+                      <a:schemeClr val="accent3"/>
+                    </a:lnRef>
+                    <a:fillRef idx="2">
+                      <a:schemeClr val="accent3"/>
+                    </a:fillRef>
+                    <a:effectRef idx="1">
+                      <a:schemeClr val="accent3"/>
+                    </a:effectRef>
+                    <a:fontRef idx="minor">
+                      <a:schemeClr val="dk1"/>
+                    </a:fontRef>
+                  </p:style>
+                  <p:txBody>
+                    <a:bodyPr rtlCol="0" anchor="ctr"/>
+                    <a:lstStyle/>
+                    <a:p>
+                      <a:pPr algn="ctr"/>
+                      <a:endParaRPr lang="en-US"/>
+                    </a:p>
+                  </p:txBody>
+                </p:sp>
+                <p:pic>
+                  <p:nvPicPr>
+                    <p:cNvPr id="3" name="Picture 2" descr="A picture containing flower&#10;&#10;Description automatically generated">
+                      <a:extLst>
+                        <a:ext uri="{FF2B5EF4-FFF2-40B4-BE49-F238E27FC236}">
+                          <a16:creationId xmlns:a16="http://schemas.microsoft.com/office/drawing/2014/main" id="{D6E99C5D-2993-46B9-9D6D-99DEE0869D55}"/>
+                        </a:ext>
+                      </a:extLst>
+                    </p:cNvPr>
+                    <p:cNvPicPr>
+                      <a:picLocks noChangeAspect="1"/>
+                    </p:cNvPicPr>
+                    <p:nvPr/>
+                  </p:nvPicPr>
+                  <p:blipFill>
+                    <a:blip r:embed="rId2">
+                      <a:extLst>
+                        <a:ext uri="{28A0092B-C50C-407E-A947-70E740481C1C}">
+                          <a14:useLocalDpi xmlns:a14="http://schemas.microsoft.com/office/drawing/2010/main" val="0"/>
+                        </a:ext>
+                      </a:extLst>
+                    </a:blip>
+                    <a:stretch>
+                      <a:fillRect/>
+                    </a:stretch>
+                  </p:blipFill>
+                  <p:spPr>
+                    <a:xfrm>
+                      <a:off x="2052735" y="1948064"/>
+                      <a:ext cx="619899" cy="309395"/>
+                    </a:xfrm>
+                    <a:prstGeom prst="rect">
+                      <a:avLst/>
+                    </a:prstGeom>
+                  </p:spPr>
+                </p:pic>
+                <p:pic>
+                  <p:nvPicPr>
+                    <p:cNvPr id="14" name="Picture 13" descr="A picture containing game&#10;&#10;Description automatically generated">
+                      <a:extLst>
+                        <a:ext uri="{FF2B5EF4-FFF2-40B4-BE49-F238E27FC236}">
+                          <a16:creationId xmlns:a16="http://schemas.microsoft.com/office/drawing/2014/main" id="{DAFE493F-13E0-4926-9AF2-A82F2300CADD}"/>
+                        </a:ext>
+                      </a:extLst>
+                    </p:cNvPr>
+                    <p:cNvPicPr>
+                      <a:picLocks noChangeAspect="1"/>
+                    </p:cNvPicPr>
+                    <p:nvPr/>
+                  </p:nvPicPr>
+                  <p:blipFill>
+                    <a:blip r:embed="rId3">
+                      <a:extLst>
+                        <a:ext uri="{28A0092B-C50C-407E-A947-70E740481C1C}">
+                          <a14:useLocalDpi xmlns:a14="http://schemas.microsoft.com/office/drawing/2010/main" val="0"/>
+                        </a:ext>
+                      </a:extLst>
+                    </a:blip>
+                    <a:stretch>
+                      <a:fillRect/>
+                    </a:stretch>
+                  </p:blipFill>
+                  <p:spPr>
+                    <a:xfrm>
+                      <a:off x="3215951" y="1948064"/>
+                      <a:ext cx="619899" cy="670728"/>
+                    </a:xfrm>
+                    <a:prstGeom prst="rect">
+                      <a:avLst/>
+                    </a:prstGeom>
+                  </p:spPr>
+                </p:pic>
+              </p:grpSp>
+              <p:sp>
+                <p:nvSpPr>
+                  <p:cNvPr id="16" name="TextBox 15">
+                    <a:extLst>
+                      <a:ext uri="{FF2B5EF4-FFF2-40B4-BE49-F238E27FC236}">
+                        <a16:creationId xmlns:a16="http://schemas.microsoft.com/office/drawing/2014/main" id="{F47614FB-E6E5-4B2E-BB7C-526CEB58F07C}"/>
+                      </a:ext>
+                    </a:extLst>
+                  </p:cNvPr>
+                  <p:cNvSpPr txBox="1"/>
                   <p:nvPr/>
                 </p:nvSpPr>
                 <p:spPr>
                   <a:xfrm>
-                    <a:off x="1934547" y="1841241"/>
-                    <a:ext cx="2021633" cy="2792963"/>
+                    <a:off x="1665623" y="5421384"/>
+                    <a:ext cx="1335622" cy="369332"/>
                   </a:xfrm>
                   <a:prstGeom prst="rect">
                     <a:avLst/>
                   </a:prstGeom>
+                  <a:noFill/>
                 </p:spPr>
-                <p:style>
-                  <a:lnRef idx="2">
-                    <a:schemeClr val="dk1">
-                      <a:shade val="50000"/>
-                    </a:schemeClr>
-                  </a:lnRef>
-                  <a:fillRef idx="1">
-                    <a:schemeClr val="dk1"/>
-                  </a:fillRef>
-                  <a:effectRef idx="0">
-                    <a:schemeClr val="dk1"/>
-                  </a:effectRef>
-                  <a:fontRef idx="minor">
-                    <a:schemeClr val="lt1"/>
-                  </a:fontRef>
-                </p:style>
                 <p:txBody>
-                  <a:bodyPr rtlCol="0" anchor="ctr"/>
+                  <a:bodyPr wrap="none" rtlCol="0">
+                    <a:spAutoFit/>
+                  </a:bodyPr>
                   <a:lstStyle/>
                   <a:p>
-                    <a:pPr algn="ctr"/>
-                    <a:endParaRPr lang="en-US"/>
+                    <a:r>
+                      <a:rPr lang="en-US" dirty="0">
+                        <a:latin typeface="Roboto Condensed" panose="02000000000000000000" pitchFamily="2" charset="0"/>
+                        <a:ea typeface="Roboto Condensed" panose="02000000000000000000" pitchFamily="2" charset="0"/>
+                      </a:rPr>
+                      <a:t>Smart Mirror</a:t>
+                    </a:r>
                   </a:p>
                 </p:txBody>
               </p:sp>
-              <p:sp>
-                <p:nvSpPr>
-                  <p:cNvPr id="5" name="Rectangle 4">
-                    <a:extLst>
-                      <a:ext uri="{FF2B5EF4-FFF2-40B4-BE49-F238E27FC236}">
-                        <a16:creationId xmlns:a16="http://schemas.microsoft.com/office/drawing/2014/main" id="{806AEFE7-374C-4227-997A-872B9E669544}"/>
-                      </a:ext>
-                    </a:extLst>
-                  </p:cNvPr>
-                  <p:cNvSpPr/>
-                  <p:nvPr/>
-                </p:nvSpPr>
-                <p:spPr>
-                  <a:xfrm>
-                    <a:off x="1990531" y="1884784"/>
-                    <a:ext cx="1897224" cy="2699657"/>
-                  </a:xfrm>
-                  <a:prstGeom prst="rect">
-                    <a:avLst/>
-                  </a:prstGeom>
-                </p:spPr>
-                <p:style>
-                  <a:lnRef idx="1">
-                    <a:schemeClr val="accent3"/>
-                  </a:lnRef>
-                  <a:fillRef idx="2">
-                    <a:schemeClr val="accent3"/>
-                  </a:fillRef>
-                  <a:effectRef idx="1">
-                    <a:schemeClr val="accent3"/>
-                  </a:effectRef>
-                  <a:fontRef idx="minor">
-                    <a:schemeClr val="dk1"/>
-                  </a:fontRef>
-                </p:style>
-                <p:txBody>
-                  <a:bodyPr rtlCol="0" anchor="ctr"/>
-                  <a:lstStyle/>
-                  <a:p>
-                    <a:pPr algn="ctr"/>
-                    <a:endParaRPr lang="en-US"/>
-                  </a:p>
-                </p:txBody>
-              </p:sp>
-              <p:pic>
-                <p:nvPicPr>
-                  <p:cNvPr id="3" name="Picture 2" descr="A picture containing flower&#10;&#10;Description automatically generated">
-                    <a:extLst>
-                      <a:ext uri="{FF2B5EF4-FFF2-40B4-BE49-F238E27FC236}">
-                        <a16:creationId xmlns:a16="http://schemas.microsoft.com/office/drawing/2014/main" id="{D6E99C5D-2993-46B9-9D6D-99DEE0869D55}"/>
-                      </a:ext>
-                    </a:extLst>
-                  </p:cNvPr>
-                  <p:cNvPicPr>
-                    <a:picLocks noChangeAspect="1"/>
-                  </p:cNvPicPr>
-                  <p:nvPr/>
-                </p:nvPicPr>
-                <p:blipFill>
-                  <a:blip r:embed="rId2">
-                    <a:extLst>
-                      <a:ext uri="{28A0092B-C50C-407E-A947-70E740481C1C}">
-                        <a14:useLocalDpi xmlns:a14="http://schemas.microsoft.com/office/drawing/2010/main" val="0"/>
-                      </a:ext>
-                    </a:extLst>
-                  </a:blip>
-                  <a:stretch>
-                    <a:fillRect/>
-                  </a:stretch>
-                </p:blipFill>
-                <p:spPr>
-                  <a:xfrm>
-                    <a:off x="2052735" y="1948064"/>
-                    <a:ext cx="619899" cy="309395"/>
-                  </a:xfrm>
-                  <a:prstGeom prst="rect">
-                    <a:avLst/>
-                  </a:prstGeom>
-                </p:spPr>
-              </p:pic>
-              <p:pic>
-                <p:nvPicPr>
-                  <p:cNvPr id="14" name="Picture 13" descr="A picture containing game&#10;&#10;Description automatically generated">
-                    <a:extLst>
-                      <a:ext uri="{FF2B5EF4-FFF2-40B4-BE49-F238E27FC236}">
-                        <a16:creationId xmlns:a16="http://schemas.microsoft.com/office/drawing/2014/main" id="{DAFE493F-13E0-4926-9AF2-A82F2300CADD}"/>
-                      </a:ext>
-                    </a:extLst>
-                  </p:cNvPr>
-                  <p:cNvPicPr>
-                    <a:picLocks noChangeAspect="1"/>
-                  </p:cNvPicPr>
-                  <p:nvPr/>
-                </p:nvPicPr>
-                <p:blipFill>
-                  <a:blip r:embed="rId3">
-                    <a:extLst>
-                      <a:ext uri="{28A0092B-C50C-407E-A947-70E740481C1C}">
-                        <a14:useLocalDpi xmlns:a14="http://schemas.microsoft.com/office/drawing/2010/main" val="0"/>
-                      </a:ext>
-                    </a:extLst>
-                  </a:blip>
-                  <a:stretch>
-                    <a:fillRect/>
-                  </a:stretch>
-                </p:blipFill>
-                <p:spPr>
-                  <a:xfrm>
-                    <a:off x="3215951" y="1948064"/>
-                    <a:ext cx="619899" cy="670728"/>
-                  </a:xfrm>
-                  <a:prstGeom prst="rect">
-                    <a:avLst/>
-                  </a:prstGeom>
-                </p:spPr>
-              </p:pic>
             </p:grpSp>
             <p:sp>
               <p:nvSpPr>
-                <p:cNvPr id="16" name="TextBox 15">
+                <p:cNvPr id="21" name="TextBox 20">
                   <a:extLst>
                     <a:ext uri="{FF2B5EF4-FFF2-40B4-BE49-F238E27FC236}">
-                      <a16:creationId xmlns:a16="http://schemas.microsoft.com/office/drawing/2014/main" id="{F47614FB-E6E5-4B2E-BB7C-526CEB58F07C}"/>
+                      <a16:creationId xmlns:a16="http://schemas.microsoft.com/office/drawing/2014/main" id="{5EE10236-EFEB-4C34-8055-1BA330FBE957}"/>
                     </a:ext>
                   </a:extLst>
                 </p:cNvPr>
@@ -4968,8 +5027,8 @@
               </p:nvSpPr>
               <p:spPr>
                 <a:xfrm>
-                  <a:off x="1665623" y="5421384"/>
-                  <a:ext cx="1335622" cy="369332"/>
+                  <a:off x="4873549" y="2575559"/>
+                  <a:ext cx="2444900" cy="369332"/>
                 </a:xfrm>
                 <a:prstGeom prst="rect">
                   <a:avLst/>
@@ -4987,7 +5046,355 @@
                       <a:latin typeface="Roboto Condensed" panose="02000000000000000000" pitchFamily="2" charset="0"/>
                       <a:ea typeface="Roboto Condensed" panose="02000000000000000000" pitchFamily="2" charset="0"/>
                     </a:rPr>
-                    <a:t>Smart Mirror</a:t>
+                    <a:t>Database and Webserver</a:t>
+                  </a:r>
+                </a:p>
+              </p:txBody>
+            </p:sp>
+            <p:grpSp>
+              <p:nvGrpSpPr>
+                <p:cNvPr id="35" name="Group 34">
+                  <a:extLst>
+                    <a:ext uri="{FF2B5EF4-FFF2-40B4-BE49-F238E27FC236}">
+                      <a16:creationId xmlns:a16="http://schemas.microsoft.com/office/drawing/2014/main" id="{E9AF47B3-5D17-4010-B2B7-5104FC583F5F}"/>
+                    </a:ext>
+                  </a:extLst>
+                </p:cNvPr>
+                <p:cNvGrpSpPr/>
+                <p:nvPr/>
+              </p:nvGrpSpPr>
+              <p:grpSpPr>
+                <a:xfrm>
+                  <a:off x="8766160" y="3506397"/>
+                  <a:ext cx="3077497" cy="2838410"/>
+                  <a:chOff x="8585768" y="3535450"/>
+                  <a:chExt cx="3077497" cy="2838410"/>
+                </a:xfrm>
+              </p:grpSpPr>
+              <p:pic>
+                <p:nvPicPr>
+                  <p:cNvPr id="24" name="Picture 23" descr="A picture containing computer, computer&#10;&#10;Description automatically generated">
+                    <a:extLst>
+                      <a:ext uri="{FF2B5EF4-FFF2-40B4-BE49-F238E27FC236}">
+                        <a16:creationId xmlns:a16="http://schemas.microsoft.com/office/drawing/2014/main" id="{31355BAD-CAAF-4613-A2CE-C9EEBB6B4A25}"/>
+                      </a:ext>
+                    </a:extLst>
+                  </p:cNvPr>
+                  <p:cNvPicPr>
+                    <a:picLocks noChangeAspect="1"/>
+                  </p:cNvPicPr>
+                  <p:nvPr/>
+                </p:nvPicPr>
+                <p:blipFill>
+                  <a:blip r:embed="rId4">
+                    <a:extLst>
+                      <a:ext uri="{28A0092B-C50C-407E-A947-70E740481C1C}">
+                        <a14:useLocalDpi xmlns:a14="http://schemas.microsoft.com/office/drawing/2010/main" val="0"/>
+                      </a:ext>
+                    </a:extLst>
+                  </a:blip>
+                  <a:stretch>
+                    <a:fillRect/>
+                  </a:stretch>
+                </p:blipFill>
+                <p:spPr>
+                  <a:xfrm>
+                    <a:off x="8743765" y="3535450"/>
+                    <a:ext cx="2761501" cy="2079122"/>
+                  </a:xfrm>
+                  <a:prstGeom prst="rect">
+                    <a:avLst/>
+                  </a:prstGeom>
+                </p:spPr>
+              </p:pic>
+              <p:sp>
+                <p:nvSpPr>
+                  <p:cNvPr id="26" name="TextBox 25">
+                    <a:extLst>
+                      <a:ext uri="{FF2B5EF4-FFF2-40B4-BE49-F238E27FC236}">
+                        <a16:creationId xmlns:a16="http://schemas.microsoft.com/office/drawing/2014/main" id="{3916DBAE-5E4F-42CD-8F53-3C3CCBDC731F}"/>
+                      </a:ext>
+                    </a:extLst>
+                  </p:cNvPr>
+                  <p:cNvSpPr txBox="1"/>
+                  <p:nvPr/>
+                </p:nvSpPr>
+                <p:spPr>
+                  <a:xfrm>
+                    <a:off x="8585768" y="5727529"/>
+                    <a:ext cx="3077497" cy="646331"/>
+                  </a:xfrm>
+                  <a:prstGeom prst="rect">
+                    <a:avLst/>
+                  </a:prstGeom>
+                  <a:noFill/>
+                </p:spPr>
+                <p:txBody>
+                  <a:bodyPr wrap="square" rtlCol="0">
+                    <a:spAutoFit/>
+                  </a:bodyPr>
+                  <a:lstStyle/>
+                  <a:p>
+                    <a:pPr algn="ctr"/>
+                    <a:r>
+                      <a:rPr lang="en-US" dirty="0">
+                        <a:latin typeface="Roboto Condensed" panose="02000000000000000000" pitchFamily="2" charset="0"/>
+                        <a:ea typeface="Roboto Condensed" panose="02000000000000000000" pitchFamily="2" charset="0"/>
+                      </a:rPr>
+                      <a:t>Registration and Management website</a:t>
+                    </a:r>
+                  </a:p>
+                </p:txBody>
+              </p:sp>
+            </p:grpSp>
+            <p:cxnSp>
+              <p:nvCxnSpPr>
+                <p:cNvPr id="28" name="Straight Arrow Connector 27">
+                  <a:extLst>
+                    <a:ext uri="{FF2B5EF4-FFF2-40B4-BE49-F238E27FC236}">
+                      <a16:creationId xmlns:a16="http://schemas.microsoft.com/office/drawing/2014/main" id="{F573D385-D8C3-4393-831D-0ECA1823A5DB}"/>
+                    </a:ext>
+                  </a:extLst>
+                </p:cNvPr>
+                <p:cNvCxnSpPr>
+                  <a:cxnSpLocks/>
+                </p:cNvCxnSpPr>
+                <p:nvPr/>
+              </p:nvCxnSpPr>
+              <p:spPr>
+                <a:xfrm flipV="1">
+                  <a:off x="2841596" y="2624962"/>
+                  <a:ext cx="1777912" cy="1635966"/>
+                </a:xfrm>
+                <a:prstGeom prst="straightConnector1">
+                  <a:avLst/>
+                </a:prstGeom>
+                <a:ln w="57150">
+                  <a:solidFill>
+                    <a:srgbClr val="000000"/>
+                  </a:solidFill>
+                  <a:tailEnd type="triangle"/>
+                </a:ln>
+              </p:spPr>
+              <p:style>
+                <a:lnRef idx="1">
+                  <a:schemeClr val="accent1"/>
+                </a:lnRef>
+                <a:fillRef idx="0">
+                  <a:schemeClr val="accent1"/>
+                </a:fillRef>
+                <a:effectRef idx="0">
+                  <a:schemeClr val="accent1"/>
+                </a:effectRef>
+                <a:fontRef idx="minor">
+                  <a:schemeClr val="tx1"/>
+                </a:fontRef>
+              </p:style>
+            </p:cxnSp>
+            <p:cxnSp>
+              <p:nvCxnSpPr>
+                <p:cNvPr id="37" name="Straight Arrow Connector 36">
+                  <a:extLst>
+                    <a:ext uri="{FF2B5EF4-FFF2-40B4-BE49-F238E27FC236}">
+                      <a16:creationId xmlns:a16="http://schemas.microsoft.com/office/drawing/2014/main" id="{DD385056-E99F-450C-BCC7-FA74C50AA5A4}"/>
+                    </a:ext>
+                  </a:extLst>
+                </p:cNvPr>
+                <p:cNvCxnSpPr>
+                  <a:cxnSpLocks/>
+                </p:cNvCxnSpPr>
+                <p:nvPr/>
+              </p:nvCxnSpPr>
+              <p:spPr>
+                <a:xfrm flipH="1">
+                  <a:off x="3036919" y="2946446"/>
+                  <a:ext cx="1747935" cy="1626334"/>
+                </a:xfrm>
+                <a:prstGeom prst="straightConnector1">
+                  <a:avLst/>
+                </a:prstGeom>
+                <a:ln w="57150">
+                  <a:solidFill>
+                    <a:srgbClr val="000000"/>
+                  </a:solidFill>
+                  <a:tailEnd type="triangle"/>
+                </a:ln>
+              </p:spPr>
+              <p:style>
+                <a:lnRef idx="1">
+                  <a:schemeClr val="accent1"/>
+                </a:lnRef>
+                <a:fillRef idx="0">
+                  <a:schemeClr val="accent1"/>
+                </a:fillRef>
+                <a:effectRef idx="0">
+                  <a:schemeClr val="accent1"/>
+                </a:effectRef>
+                <a:fontRef idx="minor">
+                  <a:schemeClr val="tx1"/>
+                </a:fontRef>
+              </p:style>
+            </p:cxnSp>
+            <p:sp>
+              <p:nvSpPr>
+                <p:cNvPr id="41" name="TextBox 40">
+                  <a:extLst>
+                    <a:ext uri="{FF2B5EF4-FFF2-40B4-BE49-F238E27FC236}">
+                      <a16:creationId xmlns:a16="http://schemas.microsoft.com/office/drawing/2014/main" id="{EF073A1D-5E35-4AC5-8A00-3B54549F434C}"/>
+                    </a:ext>
+                  </a:extLst>
+                </p:cNvPr>
+                <p:cNvSpPr txBox="1"/>
+                <p:nvPr/>
+              </p:nvSpPr>
+              <p:spPr>
+                <a:xfrm rot="19041196">
+                  <a:off x="3116611" y="3127337"/>
+                  <a:ext cx="1029449" cy="369332"/>
+                </a:xfrm>
+                <a:prstGeom prst="rect">
+                  <a:avLst/>
+                </a:prstGeom>
+                <a:noFill/>
+              </p:spPr>
+              <p:txBody>
+                <a:bodyPr wrap="none" rtlCol="0">
+                  <a:spAutoFit/>
+                </a:bodyPr>
+                <a:lstStyle/>
+                <a:p>
+                  <a:r>
+                    <a:rPr lang="en-US" dirty="0">
+                      <a:latin typeface="Roboto Condensed" panose="02000000000000000000" pitchFamily="2" charset="0"/>
+                      <a:ea typeface="Roboto Condensed" panose="02000000000000000000" pitchFamily="2" charset="0"/>
+                    </a:rPr>
+                    <a:t>Requests</a:t>
+                  </a:r>
+                </a:p>
+              </p:txBody>
+            </p:sp>
+            <p:cxnSp>
+              <p:nvCxnSpPr>
+                <p:cNvPr id="42" name="Straight Arrow Connector 41">
+                  <a:extLst>
+                    <a:ext uri="{FF2B5EF4-FFF2-40B4-BE49-F238E27FC236}">
+                      <a16:creationId xmlns:a16="http://schemas.microsoft.com/office/drawing/2014/main" id="{0435DD12-2D4F-471F-BA3C-5E64C5C70CF2}"/>
+                    </a:ext>
+                  </a:extLst>
+                </p:cNvPr>
+                <p:cNvCxnSpPr>
+                  <a:cxnSpLocks/>
+                </p:cNvCxnSpPr>
+                <p:nvPr/>
+              </p:nvCxnSpPr>
+              <p:spPr>
+                <a:xfrm>
+                  <a:off x="7594882" y="2233127"/>
+                  <a:ext cx="1801280" cy="1704354"/>
+                </a:xfrm>
+                <a:prstGeom prst="straightConnector1">
+                  <a:avLst/>
+                </a:prstGeom>
+                <a:ln w="57150">
+                  <a:solidFill>
+                    <a:srgbClr val="000000"/>
+                  </a:solidFill>
+                  <a:tailEnd type="triangle"/>
+                </a:ln>
+              </p:spPr>
+              <p:style>
+                <a:lnRef idx="1">
+                  <a:schemeClr val="accent1"/>
+                </a:lnRef>
+                <a:fillRef idx="0">
+                  <a:schemeClr val="accent1"/>
+                </a:fillRef>
+                <a:effectRef idx="0">
+                  <a:schemeClr val="accent1"/>
+                </a:effectRef>
+                <a:fontRef idx="minor">
+                  <a:schemeClr val="tx1"/>
+                </a:fontRef>
+              </p:style>
+            </p:cxnSp>
+            <p:cxnSp>
+              <p:nvCxnSpPr>
+                <p:cNvPr id="43" name="Straight Arrow Connector 42">
+                  <a:extLst>
+                    <a:ext uri="{FF2B5EF4-FFF2-40B4-BE49-F238E27FC236}">
+                      <a16:creationId xmlns:a16="http://schemas.microsoft.com/office/drawing/2014/main" id="{EF10C1C4-81A5-4D64-85A2-FE42032B50C5}"/>
+                    </a:ext>
+                  </a:extLst>
+                </p:cNvPr>
+                <p:cNvCxnSpPr>
+                  <a:cxnSpLocks/>
+                </p:cNvCxnSpPr>
+                <p:nvPr/>
+              </p:nvCxnSpPr>
+              <p:spPr>
+                <a:xfrm rot="5136767" flipH="1">
+                  <a:off x="7503700" y="2665016"/>
+                  <a:ext cx="1747935" cy="1626334"/>
+                </a:xfrm>
+                <a:prstGeom prst="straightConnector1">
+                  <a:avLst/>
+                </a:prstGeom>
+                <a:ln w="57150">
+                  <a:solidFill>
+                    <a:srgbClr val="000000"/>
+                  </a:solidFill>
+                  <a:tailEnd type="triangle"/>
+                </a:ln>
+              </p:spPr>
+              <p:style>
+                <a:lnRef idx="1">
+                  <a:schemeClr val="accent1"/>
+                </a:lnRef>
+                <a:fillRef idx="0">
+                  <a:schemeClr val="accent1"/>
+                </a:fillRef>
+                <a:effectRef idx="0">
+                  <a:schemeClr val="accent1"/>
+                </a:effectRef>
+                <a:fontRef idx="minor">
+                  <a:schemeClr val="tx1"/>
+                </a:fontRef>
+              </p:style>
+            </p:cxnSp>
+            <p:sp>
+              <p:nvSpPr>
+                <p:cNvPr id="44" name="TextBox 43">
+                  <a:extLst>
+                    <a:ext uri="{FF2B5EF4-FFF2-40B4-BE49-F238E27FC236}">
+                      <a16:creationId xmlns:a16="http://schemas.microsoft.com/office/drawing/2014/main" id="{C9238C91-395C-4F14-97A6-74AEE4B986D3}"/>
+                    </a:ext>
+                  </a:extLst>
+                </p:cNvPr>
+                <p:cNvSpPr txBox="1"/>
+                <p:nvPr/>
+              </p:nvSpPr>
+              <p:spPr>
+                <a:xfrm rot="2577963">
+                  <a:off x="8105727" y="3090242"/>
+                  <a:ext cx="696024" cy="369332"/>
+                </a:xfrm>
+                <a:prstGeom prst="rect">
+                  <a:avLst/>
+                </a:prstGeom>
+                <a:noFill/>
+              </p:spPr>
+              <p:txBody>
+                <a:bodyPr wrap="none" rtlCol="0">
+                  <a:spAutoFit/>
+                </a:bodyPr>
+                <a:lstStyle/>
+                <a:p>
+                  <a:r>
+                    <a:rPr lang="en-US" dirty="0">
+                      <a:latin typeface="Roboto Condensed" panose="02000000000000000000" pitchFamily="2" charset="0"/>
+                      <a:ea typeface="Roboto Condensed" panose="02000000000000000000" pitchFamily="2" charset="0"/>
+                    </a:rPr>
+                    <a:t>HTTP</a:t>
                   </a:r>
                 </a:p>
               </p:txBody>
@@ -4995,232 +5402,10 @@
           </p:grpSp>
           <p:sp>
             <p:nvSpPr>
-              <p:cNvPr id="21" name="TextBox 20">
+              <p:cNvPr id="49" name="TextBox 48">
                 <a:extLst>
                   <a:ext uri="{FF2B5EF4-FFF2-40B4-BE49-F238E27FC236}">
-                    <a16:creationId xmlns:a16="http://schemas.microsoft.com/office/drawing/2014/main" id="{5EE10236-EFEB-4C34-8055-1BA330FBE957}"/>
-                  </a:ext>
-                </a:extLst>
-              </p:cNvPr>
-              <p:cNvSpPr txBox="1"/>
-              <p:nvPr/>
-            </p:nvSpPr>
-            <p:spPr>
-              <a:xfrm>
-                <a:off x="4873549" y="2575559"/>
-                <a:ext cx="2444900" cy="369332"/>
-              </a:xfrm>
-              <a:prstGeom prst="rect">
-                <a:avLst/>
-              </a:prstGeom>
-              <a:noFill/>
-            </p:spPr>
-            <p:txBody>
-              <a:bodyPr wrap="none" rtlCol="0">
-                <a:spAutoFit/>
-              </a:bodyPr>
-              <a:lstStyle/>
-              <a:p>
-                <a:r>
-                  <a:rPr lang="en-US" dirty="0">
-                    <a:latin typeface="Roboto Condensed" panose="02000000000000000000" pitchFamily="2" charset="0"/>
-                    <a:ea typeface="Roboto Condensed" panose="02000000000000000000" pitchFamily="2" charset="0"/>
-                  </a:rPr>
-                  <a:t>Database and Webserver</a:t>
-                </a:r>
-              </a:p>
-            </p:txBody>
-          </p:sp>
-          <p:grpSp>
-            <p:nvGrpSpPr>
-              <p:cNvPr id="35" name="Group 34">
-                <a:extLst>
-                  <a:ext uri="{FF2B5EF4-FFF2-40B4-BE49-F238E27FC236}">
-                    <a16:creationId xmlns:a16="http://schemas.microsoft.com/office/drawing/2014/main" id="{E9AF47B3-5D17-4010-B2B7-5104FC583F5F}"/>
-                  </a:ext>
-                </a:extLst>
-              </p:cNvPr>
-              <p:cNvGrpSpPr/>
-              <p:nvPr/>
-            </p:nvGrpSpPr>
-            <p:grpSpPr>
-              <a:xfrm>
-                <a:off x="8766160" y="3506397"/>
-                <a:ext cx="3077497" cy="2838410"/>
-                <a:chOff x="8585768" y="3535450"/>
-                <a:chExt cx="3077497" cy="2838410"/>
-              </a:xfrm>
-            </p:grpSpPr>
-            <p:pic>
-              <p:nvPicPr>
-                <p:cNvPr id="24" name="Picture 23" descr="A picture containing computer, computer&#10;&#10;Description automatically generated">
-                  <a:extLst>
-                    <a:ext uri="{FF2B5EF4-FFF2-40B4-BE49-F238E27FC236}">
-                      <a16:creationId xmlns:a16="http://schemas.microsoft.com/office/drawing/2014/main" id="{31355BAD-CAAF-4613-A2CE-C9EEBB6B4A25}"/>
-                    </a:ext>
-                  </a:extLst>
-                </p:cNvPr>
-                <p:cNvPicPr>
-                  <a:picLocks noChangeAspect="1"/>
-                </p:cNvPicPr>
-                <p:nvPr/>
-              </p:nvPicPr>
-              <p:blipFill>
-                <a:blip r:embed="rId4">
-                  <a:extLst>
-                    <a:ext uri="{28A0092B-C50C-407E-A947-70E740481C1C}">
-                      <a14:useLocalDpi xmlns:a14="http://schemas.microsoft.com/office/drawing/2010/main" val="0"/>
-                    </a:ext>
-                  </a:extLst>
-                </a:blip>
-                <a:stretch>
-                  <a:fillRect/>
-                </a:stretch>
-              </p:blipFill>
-              <p:spPr>
-                <a:xfrm>
-                  <a:off x="8743765" y="3535450"/>
-                  <a:ext cx="2761501" cy="2079122"/>
-                </a:xfrm>
-                <a:prstGeom prst="rect">
-                  <a:avLst/>
-                </a:prstGeom>
-              </p:spPr>
-            </p:pic>
-            <p:sp>
-              <p:nvSpPr>
-                <p:cNvPr id="26" name="TextBox 25">
-                  <a:extLst>
-                    <a:ext uri="{FF2B5EF4-FFF2-40B4-BE49-F238E27FC236}">
-                      <a16:creationId xmlns:a16="http://schemas.microsoft.com/office/drawing/2014/main" id="{3916DBAE-5E4F-42CD-8F53-3C3CCBDC731F}"/>
-                    </a:ext>
-                  </a:extLst>
-                </p:cNvPr>
-                <p:cNvSpPr txBox="1"/>
-                <p:nvPr/>
-              </p:nvSpPr>
-              <p:spPr>
-                <a:xfrm>
-                  <a:off x="8585768" y="5727529"/>
-                  <a:ext cx="3077497" cy="646331"/>
-                </a:xfrm>
-                <a:prstGeom prst="rect">
-                  <a:avLst/>
-                </a:prstGeom>
-                <a:noFill/>
-              </p:spPr>
-              <p:txBody>
-                <a:bodyPr wrap="square" rtlCol="0">
-                  <a:spAutoFit/>
-                </a:bodyPr>
-                <a:lstStyle/>
-                <a:p>
-                  <a:pPr algn="ctr"/>
-                  <a:r>
-                    <a:rPr lang="en-US" dirty="0">
-                      <a:latin typeface="Roboto Condensed" panose="02000000000000000000" pitchFamily="2" charset="0"/>
-                      <a:ea typeface="Roboto Condensed" panose="02000000000000000000" pitchFamily="2" charset="0"/>
-                    </a:rPr>
-                    <a:t>Registration and Management website</a:t>
-                  </a:r>
-                </a:p>
-              </p:txBody>
-            </p:sp>
-          </p:grpSp>
-          <p:cxnSp>
-            <p:nvCxnSpPr>
-              <p:cNvPr id="28" name="Straight Arrow Connector 27">
-                <a:extLst>
-                  <a:ext uri="{FF2B5EF4-FFF2-40B4-BE49-F238E27FC236}">
-                    <a16:creationId xmlns:a16="http://schemas.microsoft.com/office/drawing/2014/main" id="{F573D385-D8C3-4393-831D-0ECA1823A5DB}"/>
-                  </a:ext>
-                </a:extLst>
-              </p:cNvPr>
-              <p:cNvCxnSpPr>
-                <a:cxnSpLocks/>
-              </p:cNvCxnSpPr>
-              <p:nvPr/>
-            </p:nvCxnSpPr>
-            <p:spPr>
-              <a:xfrm flipV="1">
-                <a:off x="2841596" y="2624962"/>
-                <a:ext cx="1777912" cy="1635966"/>
-              </a:xfrm>
-              <a:prstGeom prst="straightConnector1">
-                <a:avLst/>
-              </a:prstGeom>
-              <a:ln w="57150">
-                <a:solidFill>
-                  <a:srgbClr val="000000"/>
-                </a:solidFill>
-                <a:tailEnd type="triangle"/>
-              </a:ln>
-            </p:spPr>
-            <p:style>
-              <a:lnRef idx="1">
-                <a:schemeClr val="accent1"/>
-              </a:lnRef>
-              <a:fillRef idx="0">
-                <a:schemeClr val="accent1"/>
-              </a:fillRef>
-              <a:effectRef idx="0">
-                <a:schemeClr val="accent1"/>
-              </a:effectRef>
-              <a:fontRef idx="minor">
-                <a:schemeClr val="tx1"/>
-              </a:fontRef>
-            </p:style>
-          </p:cxnSp>
-          <p:cxnSp>
-            <p:nvCxnSpPr>
-              <p:cNvPr id="37" name="Straight Arrow Connector 36">
-                <a:extLst>
-                  <a:ext uri="{FF2B5EF4-FFF2-40B4-BE49-F238E27FC236}">
-                    <a16:creationId xmlns:a16="http://schemas.microsoft.com/office/drawing/2014/main" id="{DD385056-E99F-450C-BCC7-FA74C50AA5A4}"/>
-                  </a:ext>
-                </a:extLst>
-              </p:cNvPr>
-              <p:cNvCxnSpPr>
-                <a:cxnSpLocks/>
-              </p:cNvCxnSpPr>
-              <p:nvPr/>
-            </p:nvCxnSpPr>
-            <p:spPr>
-              <a:xfrm flipH="1">
-                <a:off x="3036919" y="2946446"/>
-                <a:ext cx="1747935" cy="1626334"/>
-              </a:xfrm>
-              <a:prstGeom prst="straightConnector1">
-                <a:avLst/>
-              </a:prstGeom>
-              <a:ln w="57150">
-                <a:solidFill>
-                  <a:srgbClr val="000000"/>
-                </a:solidFill>
-                <a:tailEnd type="triangle"/>
-              </a:ln>
-            </p:spPr>
-            <p:style>
-              <a:lnRef idx="1">
-                <a:schemeClr val="accent1"/>
-              </a:lnRef>
-              <a:fillRef idx="0">
-                <a:schemeClr val="accent1"/>
-              </a:fillRef>
-              <a:effectRef idx="0">
-                <a:schemeClr val="accent1"/>
-              </a:effectRef>
-              <a:fontRef idx="minor">
-                <a:schemeClr val="tx1"/>
-              </a:fontRef>
-            </p:style>
-          </p:cxnSp>
-          <p:sp>
-            <p:nvSpPr>
-              <p:cNvPr id="41" name="TextBox 40">
-                <a:extLst>
-                  <a:ext uri="{FF2B5EF4-FFF2-40B4-BE49-F238E27FC236}">
-                    <a16:creationId xmlns:a16="http://schemas.microsoft.com/office/drawing/2014/main" id="{EF073A1D-5E35-4AC5-8A00-3B54549F434C}"/>
+                    <a16:creationId xmlns:a16="http://schemas.microsoft.com/office/drawing/2014/main" id="{58FB7C42-D342-4F43-8762-B09238EA5591}"/>
                   </a:ext>
                 </a:extLst>
               </p:cNvPr>
@@ -5229,133 +5414,7 @@
             </p:nvSpPr>
             <p:spPr>
               <a:xfrm rot="19041196">
-                <a:off x="3116611" y="3127337"/>
-                <a:ext cx="1029449" cy="369332"/>
-              </a:xfrm>
-              <a:prstGeom prst="rect">
-                <a:avLst/>
-              </a:prstGeom>
-              <a:noFill/>
-            </p:spPr>
-            <p:txBody>
-              <a:bodyPr wrap="none" rtlCol="0">
-                <a:spAutoFit/>
-              </a:bodyPr>
-              <a:lstStyle/>
-              <a:p>
-                <a:r>
-                  <a:rPr lang="en-US" dirty="0">
-                    <a:latin typeface="Roboto Condensed" panose="02000000000000000000" pitchFamily="2" charset="0"/>
-                    <a:ea typeface="Roboto Condensed" panose="02000000000000000000" pitchFamily="2" charset="0"/>
-                  </a:rPr>
-                  <a:t>Requests</a:t>
-                </a:r>
-              </a:p>
-            </p:txBody>
-          </p:sp>
-          <p:cxnSp>
-            <p:nvCxnSpPr>
-              <p:cNvPr id="42" name="Straight Arrow Connector 41">
-                <a:extLst>
-                  <a:ext uri="{FF2B5EF4-FFF2-40B4-BE49-F238E27FC236}">
-                    <a16:creationId xmlns:a16="http://schemas.microsoft.com/office/drawing/2014/main" id="{0435DD12-2D4F-471F-BA3C-5E64C5C70CF2}"/>
-                  </a:ext>
-                </a:extLst>
-              </p:cNvPr>
-              <p:cNvCxnSpPr>
-                <a:cxnSpLocks/>
-              </p:cNvCxnSpPr>
-              <p:nvPr/>
-            </p:nvCxnSpPr>
-            <p:spPr>
-              <a:xfrm>
-                <a:off x="7594882" y="2233127"/>
-                <a:ext cx="1801280" cy="1704354"/>
-              </a:xfrm>
-              <a:prstGeom prst="straightConnector1">
-                <a:avLst/>
-              </a:prstGeom>
-              <a:ln w="57150">
-                <a:solidFill>
-                  <a:srgbClr val="000000"/>
-                </a:solidFill>
-                <a:tailEnd type="triangle"/>
-              </a:ln>
-            </p:spPr>
-            <p:style>
-              <a:lnRef idx="1">
-                <a:schemeClr val="accent1"/>
-              </a:lnRef>
-              <a:fillRef idx="0">
-                <a:schemeClr val="accent1"/>
-              </a:fillRef>
-              <a:effectRef idx="0">
-                <a:schemeClr val="accent1"/>
-              </a:effectRef>
-              <a:fontRef idx="minor">
-                <a:schemeClr val="tx1"/>
-              </a:fontRef>
-            </p:style>
-          </p:cxnSp>
-          <p:cxnSp>
-            <p:nvCxnSpPr>
-              <p:cNvPr id="43" name="Straight Arrow Connector 42">
-                <a:extLst>
-                  <a:ext uri="{FF2B5EF4-FFF2-40B4-BE49-F238E27FC236}">
-                    <a16:creationId xmlns:a16="http://schemas.microsoft.com/office/drawing/2014/main" id="{EF10C1C4-81A5-4D64-85A2-FE42032B50C5}"/>
-                  </a:ext>
-                </a:extLst>
-              </p:cNvPr>
-              <p:cNvCxnSpPr>
-                <a:cxnSpLocks/>
-              </p:cNvCxnSpPr>
-              <p:nvPr/>
-            </p:nvCxnSpPr>
-            <p:spPr>
-              <a:xfrm rot="5136767" flipH="1">
-                <a:off x="7503700" y="2665016"/>
-                <a:ext cx="1747935" cy="1626334"/>
-              </a:xfrm>
-              <a:prstGeom prst="straightConnector1">
-                <a:avLst/>
-              </a:prstGeom>
-              <a:ln w="57150">
-                <a:solidFill>
-                  <a:srgbClr val="000000"/>
-                </a:solidFill>
-                <a:tailEnd type="triangle"/>
-              </a:ln>
-            </p:spPr>
-            <p:style>
-              <a:lnRef idx="1">
-                <a:schemeClr val="accent1"/>
-              </a:lnRef>
-              <a:fillRef idx="0">
-                <a:schemeClr val="accent1"/>
-              </a:fillRef>
-              <a:effectRef idx="0">
-                <a:schemeClr val="accent1"/>
-              </a:effectRef>
-              <a:fontRef idx="minor">
-                <a:schemeClr val="tx1"/>
-              </a:fontRef>
-            </p:style>
-          </p:cxnSp>
-          <p:sp>
-            <p:nvSpPr>
-              <p:cNvPr id="44" name="TextBox 43">
-                <a:extLst>
-                  <a:ext uri="{FF2B5EF4-FFF2-40B4-BE49-F238E27FC236}">
-                    <a16:creationId xmlns:a16="http://schemas.microsoft.com/office/drawing/2014/main" id="{C9238C91-395C-4F14-97A6-74AEE4B986D3}"/>
-                  </a:ext>
-                </a:extLst>
-              </p:cNvPr>
-              <p:cNvSpPr txBox="1"/>
-              <p:nvPr/>
-            </p:nvSpPr>
-            <p:spPr>
-              <a:xfrm rot="2577963">
-                <a:off x="8105727" y="3090242"/>
+                <a:off x="3522257" y="3389778"/>
                 <a:ext cx="696024" cy="369332"/>
               </a:xfrm>
               <a:prstGeom prst="rect">
@@ -5379,13 +5438,87 @@
               </a:p>
             </p:txBody>
           </p:sp>
+          <p:sp>
+            <p:nvSpPr>
+              <p:cNvPr id="55" name="TextBox 54">
+                <a:extLst>
+                  <a:ext uri="{FF2B5EF4-FFF2-40B4-BE49-F238E27FC236}">
+                    <a16:creationId xmlns:a16="http://schemas.microsoft.com/office/drawing/2014/main" id="{686ED1B7-86E2-4BFD-8A3A-9EE98EC52936}"/>
+                  </a:ext>
+                </a:extLst>
+              </p:cNvPr>
+              <p:cNvSpPr txBox="1"/>
+              <p:nvPr/>
+            </p:nvSpPr>
+            <p:spPr>
+              <a:xfrm rot="18992551">
+                <a:off x="3510495" y="3666466"/>
+                <a:ext cx="1180131" cy="369332"/>
+              </a:xfrm>
+              <a:prstGeom prst="rect">
+                <a:avLst/>
+              </a:prstGeom>
+              <a:noFill/>
+            </p:spPr>
+            <p:txBody>
+              <a:bodyPr wrap="none" rtlCol="0">
+                <a:spAutoFit/>
+              </a:bodyPr>
+              <a:lstStyle/>
+              <a:p>
+                <a:r>
+                  <a:rPr lang="en-US" dirty="0">
+                    <a:latin typeface="Roboto Condensed" panose="02000000000000000000" pitchFamily="2" charset="0"/>
+                    <a:ea typeface="Roboto Condensed" panose="02000000000000000000" pitchFamily="2" charset="0"/>
+                  </a:rPr>
+                  <a:t>Responses</a:t>
+                </a:r>
+              </a:p>
+            </p:txBody>
+          </p:sp>
         </p:grpSp>
+        <p:pic>
+          <p:nvPicPr>
+            <p:cNvPr id="10" name="Picture 9" descr="A picture containing drawing&#10;&#10;Description automatically generated">
+              <a:extLst>
+                <a:ext uri="{FF2B5EF4-FFF2-40B4-BE49-F238E27FC236}">
+                  <a16:creationId xmlns:a16="http://schemas.microsoft.com/office/drawing/2014/main" id="{F8ED8CB4-8486-4300-8AEF-0B9E6AB4E436}"/>
+                </a:ext>
+              </a:extLst>
+            </p:cNvPr>
+            <p:cNvPicPr>
+              <a:picLocks noChangeAspect="1"/>
+            </p:cNvPicPr>
+            <p:nvPr/>
+          </p:nvPicPr>
+          <p:blipFill rotWithShape="1">
+            <a:blip r:embed="rId5">
+              <a:alphaModFix amt="20000"/>
+              <a:extLst>
+                <a:ext uri="{28A0092B-C50C-407E-A947-70E740481C1C}">
+                  <a14:useLocalDpi xmlns:a14="http://schemas.microsoft.com/office/drawing/2010/main" val="0"/>
+                </a:ext>
+              </a:extLst>
+            </a:blip>
+            <a:srcRect b="20477"/>
+            <a:stretch/>
+          </p:blipFill>
+          <p:spPr>
+            <a:xfrm>
+              <a:off x="938906" y="4034675"/>
+              <a:ext cx="1554615" cy="1827757"/>
+            </a:xfrm>
+            <a:prstGeom prst="rect">
+              <a:avLst/>
+            </a:prstGeom>
+          </p:spPr>
+        </p:pic>
         <p:sp>
           <p:nvSpPr>
-            <p:cNvPr id="49" name="TextBox 48">
+            <p:cNvPr id="13" name="TextBox 12">
               <a:extLst>
                 <a:ext uri="{FF2B5EF4-FFF2-40B4-BE49-F238E27FC236}">
-                  <a16:creationId xmlns:a16="http://schemas.microsoft.com/office/drawing/2014/main" id="{58FB7C42-D342-4F43-8762-B09238EA5591}"/>
+                  <a16:creationId xmlns:a16="http://schemas.microsoft.com/office/drawing/2014/main" id="{F0E7606A-661B-4D1D-B3A9-C0B289C62501}"/>
                 </a:ext>
               </a:extLst>
             </p:cNvPr>
@@ -5393,9 +5526,9 @@
             <p:nvPr/>
           </p:nvSpPr>
           <p:spPr>
-            <a:xfrm rot="19041196">
-              <a:off x="3522257" y="3389778"/>
-              <a:ext cx="696024" cy="369332"/>
+            <a:xfrm rot="2550401">
+              <a:off x="7682203" y="3366087"/>
+              <a:ext cx="1029449" cy="369332"/>
             </a:xfrm>
             <a:prstGeom prst="rect">
               <a:avLst/>
@@ -5413,17 +5546,17 @@
                   <a:latin typeface="Roboto Condensed" panose="02000000000000000000" pitchFamily="2" charset="0"/>
                   <a:ea typeface="Roboto Condensed" panose="02000000000000000000" pitchFamily="2" charset="0"/>
                 </a:rPr>
-                <a:t>HTTP</a:t>
+                <a:t>Requests</a:t>
               </a:r>
             </a:p>
           </p:txBody>
         </p:sp>
         <p:sp>
           <p:nvSpPr>
-            <p:cNvPr id="55" name="TextBox 54">
+            <p:cNvPr id="18" name="TextBox 17">
               <a:extLst>
                 <a:ext uri="{FF2B5EF4-FFF2-40B4-BE49-F238E27FC236}">
-                  <a16:creationId xmlns:a16="http://schemas.microsoft.com/office/drawing/2014/main" id="{686ED1B7-86E2-4BFD-8A3A-9EE98EC52936}"/>
+                  <a16:creationId xmlns:a16="http://schemas.microsoft.com/office/drawing/2014/main" id="{845010FA-0188-4DC0-BE49-CE17085286B5}"/>
                 </a:ext>
               </a:extLst>
             </p:cNvPr>
@@ -5431,8 +5564,8 @@
             <p:nvPr/>
           </p:nvSpPr>
           <p:spPr>
-            <a:xfrm rot="18992551">
-              <a:off x="3510495" y="3666466"/>
+            <a:xfrm rot="2605623">
+              <a:off x="8131308" y="2824543"/>
               <a:ext cx="1180131" cy="369332"/>
             </a:xfrm>
             <a:prstGeom prst="rect">
@@ -5456,155 +5589,43 @@
             </a:p>
           </p:txBody>
         </p:sp>
+        <p:pic>
+          <p:nvPicPr>
+            <p:cNvPr id="7" name="Picture 6" descr="A picture containing glass, mug, food, cup&#10;&#10;Description automatically generated">
+              <a:extLst>
+                <a:ext uri="{FF2B5EF4-FFF2-40B4-BE49-F238E27FC236}">
+                  <a16:creationId xmlns:a16="http://schemas.microsoft.com/office/drawing/2014/main" id="{29C94464-4B55-4197-AECE-ACB60CC907AC}"/>
+                </a:ext>
+              </a:extLst>
+            </p:cNvPr>
+            <p:cNvPicPr>
+              <a:picLocks noChangeAspect="1"/>
+            </p:cNvPicPr>
+            <p:nvPr/>
+          </p:nvPicPr>
+          <p:blipFill>
+            <a:blip r:embed="rId6">
+              <a:extLst>
+                <a:ext uri="{28A0092B-C50C-407E-A947-70E740481C1C}">
+                  <a14:useLocalDpi xmlns:a14="http://schemas.microsoft.com/office/drawing/2010/main" val="0"/>
+                </a:ext>
+              </a:extLst>
+            </a:blip>
+            <a:stretch>
+              <a:fillRect/>
+            </a:stretch>
+          </p:blipFill>
+          <p:spPr>
+            <a:xfrm>
+              <a:off x="4388089" y="541632"/>
+              <a:ext cx="3159365" cy="2457745"/>
+            </a:xfrm>
+            <a:prstGeom prst="rect">
+              <a:avLst/>
+            </a:prstGeom>
+          </p:spPr>
+        </p:pic>
       </p:grpSp>
-      <p:pic>
-        <p:nvPicPr>
-          <p:cNvPr id="10" name="Picture 9" descr="A picture containing drawing&#10;&#10;Description automatically generated">
-            <a:extLst>
-              <a:ext uri="{FF2B5EF4-FFF2-40B4-BE49-F238E27FC236}">
-                <a16:creationId xmlns:a16="http://schemas.microsoft.com/office/drawing/2014/main" id="{F8ED8CB4-8486-4300-8AEF-0B9E6AB4E436}"/>
-              </a:ext>
-            </a:extLst>
-          </p:cNvPr>
-          <p:cNvPicPr>
-            <a:picLocks noChangeAspect="1"/>
-          </p:cNvPicPr>
-          <p:nvPr/>
-        </p:nvPicPr>
-        <p:blipFill rotWithShape="1">
-          <a:blip r:embed="rId5">
-            <a:alphaModFix amt="20000"/>
-            <a:extLst>
-              <a:ext uri="{28A0092B-C50C-407E-A947-70E740481C1C}">
-                <a14:useLocalDpi xmlns:a14="http://schemas.microsoft.com/office/drawing/2010/main" val="0"/>
-              </a:ext>
-            </a:extLst>
-          </a:blip>
-          <a:srcRect b="20477"/>
-          <a:stretch/>
-        </p:blipFill>
-        <p:spPr>
-          <a:xfrm>
-            <a:off x="938906" y="4034675"/>
-            <a:ext cx="1554615" cy="1827757"/>
-          </a:xfrm>
-          <a:prstGeom prst="rect">
-            <a:avLst/>
-          </a:prstGeom>
-        </p:spPr>
-      </p:pic>
-      <p:sp>
-        <p:nvSpPr>
-          <p:cNvPr id="13" name="TextBox 12">
-            <a:extLst>
-              <a:ext uri="{FF2B5EF4-FFF2-40B4-BE49-F238E27FC236}">
-                <a16:creationId xmlns:a16="http://schemas.microsoft.com/office/drawing/2014/main" id="{F0E7606A-661B-4D1D-B3A9-C0B289C62501}"/>
-              </a:ext>
-            </a:extLst>
-          </p:cNvPr>
-          <p:cNvSpPr txBox="1"/>
-          <p:nvPr/>
-        </p:nvSpPr>
-        <p:spPr>
-          <a:xfrm rot="2550401">
-            <a:off x="7682203" y="3366087"/>
-            <a:ext cx="1029449" cy="369332"/>
-          </a:xfrm>
-          <a:prstGeom prst="rect">
-            <a:avLst/>
-          </a:prstGeom>
-          <a:noFill/>
-        </p:spPr>
-        <p:txBody>
-          <a:bodyPr wrap="none" rtlCol="0">
-            <a:spAutoFit/>
-          </a:bodyPr>
-          <a:lstStyle/>
-          <a:p>
-            <a:r>
-              <a:rPr lang="en-US" dirty="0">
-                <a:latin typeface="Roboto Condensed" panose="02000000000000000000" pitchFamily="2" charset="0"/>
-                <a:ea typeface="Roboto Condensed" panose="02000000000000000000" pitchFamily="2" charset="0"/>
-              </a:rPr>
-              <a:t>Requests</a:t>
-            </a:r>
-          </a:p>
-        </p:txBody>
-      </p:sp>
-      <p:sp>
-        <p:nvSpPr>
-          <p:cNvPr id="18" name="TextBox 17">
-            <a:extLst>
-              <a:ext uri="{FF2B5EF4-FFF2-40B4-BE49-F238E27FC236}">
-                <a16:creationId xmlns:a16="http://schemas.microsoft.com/office/drawing/2014/main" id="{845010FA-0188-4DC0-BE49-CE17085286B5}"/>
-              </a:ext>
-            </a:extLst>
-          </p:cNvPr>
-          <p:cNvSpPr txBox="1"/>
-          <p:nvPr/>
-        </p:nvSpPr>
-        <p:spPr>
-          <a:xfrm rot="2605623">
-            <a:off x="8131308" y="2824543"/>
-            <a:ext cx="1180131" cy="369332"/>
-          </a:xfrm>
-          <a:prstGeom prst="rect">
-            <a:avLst/>
-          </a:prstGeom>
-          <a:noFill/>
-        </p:spPr>
-        <p:txBody>
-          <a:bodyPr wrap="none" rtlCol="0">
-            <a:spAutoFit/>
-          </a:bodyPr>
-          <a:lstStyle/>
-          <a:p>
-            <a:r>
-              <a:rPr lang="en-US" dirty="0">
-                <a:latin typeface="Roboto Condensed" panose="02000000000000000000" pitchFamily="2" charset="0"/>
-                <a:ea typeface="Roboto Condensed" panose="02000000000000000000" pitchFamily="2" charset="0"/>
-              </a:rPr>
-              <a:t>Responses</a:t>
-            </a:r>
-          </a:p>
-        </p:txBody>
-      </p:sp>
-      <p:pic>
-        <p:nvPicPr>
-          <p:cNvPr id="7" name="Picture 6" descr="A picture containing glass, mug, food, cup&#10;&#10;Description automatically generated">
-            <a:extLst>
-              <a:ext uri="{FF2B5EF4-FFF2-40B4-BE49-F238E27FC236}">
-                <a16:creationId xmlns:a16="http://schemas.microsoft.com/office/drawing/2014/main" id="{29C94464-4B55-4197-AECE-ACB60CC907AC}"/>
-              </a:ext>
-            </a:extLst>
-          </p:cNvPr>
-          <p:cNvPicPr>
-            <a:picLocks noChangeAspect="1"/>
-          </p:cNvPicPr>
-          <p:nvPr/>
-        </p:nvPicPr>
-        <p:blipFill>
-          <a:blip r:embed="rId6">
-            <a:extLst>
-              <a:ext uri="{28A0092B-C50C-407E-A947-70E740481C1C}">
-                <a14:useLocalDpi xmlns:a14="http://schemas.microsoft.com/office/drawing/2010/main" val="0"/>
-              </a:ext>
-            </a:extLst>
-          </a:blip>
-          <a:stretch>
-            <a:fillRect/>
-          </a:stretch>
-        </p:blipFill>
-        <p:spPr>
-          <a:xfrm>
-            <a:off x="4388089" y="541632"/>
-            <a:ext cx="3159365" cy="2457745"/>
-          </a:xfrm>
-          <a:prstGeom prst="rect">
-            <a:avLst/>
-          </a:prstGeom>
-        </p:spPr>
-      </p:pic>
     </p:spTree>
     <p:extLst>
       <p:ext uri="{BB962C8B-B14F-4D97-AF65-F5344CB8AC3E}">

--- a/AIS_2020_Figures/other_figures.pptx
+++ b/AIS_2020_Figures/other_figures.pptx
@@ -3768,10 +3768,10 @@
       </p:grpSpPr>
       <p:grpSp>
         <p:nvGrpSpPr>
-          <p:cNvPr id="2" name="Group 1">
+          <p:cNvPr id="17" name="Group 16">
             <a:extLst>
               <a:ext uri="{FF2B5EF4-FFF2-40B4-BE49-F238E27FC236}">
-                <a16:creationId xmlns:a16="http://schemas.microsoft.com/office/drawing/2014/main" id="{ABE8B96C-52D6-4E0A-B306-400B932530E0}"/>
+                <a16:creationId xmlns:a16="http://schemas.microsoft.com/office/drawing/2014/main" id="{E2B00341-5D80-42AA-8D4F-CB072B604EE8}"/>
               </a:ext>
             </a:extLst>
           </p:cNvPr>
@@ -3780,18 +3780,18 @@
         </p:nvGrpSpPr>
         <p:grpSpPr>
           <a:xfrm>
-            <a:off x="745827" y="512276"/>
-            <a:ext cx="11097830" cy="5832531"/>
-            <a:chOff x="745827" y="512276"/>
-            <a:chExt cx="11097830" cy="5832531"/>
+            <a:off x="745827" y="3119232"/>
+            <a:ext cx="2021633" cy="3225575"/>
+            <a:chOff x="1363047" y="2565141"/>
+            <a:chExt cx="2021633" cy="3225575"/>
           </a:xfrm>
         </p:grpSpPr>
         <p:grpSp>
           <p:nvGrpSpPr>
-            <p:cNvPr id="47" name="Group 46">
+            <p:cNvPr id="15" name="Group 14">
               <a:extLst>
                 <a:ext uri="{FF2B5EF4-FFF2-40B4-BE49-F238E27FC236}">
-                  <a16:creationId xmlns:a16="http://schemas.microsoft.com/office/drawing/2014/main" id="{3B458918-10FE-4D8A-8D7F-FCCAE3BFB451}"/>
+                  <a16:creationId xmlns:a16="http://schemas.microsoft.com/office/drawing/2014/main" id="{51C7E96E-01E8-4F77-871B-7A3ECAA7BFD3}"/>
                 </a:ext>
               </a:extLst>
             </p:cNvPr>
@@ -3800,704 +3800,181 @@
           </p:nvGrpSpPr>
           <p:grpSpPr>
             <a:xfrm>
-              <a:off x="745827" y="512276"/>
-              <a:ext cx="11097830" cy="5832531"/>
-              <a:chOff x="745827" y="512276"/>
-              <a:chExt cx="11097830" cy="5832531"/>
+              <a:off x="1363047" y="2565141"/>
+              <a:ext cx="2021633" cy="2792963"/>
+              <a:chOff x="1934547" y="1841241"/>
+              <a:chExt cx="2021633" cy="2792963"/>
             </a:xfrm>
           </p:grpSpPr>
-          <p:grpSp>
-            <p:nvGrpSpPr>
-              <p:cNvPr id="17" name="Group 16">
+          <p:sp>
+            <p:nvSpPr>
+              <p:cNvPr id="4" name="Rectangle 3">
                 <a:extLst>
                   <a:ext uri="{FF2B5EF4-FFF2-40B4-BE49-F238E27FC236}">
-                    <a16:creationId xmlns:a16="http://schemas.microsoft.com/office/drawing/2014/main" id="{E2B00341-5D80-42AA-8D4F-CB072B604EE8}"/>
+                    <a16:creationId xmlns:a16="http://schemas.microsoft.com/office/drawing/2014/main" id="{2A4D8AB6-790A-4ABC-BE77-9666A6B98B92}"/>
                   </a:ext>
                 </a:extLst>
               </p:cNvPr>
-              <p:cNvGrpSpPr/>
-              <p:nvPr/>
-            </p:nvGrpSpPr>
-            <p:grpSpPr>
-              <a:xfrm>
-                <a:off x="745827" y="3119232"/>
-                <a:ext cx="2021633" cy="3225575"/>
-                <a:chOff x="1363047" y="2565141"/>
-                <a:chExt cx="2021633" cy="3225575"/>
-              </a:xfrm>
-            </p:grpSpPr>
-            <p:grpSp>
-              <p:nvGrpSpPr>
-                <p:cNvPr id="15" name="Group 14">
-                  <a:extLst>
-                    <a:ext uri="{FF2B5EF4-FFF2-40B4-BE49-F238E27FC236}">
-                      <a16:creationId xmlns:a16="http://schemas.microsoft.com/office/drawing/2014/main" id="{51C7E96E-01E8-4F77-871B-7A3ECAA7BFD3}"/>
-                    </a:ext>
-                  </a:extLst>
-                </p:cNvPr>
-                <p:cNvGrpSpPr/>
-                <p:nvPr/>
-              </p:nvGrpSpPr>
-              <p:grpSpPr>
-                <a:xfrm>
-                  <a:off x="1363047" y="2565141"/>
-                  <a:ext cx="2021633" cy="2792963"/>
-                  <a:chOff x="1934547" y="1841241"/>
-                  <a:chExt cx="2021633" cy="2792963"/>
-                </a:xfrm>
-              </p:grpSpPr>
-              <p:sp>
-                <p:nvSpPr>
-                  <p:cNvPr id="4" name="Rectangle 3">
-                    <a:extLst>
-                      <a:ext uri="{FF2B5EF4-FFF2-40B4-BE49-F238E27FC236}">
-                        <a16:creationId xmlns:a16="http://schemas.microsoft.com/office/drawing/2014/main" id="{2A4D8AB6-790A-4ABC-BE77-9666A6B98B92}"/>
-                      </a:ext>
-                    </a:extLst>
-                  </p:cNvPr>
-                  <p:cNvSpPr/>
-                  <p:nvPr/>
-                </p:nvSpPr>
-                <p:spPr>
-                  <a:xfrm>
-                    <a:off x="1934547" y="1841241"/>
-                    <a:ext cx="2021633" cy="2792963"/>
-                  </a:xfrm>
-                  <a:prstGeom prst="rect">
-                    <a:avLst/>
-                  </a:prstGeom>
-                </p:spPr>
-                <p:style>
-                  <a:lnRef idx="2">
-                    <a:schemeClr val="dk1">
-                      <a:shade val="50000"/>
-                    </a:schemeClr>
-                  </a:lnRef>
-                  <a:fillRef idx="1">
-                    <a:schemeClr val="dk1"/>
-                  </a:fillRef>
-                  <a:effectRef idx="0">
-                    <a:schemeClr val="dk1"/>
-                  </a:effectRef>
-                  <a:fontRef idx="minor">
-                    <a:schemeClr val="lt1"/>
-                  </a:fontRef>
-                </p:style>
-                <p:txBody>
-                  <a:bodyPr rtlCol="0" anchor="ctr"/>
-                  <a:lstStyle/>
-                  <a:p>
-                    <a:pPr algn="ctr"/>
-                    <a:endParaRPr lang="en-US"/>
-                  </a:p>
-                </p:txBody>
-              </p:sp>
-              <p:sp>
-                <p:nvSpPr>
-                  <p:cNvPr id="5" name="Rectangle 4">
-                    <a:extLst>
-                      <a:ext uri="{FF2B5EF4-FFF2-40B4-BE49-F238E27FC236}">
-                        <a16:creationId xmlns:a16="http://schemas.microsoft.com/office/drawing/2014/main" id="{806AEFE7-374C-4227-997A-872B9E669544}"/>
-                      </a:ext>
-                    </a:extLst>
-                  </p:cNvPr>
-                  <p:cNvSpPr/>
-                  <p:nvPr/>
-                </p:nvSpPr>
-                <p:spPr>
-                  <a:xfrm>
-                    <a:off x="1990531" y="1884784"/>
-                    <a:ext cx="1897224" cy="2699657"/>
-                  </a:xfrm>
-                  <a:prstGeom prst="rect">
-                    <a:avLst/>
-                  </a:prstGeom>
-                </p:spPr>
-                <p:style>
-                  <a:lnRef idx="1">
-                    <a:schemeClr val="accent3"/>
-                  </a:lnRef>
-                  <a:fillRef idx="2">
-                    <a:schemeClr val="accent3"/>
-                  </a:fillRef>
-                  <a:effectRef idx="1">
-                    <a:schemeClr val="accent3"/>
-                  </a:effectRef>
-                  <a:fontRef idx="minor">
-                    <a:schemeClr val="dk1"/>
-                  </a:fontRef>
-                </p:style>
-                <p:txBody>
-                  <a:bodyPr rtlCol="0" anchor="ctr"/>
-                  <a:lstStyle/>
-                  <a:p>
-                    <a:pPr algn="ctr"/>
-                    <a:endParaRPr lang="en-US"/>
-                  </a:p>
-                </p:txBody>
-              </p:sp>
-              <p:pic>
-                <p:nvPicPr>
-                  <p:cNvPr id="3" name="Picture 2" descr="A picture containing flower&#10;&#10;Description automatically generated">
-                    <a:extLst>
-                      <a:ext uri="{FF2B5EF4-FFF2-40B4-BE49-F238E27FC236}">
-                        <a16:creationId xmlns:a16="http://schemas.microsoft.com/office/drawing/2014/main" id="{D6E99C5D-2993-46B9-9D6D-99DEE0869D55}"/>
-                      </a:ext>
-                    </a:extLst>
-                  </p:cNvPr>
-                  <p:cNvPicPr>
-                    <a:picLocks noChangeAspect="1"/>
-                  </p:cNvPicPr>
-                  <p:nvPr/>
-                </p:nvPicPr>
-                <p:blipFill>
-                  <a:blip r:embed="rId2">
-                    <a:extLst>
-                      <a:ext uri="{28A0092B-C50C-407E-A947-70E740481C1C}">
-                        <a14:useLocalDpi xmlns:a14="http://schemas.microsoft.com/office/drawing/2010/main" val="0"/>
-                      </a:ext>
-                    </a:extLst>
-                  </a:blip>
-                  <a:stretch>
-                    <a:fillRect/>
-                  </a:stretch>
-                </p:blipFill>
-                <p:spPr>
-                  <a:xfrm>
-                    <a:off x="2052735" y="1948064"/>
-                    <a:ext cx="619899" cy="309395"/>
-                  </a:xfrm>
-                  <a:prstGeom prst="rect">
-                    <a:avLst/>
-                  </a:prstGeom>
-                </p:spPr>
-              </p:pic>
-              <p:pic>
-                <p:nvPicPr>
-                  <p:cNvPr id="14" name="Picture 13" descr="A picture containing game&#10;&#10;Description automatically generated">
-                    <a:extLst>
-                      <a:ext uri="{FF2B5EF4-FFF2-40B4-BE49-F238E27FC236}">
-                        <a16:creationId xmlns:a16="http://schemas.microsoft.com/office/drawing/2014/main" id="{DAFE493F-13E0-4926-9AF2-A82F2300CADD}"/>
-                      </a:ext>
-                    </a:extLst>
-                  </p:cNvPr>
-                  <p:cNvPicPr>
-                    <a:picLocks noChangeAspect="1"/>
-                  </p:cNvPicPr>
-                  <p:nvPr/>
-                </p:nvPicPr>
-                <p:blipFill>
-                  <a:blip r:embed="rId3">
-                    <a:extLst>
-                      <a:ext uri="{28A0092B-C50C-407E-A947-70E740481C1C}">
-                        <a14:useLocalDpi xmlns:a14="http://schemas.microsoft.com/office/drawing/2010/main" val="0"/>
-                      </a:ext>
-                    </a:extLst>
-                  </a:blip>
-                  <a:stretch>
-                    <a:fillRect/>
-                  </a:stretch>
-                </p:blipFill>
-                <p:spPr>
-                  <a:xfrm>
-                    <a:off x="3215951" y="1948064"/>
-                    <a:ext cx="619899" cy="670728"/>
-                  </a:xfrm>
-                  <a:prstGeom prst="rect">
-                    <a:avLst/>
-                  </a:prstGeom>
-                </p:spPr>
-              </p:pic>
-            </p:grpSp>
-            <p:sp>
-              <p:nvSpPr>
-                <p:cNvPr id="16" name="TextBox 15">
-                  <a:extLst>
-                    <a:ext uri="{FF2B5EF4-FFF2-40B4-BE49-F238E27FC236}">
-                      <a16:creationId xmlns:a16="http://schemas.microsoft.com/office/drawing/2014/main" id="{F47614FB-E6E5-4B2E-BB7C-526CEB58F07C}"/>
-                    </a:ext>
-                  </a:extLst>
-                </p:cNvPr>
-                <p:cNvSpPr txBox="1"/>
-                <p:nvPr/>
-              </p:nvSpPr>
-              <p:spPr>
-                <a:xfrm>
-                  <a:off x="1665623" y="5421384"/>
-                  <a:ext cx="1335622" cy="369332"/>
-                </a:xfrm>
-                <a:prstGeom prst="rect">
-                  <a:avLst/>
-                </a:prstGeom>
-                <a:noFill/>
-              </p:spPr>
-              <p:txBody>
-                <a:bodyPr wrap="none" rtlCol="0">
-                  <a:spAutoFit/>
-                </a:bodyPr>
-                <a:lstStyle/>
-                <a:p>
-                  <a:r>
-                    <a:rPr lang="en-US" dirty="0">
-                      <a:latin typeface="Roboto Condensed" panose="02000000000000000000" pitchFamily="2" charset="0"/>
-                      <a:ea typeface="Roboto Condensed" panose="02000000000000000000" pitchFamily="2" charset="0"/>
-                    </a:rPr>
-                    <a:t>Smart Mirror</a:t>
-                  </a:r>
-                </a:p>
-              </p:txBody>
-            </p:sp>
-          </p:grpSp>
-          <p:grpSp>
-            <p:nvGrpSpPr>
-              <p:cNvPr id="22" name="Group 21">
-                <a:extLst>
-                  <a:ext uri="{FF2B5EF4-FFF2-40B4-BE49-F238E27FC236}">
-                    <a16:creationId xmlns:a16="http://schemas.microsoft.com/office/drawing/2014/main" id="{67DCDFA1-90E4-4231-8C7A-DE1271E8F75E}"/>
-                  </a:ext>
-                </a:extLst>
-              </p:cNvPr>
-              <p:cNvGrpSpPr/>
-              <p:nvPr/>
-            </p:nvGrpSpPr>
-            <p:grpSpPr>
-              <a:xfrm>
-                <a:off x="4685812" y="512276"/>
-                <a:ext cx="2820375" cy="2432615"/>
-                <a:chOff x="4951297" y="321776"/>
-                <a:chExt cx="2820375" cy="2432615"/>
-              </a:xfrm>
-            </p:grpSpPr>
-            <p:pic>
-              <p:nvPicPr>
-                <p:cNvPr id="19" name="Picture 18" descr="A picture containing cup, glass, glasses, sitting&#10;&#10;Description automatically generated">
-                  <a:extLst>
-                    <a:ext uri="{FF2B5EF4-FFF2-40B4-BE49-F238E27FC236}">
-                      <a16:creationId xmlns:a16="http://schemas.microsoft.com/office/drawing/2014/main" id="{1528F949-3FDC-45C7-8F24-32B3BA320C38}"/>
-                    </a:ext>
-                  </a:extLst>
-                </p:cNvPr>
-                <p:cNvPicPr>
-                  <a:picLocks noChangeAspect="1"/>
-                </p:cNvPicPr>
-                <p:nvPr/>
-              </p:nvPicPr>
-              <p:blipFill>
-                <a:blip r:embed="rId4">
-                  <a:extLst>
-                    <a:ext uri="{28A0092B-C50C-407E-A947-70E740481C1C}">
-                      <a14:useLocalDpi xmlns:a14="http://schemas.microsoft.com/office/drawing/2010/main" val="0"/>
-                    </a:ext>
-                  </a:extLst>
-                </a:blip>
-                <a:stretch>
-                  <a:fillRect/>
-                </a:stretch>
-              </p:blipFill>
-              <p:spPr>
-                <a:xfrm>
-                  <a:off x="4951297" y="321776"/>
-                  <a:ext cx="2820375" cy="2063283"/>
-                </a:xfrm>
-                <a:prstGeom prst="rect">
-                  <a:avLst/>
-                </a:prstGeom>
-              </p:spPr>
-            </p:pic>
-            <p:sp>
-              <p:nvSpPr>
-                <p:cNvPr id="21" name="TextBox 20">
-                  <a:extLst>
-                    <a:ext uri="{FF2B5EF4-FFF2-40B4-BE49-F238E27FC236}">
-                      <a16:creationId xmlns:a16="http://schemas.microsoft.com/office/drawing/2014/main" id="{5EE10236-EFEB-4C34-8055-1BA330FBE957}"/>
-                    </a:ext>
-                  </a:extLst>
-                </p:cNvPr>
-                <p:cNvSpPr txBox="1"/>
-                <p:nvPr/>
-              </p:nvSpPr>
-              <p:spPr>
-                <a:xfrm>
-                  <a:off x="5139034" y="2385059"/>
-                  <a:ext cx="2444900" cy="369332"/>
-                </a:xfrm>
-                <a:prstGeom prst="rect">
-                  <a:avLst/>
-                </a:prstGeom>
-                <a:noFill/>
-              </p:spPr>
-              <p:txBody>
-                <a:bodyPr wrap="none" rtlCol="0">
-                  <a:spAutoFit/>
-                </a:bodyPr>
-                <a:lstStyle/>
-                <a:p>
-                  <a:r>
-                    <a:rPr lang="en-US" dirty="0">
-                      <a:latin typeface="Roboto Condensed" panose="02000000000000000000" pitchFamily="2" charset="0"/>
-                      <a:ea typeface="Roboto Condensed" panose="02000000000000000000" pitchFamily="2" charset="0"/>
-                    </a:rPr>
-                    <a:t>Database and Webserver</a:t>
-                  </a:r>
-                </a:p>
-              </p:txBody>
-            </p:sp>
-          </p:grpSp>
-          <p:grpSp>
-            <p:nvGrpSpPr>
-              <p:cNvPr id="35" name="Group 34">
-                <a:extLst>
-                  <a:ext uri="{FF2B5EF4-FFF2-40B4-BE49-F238E27FC236}">
-                    <a16:creationId xmlns:a16="http://schemas.microsoft.com/office/drawing/2014/main" id="{E9AF47B3-5D17-4010-B2B7-5104FC583F5F}"/>
-                  </a:ext>
-                </a:extLst>
-              </p:cNvPr>
-              <p:cNvGrpSpPr/>
-              <p:nvPr/>
-            </p:nvGrpSpPr>
-            <p:grpSpPr>
-              <a:xfrm>
-                <a:off x="8766160" y="3506397"/>
-                <a:ext cx="3077497" cy="2838410"/>
-                <a:chOff x="8585768" y="3535450"/>
-                <a:chExt cx="3077497" cy="2838410"/>
-              </a:xfrm>
-            </p:grpSpPr>
-            <p:pic>
-              <p:nvPicPr>
-                <p:cNvPr id="24" name="Picture 23" descr="A picture containing computer, computer&#10;&#10;Description automatically generated">
-                  <a:extLst>
-                    <a:ext uri="{FF2B5EF4-FFF2-40B4-BE49-F238E27FC236}">
-                      <a16:creationId xmlns:a16="http://schemas.microsoft.com/office/drawing/2014/main" id="{31355BAD-CAAF-4613-A2CE-C9EEBB6B4A25}"/>
-                    </a:ext>
-                  </a:extLst>
-                </p:cNvPr>
-                <p:cNvPicPr>
-                  <a:picLocks noChangeAspect="1"/>
-                </p:cNvPicPr>
-                <p:nvPr/>
-              </p:nvPicPr>
-              <p:blipFill>
-                <a:blip r:embed="rId5">
-                  <a:extLst>
-                    <a:ext uri="{28A0092B-C50C-407E-A947-70E740481C1C}">
-                      <a14:useLocalDpi xmlns:a14="http://schemas.microsoft.com/office/drawing/2010/main" val="0"/>
-                    </a:ext>
-                  </a:extLst>
-                </a:blip>
-                <a:stretch>
-                  <a:fillRect/>
-                </a:stretch>
-              </p:blipFill>
-              <p:spPr>
-                <a:xfrm>
-                  <a:off x="8743765" y="3535450"/>
-                  <a:ext cx="2761501" cy="2079122"/>
-                </a:xfrm>
-                <a:prstGeom prst="rect">
-                  <a:avLst/>
-                </a:prstGeom>
-              </p:spPr>
-            </p:pic>
-            <p:sp>
-              <p:nvSpPr>
-                <p:cNvPr id="26" name="TextBox 25">
-                  <a:extLst>
-                    <a:ext uri="{FF2B5EF4-FFF2-40B4-BE49-F238E27FC236}">
-                      <a16:creationId xmlns:a16="http://schemas.microsoft.com/office/drawing/2014/main" id="{3916DBAE-5E4F-42CD-8F53-3C3CCBDC731F}"/>
-                    </a:ext>
-                  </a:extLst>
-                </p:cNvPr>
-                <p:cNvSpPr txBox="1"/>
-                <p:nvPr/>
-              </p:nvSpPr>
-              <p:spPr>
-                <a:xfrm>
-                  <a:off x="8585768" y="5727529"/>
-                  <a:ext cx="3077497" cy="646331"/>
-                </a:xfrm>
-                <a:prstGeom prst="rect">
-                  <a:avLst/>
-                </a:prstGeom>
-                <a:noFill/>
-              </p:spPr>
-              <p:txBody>
-                <a:bodyPr wrap="square" rtlCol="0">
-                  <a:spAutoFit/>
-                </a:bodyPr>
-                <a:lstStyle/>
-                <a:p>
-                  <a:pPr algn="ctr"/>
-                  <a:r>
-                    <a:rPr lang="en-US" dirty="0">
-                      <a:latin typeface="Roboto Condensed" panose="02000000000000000000" pitchFamily="2" charset="0"/>
-                      <a:ea typeface="Roboto Condensed" panose="02000000000000000000" pitchFamily="2" charset="0"/>
-                    </a:rPr>
-                    <a:t>Registration and Management website</a:t>
-                  </a:r>
-                </a:p>
-              </p:txBody>
-            </p:sp>
-          </p:grpSp>
-          <p:cxnSp>
-            <p:nvCxnSpPr>
-              <p:cNvPr id="28" name="Straight Arrow Connector 27">
-                <a:extLst>
-                  <a:ext uri="{FF2B5EF4-FFF2-40B4-BE49-F238E27FC236}">
-                    <a16:creationId xmlns:a16="http://schemas.microsoft.com/office/drawing/2014/main" id="{F573D385-D8C3-4393-831D-0ECA1823A5DB}"/>
-                  </a:ext>
-                </a:extLst>
-              </p:cNvPr>
-              <p:cNvCxnSpPr>
-                <a:cxnSpLocks/>
-              </p:cNvCxnSpPr>
-              <p:nvPr/>
-            </p:nvCxnSpPr>
-            <p:spPr>
-              <a:xfrm flipV="1">
-                <a:off x="2841596" y="2624962"/>
-                <a:ext cx="1777912" cy="1635966"/>
-              </a:xfrm>
-              <a:prstGeom prst="straightConnector1">
-                <a:avLst/>
-              </a:prstGeom>
-              <a:ln w="57150">
-                <a:solidFill>
-                  <a:srgbClr val="000000"/>
-                </a:solidFill>
-                <a:tailEnd type="triangle"/>
-              </a:ln>
-            </p:spPr>
-            <p:style>
-              <a:lnRef idx="1">
-                <a:schemeClr val="accent1"/>
-              </a:lnRef>
-              <a:fillRef idx="0">
-                <a:schemeClr val="accent1"/>
-              </a:fillRef>
-              <a:effectRef idx="0">
-                <a:schemeClr val="accent1"/>
-              </a:effectRef>
-              <a:fontRef idx="minor">
-                <a:schemeClr val="tx1"/>
-              </a:fontRef>
-            </p:style>
-          </p:cxnSp>
-          <p:cxnSp>
-            <p:nvCxnSpPr>
-              <p:cNvPr id="37" name="Straight Arrow Connector 36">
-                <a:extLst>
-                  <a:ext uri="{FF2B5EF4-FFF2-40B4-BE49-F238E27FC236}">
-                    <a16:creationId xmlns:a16="http://schemas.microsoft.com/office/drawing/2014/main" id="{DD385056-E99F-450C-BCC7-FA74C50AA5A4}"/>
-                  </a:ext>
-                </a:extLst>
-              </p:cNvPr>
-              <p:cNvCxnSpPr>
-                <a:cxnSpLocks/>
-              </p:cNvCxnSpPr>
-              <p:nvPr/>
-            </p:nvCxnSpPr>
-            <p:spPr>
-              <a:xfrm flipH="1">
-                <a:off x="3036919" y="2946446"/>
-                <a:ext cx="1747935" cy="1626334"/>
-              </a:xfrm>
-              <a:prstGeom prst="straightConnector1">
-                <a:avLst/>
-              </a:prstGeom>
-              <a:ln w="57150">
-                <a:solidFill>
-                  <a:srgbClr val="000000"/>
-                </a:solidFill>
-                <a:tailEnd type="triangle"/>
-              </a:ln>
-            </p:spPr>
-            <p:style>
-              <a:lnRef idx="1">
-                <a:schemeClr val="accent1"/>
-              </a:lnRef>
-              <a:fillRef idx="0">
-                <a:schemeClr val="accent1"/>
-              </a:fillRef>
-              <a:effectRef idx="0">
-                <a:schemeClr val="accent1"/>
-              </a:effectRef>
-              <a:fontRef idx="minor">
-                <a:schemeClr val="tx1"/>
-              </a:fontRef>
-            </p:style>
-          </p:cxnSp>
-          <p:sp>
-            <p:nvSpPr>
-              <p:cNvPr id="41" name="TextBox 40">
-                <a:extLst>
-                  <a:ext uri="{FF2B5EF4-FFF2-40B4-BE49-F238E27FC236}">
-                    <a16:creationId xmlns:a16="http://schemas.microsoft.com/office/drawing/2014/main" id="{EF073A1D-5E35-4AC5-8A00-3B54549F434C}"/>
-                  </a:ext>
-                </a:extLst>
-              </p:cNvPr>
-              <p:cNvSpPr txBox="1"/>
+              <p:cNvSpPr/>
               <p:nvPr/>
             </p:nvSpPr>
             <p:spPr>
-              <a:xfrm rot="19041196">
-                <a:off x="3116611" y="3127337"/>
-                <a:ext cx="1029449" cy="369332"/>
+              <a:xfrm>
+                <a:off x="1934547" y="1841241"/>
+                <a:ext cx="2021633" cy="2792963"/>
               </a:xfrm>
               <a:prstGeom prst="rect">
                 <a:avLst/>
               </a:prstGeom>
-              <a:noFill/>
             </p:spPr>
+            <p:style>
+              <a:lnRef idx="2">
+                <a:schemeClr val="dk1">
+                  <a:shade val="50000"/>
+                </a:schemeClr>
+              </a:lnRef>
+              <a:fillRef idx="1">
+                <a:schemeClr val="dk1"/>
+              </a:fillRef>
+              <a:effectRef idx="0">
+                <a:schemeClr val="dk1"/>
+              </a:effectRef>
+              <a:fontRef idx="minor">
+                <a:schemeClr val="lt1"/>
+              </a:fontRef>
+            </p:style>
             <p:txBody>
-              <a:bodyPr wrap="none" rtlCol="0">
-                <a:spAutoFit/>
-              </a:bodyPr>
+              <a:bodyPr rtlCol="0" anchor="ctr"/>
               <a:lstStyle/>
               <a:p>
-                <a:r>
-                  <a:rPr lang="en-US" dirty="0">
-                    <a:latin typeface="Roboto Condensed" panose="02000000000000000000" pitchFamily="2" charset="0"/>
-                    <a:ea typeface="Roboto Condensed" panose="02000000000000000000" pitchFamily="2" charset="0"/>
-                  </a:rPr>
-                  <a:t>Requests</a:t>
-                </a:r>
+                <a:pPr algn="ctr"/>
+                <a:endParaRPr lang="en-US"/>
               </a:p>
             </p:txBody>
           </p:sp>
-          <p:cxnSp>
-            <p:nvCxnSpPr>
-              <p:cNvPr id="42" name="Straight Arrow Connector 41">
+          <p:sp>
+            <p:nvSpPr>
+              <p:cNvPr id="5" name="Rectangle 4">
                 <a:extLst>
                   <a:ext uri="{FF2B5EF4-FFF2-40B4-BE49-F238E27FC236}">
-                    <a16:creationId xmlns:a16="http://schemas.microsoft.com/office/drawing/2014/main" id="{0435DD12-2D4F-471F-BA3C-5E64C5C70CF2}"/>
+                    <a16:creationId xmlns:a16="http://schemas.microsoft.com/office/drawing/2014/main" id="{806AEFE7-374C-4227-997A-872B9E669544}"/>
                   </a:ext>
                 </a:extLst>
               </p:cNvPr>
-              <p:cNvCxnSpPr>
-                <a:cxnSpLocks/>
-              </p:cNvCxnSpPr>
-              <p:nvPr/>
-            </p:nvCxnSpPr>
-            <p:spPr>
-              <a:xfrm>
-                <a:off x="7594882" y="2233127"/>
-                <a:ext cx="1801280" cy="1704354"/>
-              </a:xfrm>
-              <a:prstGeom prst="straightConnector1">
-                <a:avLst/>
-              </a:prstGeom>
-              <a:ln w="57150">
-                <a:solidFill>
-                  <a:srgbClr val="000000"/>
-                </a:solidFill>
-                <a:tailEnd type="triangle"/>
-              </a:ln>
-            </p:spPr>
-            <p:style>
-              <a:lnRef idx="1">
-                <a:schemeClr val="accent1"/>
-              </a:lnRef>
-              <a:fillRef idx="0">
-                <a:schemeClr val="accent1"/>
-              </a:fillRef>
-              <a:effectRef idx="0">
-                <a:schemeClr val="accent1"/>
-              </a:effectRef>
-              <a:fontRef idx="minor">
-                <a:schemeClr val="tx1"/>
-              </a:fontRef>
-            </p:style>
-          </p:cxnSp>
-          <p:cxnSp>
-            <p:nvCxnSpPr>
-              <p:cNvPr id="43" name="Straight Arrow Connector 42">
-                <a:extLst>
-                  <a:ext uri="{FF2B5EF4-FFF2-40B4-BE49-F238E27FC236}">
-                    <a16:creationId xmlns:a16="http://schemas.microsoft.com/office/drawing/2014/main" id="{EF10C1C4-81A5-4D64-85A2-FE42032B50C5}"/>
-                  </a:ext>
-                </a:extLst>
-              </p:cNvPr>
-              <p:cNvCxnSpPr>
-                <a:cxnSpLocks/>
-              </p:cNvCxnSpPr>
-              <p:nvPr/>
-            </p:nvCxnSpPr>
-            <p:spPr>
-              <a:xfrm rot="5136767" flipH="1">
-                <a:off x="7503700" y="2665016"/>
-                <a:ext cx="1747935" cy="1626334"/>
-              </a:xfrm>
-              <a:prstGeom prst="straightConnector1">
-                <a:avLst/>
-              </a:prstGeom>
-              <a:ln w="57150">
-                <a:solidFill>
-                  <a:srgbClr val="000000"/>
-                </a:solidFill>
-                <a:tailEnd type="triangle"/>
-              </a:ln>
-            </p:spPr>
-            <p:style>
-              <a:lnRef idx="1">
-                <a:schemeClr val="accent1"/>
-              </a:lnRef>
-              <a:fillRef idx="0">
-                <a:schemeClr val="accent1"/>
-              </a:fillRef>
-              <a:effectRef idx="0">
-                <a:schemeClr val="accent1"/>
-              </a:effectRef>
-              <a:fontRef idx="minor">
-                <a:schemeClr val="tx1"/>
-              </a:fontRef>
-            </p:style>
-          </p:cxnSp>
-          <p:sp>
-            <p:nvSpPr>
-              <p:cNvPr id="44" name="TextBox 43">
-                <a:extLst>
-                  <a:ext uri="{FF2B5EF4-FFF2-40B4-BE49-F238E27FC236}">
-                    <a16:creationId xmlns:a16="http://schemas.microsoft.com/office/drawing/2014/main" id="{C9238C91-395C-4F14-97A6-74AEE4B986D3}"/>
-                  </a:ext>
-                </a:extLst>
-              </p:cNvPr>
-              <p:cNvSpPr txBox="1"/>
+              <p:cNvSpPr/>
               <p:nvPr/>
             </p:nvSpPr>
             <p:spPr>
-              <a:xfrm rot="2577963">
-                <a:off x="8105727" y="3090242"/>
-                <a:ext cx="696024" cy="369332"/>
+              <a:xfrm>
+                <a:off x="1990531" y="1884784"/>
+                <a:ext cx="1897224" cy="2699657"/>
               </a:xfrm>
               <a:prstGeom prst="rect">
                 <a:avLst/>
               </a:prstGeom>
-              <a:noFill/>
             </p:spPr>
+            <p:style>
+              <a:lnRef idx="1">
+                <a:schemeClr val="accent3"/>
+              </a:lnRef>
+              <a:fillRef idx="2">
+                <a:schemeClr val="accent3"/>
+              </a:fillRef>
+              <a:effectRef idx="1">
+                <a:schemeClr val="accent3"/>
+              </a:effectRef>
+              <a:fontRef idx="minor">
+                <a:schemeClr val="dk1"/>
+              </a:fontRef>
+            </p:style>
             <p:txBody>
-              <a:bodyPr wrap="none" rtlCol="0">
-                <a:spAutoFit/>
-              </a:bodyPr>
+              <a:bodyPr rtlCol="0" anchor="ctr"/>
               <a:lstStyle/>
               <a:p>
-                <a:r>
-                  <a:rPr lang="en-US" dirty="0">
-                    <a:latin typeface="Roboto Condensed" panose="02000000000000000000" pitchFamily="2" charset="0"/>
-                    <a:ea typeface="Roboto Condensed" panose="02000000000000000000" pitchFamily="2" charset="0"/>
-                  </a:rPr>
-                  <a:t>HTTP</a:t>
-                </a:r>
+                <a:pPr algn="ctr"/>
+                <a:endParaRPr lang="en-US"/>
               </a:p>
             </p:txBody>
           </p:sp>
+          <p:pic>
+            <p:nvPicPr>
+              <p:cNvPr id="3" name="Picture 2" descr="A picture containing flower&#10;&#10;Description automatically generated">
+                <a:extLst>
+                  <a:ext uri="{FF2B5EF4-FFF2-40B4-BE49-F238E27FC236}">
+                    <a16:creationId xmlns:a16="http://schemas.microsoft.com/office/drawing/2014/main" id="{D6E99C5D-2993-46B9-9D6D-99DEE0869D55}"/>
+                  </a:ext>
+                </a:extLst>
+              </p:cNvPr>
+              <p:cNvPicPr>
+                <a:picLocks noChangeAspect="1"/>
+              </p:cNvPicPr>
+              <p:nvPr/>
+            </p:nvPicPr>
+            <p:blipFill>
+              <a:blip r:embed="rId2">
+                <a:extLst>
+                  <a:ext uri="{28A0092B-C50C-407E-A947-70E740481C1C}">
+                    <a14:useLocalDpi xmlns:a14="http://schemas.microsoft.com/office/drawing/2010/main" val="0"/>
+                  </a:ext>
+                </a:extLst>
+              </a:blip>
+              <a:stretch>
+                <a:fillRect/>
+              </a:stretch>
+            </p:blipFill>
+            <p:spPr>
+              <a:xfrm>
+                <a:off x="2052735" y="1948064"/>
+                <a:ext cx="619899" cy="309395"/>
+              </a:xfrm>
+              <a:prstGeom prst="rect">
+                <a:avLst/>
+              </a:prstGeom>
+            </p:spPr>
+          </p:pic>
+          <p:pic>
+            <p:nvPicPr>
+              <p:cNvPr id="14" name="Picture 13" descr="A picture containing game&#10;&#10;Description automatically generated">
+                <a:extLst>
+                  <a:ext uri="{FF2B5EF4-FFF2-40B4-BE49-F238E27FC236}">
+                    <a16:creationId xmlns:a16="http://schemas.microsoft.com/office/drawing/2014/main" id="{DAFE493F-13E0-4926-9AF2-A82F2300CADD}"/>
+                  </a:ext>
+                </a:extLst>
+              </p:cNvPr>
+              <p:cNvPicPr>
+                <a:picLocks noChangeAspect="1"/>
+              </p:cNvPicPr>
+              <p:nvPr/>
+            </p:nvPicPr>
+            <p:blipFill>
+              <a:blip r:embed="rId3">
+                <a:extLst>
+                  <a:ext uri="{28A0092B-C50C-407E-A947-70E740481C1C}">
+                    <a14:useLocalDpi xmlns:a14="http://schemas.microsoft.com/office/drawing/2010/main" val="0"/>
+                  </a:ext>
+                </a:extLst>
+              </a:blip>
+              <a:stretch>
+                <a:fillRect/>
+              </a:stretch>
+            </p:blipFill>
+            <p:spPr>
+              <a:xfrm>
+                <a:off x="3215951" y="1948064"/>
+                <a:ext cx="619899" cy="670728"/>
+              </a:xfrm>
+              <a:prstGeom prst="rect">
+                <a:avLst/>
+              </a:prstGeom>
+            </p:spPr>
+          </p:pic>
         </p:grpSp>
         <p:sp>
           <p:nvSpPr>
-            <p:cNvPr id="49" name="TextBox 48">
+            <p:cNvPr id="16" name="TextBox 15">
               <a:extLst>
                 <a:ext uri="{FF2B5EF4-FFF2-40B4-BE49-F238E27FC236}">
-                  <a16:creationId xmlns:a16="http://schemas.microsoft.com/office/drawing/2014/main" id="{58FB7C42-D342-4F43-8762-B09238EA5591}"/>
+                  <a16:creationId xmlns:a16="http://schemas.microsoft.com/office/drawing/2014/main" id="{F47614FB-E6E5-4B2E-BB7C-526CEB58F07C}"/>
                 </a:ext>
               </a:extLst>
             </p:cNvPr>
@@ -4505,9 +3982,9 @@
             <p:nvPr/>
           </p:nvSpPr>
           <p:spPr>
-            <a:xfrm rot="19041196">
-              <a:off x="3522257" y="3389778"/>
-              <a:ext cx="696024" cy="369332"/>
+            <a:xfrm>
+              <a:off x="1665623" y="5421384"/>
+              <a:ext cx="1335622" cy="369332"/>
             </a:xfrm>
             <a:prstGeom prst="rect">
               <a:avLst/>
@@ -4525,17 +4002,74 @@
                   <a:latin typeface="Roboto Condensed" panose="02000000000000000000" pitchFamily="2" charset="0"/>
                   <a:ea typeface="Roboto Condensed" panose="02000000000000000000" pitchFamily="2" charset="0"/>
                 </a:rPr>
-                <a:t>HTTP</a:t>
+                <a:t>Smart Mirror</a:t>
               </a:r>
             </a:p>
           </p:txBody>
         </p:sp>
+      </p:grpSp>
+      <p:grpSp>
+        <p:nvGrpSpPr>
+          <p:cNvPr id="22" name="Group 21">
+            <a:extLst>
+              <a:ext uri="{FF2B5EF4-FFF2-40B4-BE49-F238E27FC236}">
+                <a16:creationId xmlns:a16="http://schemas.microsoft.com/office/drawing/2014/main" id="{67DCDFA1-90E4-4231-8C7A-DE1271E8F75E}"/>
+              </a:ext>
+            </a:extLst>
+          </p:cNvPr>
+          <p:cNvGrpSpPr/>
+          <p:nvPr/>
+        </p:nvGrpSpPr>
+        <p:grpSpPr>
+          <a:xfrm>
+            <a:off x="4685812" y="512277"/>
+            <a:ext cx="2648869" cy="2168720"/>
+            <a:chOff x="4951297" y="321776"/>
+            <a:chExt cx="2820375" cy="2432615"/>
+          </a:xfrm>
+        </p:grpSpPr>
+        <p:pic>
+          <p:nvPicPr>
+            <p:cNvPr id="19" name="Picture 18" descr="A picture containing cup, glass, glasses, sitting&#10;&#10;Description automatically generated">
+              <a:extLst>
+                <a:ext uri="{FF2B5EF4-FFF2-40B4-BE49-F238E27FC236}">
+                  <a16:creationId xmlns:a16="http://schemas.microsoft.com/office/drawing/2014/main" id="{1528F949-3FDC-45C7-8F24-32B3BA320C38}"/>
+                </a:ext>
+              </a:extLst>
+            </p:cNvPr>
+            <p:cNvPicPr>
+              <a:picLocks noChangeAspect="1"/>
+            </p:cNvPicPr>
+            <p:nvPr/>
+          </p:nvPicPr>
+          <p:blipFill>
+            <a:blip r:embed="rId4">
+              <a:extLst>
+                <a:ext uri="{28A0092B-C50C-407E-A947-70E740481C1C}">
+                  <a14:useLocalDpi xmlns:a14="http://schemas.microsoft.com/office/drawing/2010/main" val="0"/>
+                </a:ext>
+              </a:extLst>
+            </a:blip>
+            <a:stretch>
+              <a:fillRect/>
+            </a:stretch>
+          </p:blipFill>
+          <p:spPr>
+            <a:xfrm>
+              <a:off x="4951297" y="321776"/>
+              <a:ext cx="2820375" cy="2063283"/>
+            </a:xfrm>
+            <a:prstGeom prst="rect">
+              <a:avLst/>
+            </a:prstGeom>
+          </p:spPr>
+        </p:pic>
         <p:sp>
           <p:nvSpPr>
-            <p:cNvPr id="55" name="TextBox 54">
+            <p:cNvPr id="21" name="TextBox 20">
               <a:extLst>
                 <a:ext uri="{FF2B5EF4-FFF2-40B4-BE49-F238E27FC236}">
-                  <a16:creationId xmlns:a16="http://schemas.microsoft.com/office/drawing/2014/main" id="{686ED1B7-86E2-4BFD-8A3A-9EE98EC52936}"/>
+                  <a16:creationId xmlns:a16="http://schemas.microsoft.com/office/drawing/2014/main" id="{5EE10236-EFEB-4C34-8055-1BA330FBE957}"/>
                 </a:ext>
               </a:extLst>
             </p:cNvPr>
@@ -4543,9 +4077,9 @@
             <p:nvPr/>
           </p:nvSpPr>
           <p:spPr>
-            <a:xfrm rot="18992551">
-              <a:off x="3510495" y="3666466"/>
-              <a:ext cx="1180131" cy="369332"/>
+            <a:xfrm>
+              <a:off x="5139034" y="2385059"/>
+              <a:ext cx="2444900" cy="369332"/>
             </a:xfrm>
             <a:prstGeom prst="rect">
               <a:avLst/>
@@ -4563,12 +4097,436 @@
                   <a:latin typeface="Roboto Condensed" panose="02000000000000000000" pitchFamily="2" charset="0"/>
                   <a:ea typeface="Roboto Condensed" panose="02000000000000000000" pitchFamily="2" charset="0"/>
                 </a:rPr>
-                <a:t>Responses</a:t>
+                <a:t>Database and Webserver</a:t>
               </a:r>
             </a:p>
           </p:txBody>
         </p:sp>
       </p:grpSp>
+      <p:grpSp>
+        <p:nvGrpSpPr>
+          <p:cNvPr id="35" name="Group 34">
+            <a:extLst>
+              <a:ext uri="{FF2B5EF4-FFF2-40B4-BE49-F238E27FC236}">
+                <a16:creationId xmlns:a16="http://schemas.microsoft.com/office/drawing/2014/main" id="{E9AF47B3-5D17-4010-B2B7-5104FC583F5F}"/>
+              </a:ext>
+            </a:extLst>
+          </p:cNvPr>
+          <p:cNvGrpSpPr/>
+          <p:nvPr/>
+        </p:nvGrpSpPr>
+        <p:grpSpPr>
+          <a:xfrm>
+            <a:off x="8766160" y="3506397"/>
+            <a:ext cx="3077497" cy="2838410"/>
+            <a:chOff x="8585768" y="3535450"/>
+            <a:chExt cx="3077497" cy="2838410"/>
+          </a:xfrm>
+        </p:grpSpPr>
+        <p:pic>
+          <p:nvPicPr>
+            <p:cNvPr id="24" name="Picture 23" descr="A picture containing computer, computer&#10;&#10;Description automatically generated">
+              <a:extLst>
+                <a:ext uri="{FF2B5EF4-FFF2-40B4-BE49-F238E27FC236}">
+                  <a16:creationId xmlns:a16="http://schemas.microsoft.com/office/drawing/2014/main" id="{31355BAD-CAAF-4613-A2CE-C9EEBB6B4A25}"/>
+                </a:ext>
+              </a:extLst>
+            </p:cNvPr>
+            <p:cNvPicPr>
+              <a:picLocks noChangeAspect="1"/>
+            </p:cNvPicPr>
+            <p:nvPr/>
+          </p:nvPicPr>
+          <p:blipFill>
+            <a:blip r:embed="rId5">
+              <a:extLst>
+                <a:ext uri="{28A0092B-C50C-407E-A947-70E740481C1C}">
+                  <a14:useLocalDpi xmlns:a14="http://schemas.microsoft.com/office/drawing/2010/main" val="0"/>
+                </a:ext>
+              </a:extLst>
+            </a:blip>
+            <a:stretch>
+              <a:fillRect/>
+            </a:stretch>
+          </p:blipFill>
+          <p:spPr>
+            <a:xfrm>
+              <a:off x="8743765" y="3535450"/>
+              <a:ext cx="2761501" cy="2079122"/>
+            </a:xfrm>
+            <a:prstGeom prst="rect">
+              <a:avLst/>
+            </a:prstGeom>
+          </p:spPr>
+        </p:pic>
+        <p:sp>
+          <p:nvSpPr>
+            <p:cNvPr id="26" name="TextBox 25">
+              <a:extLst>
+                <a:ext uri="{FF2B5EF4-FFF2-40B4-BE49-F238E27FC236}">
+                  <a16:creationId xmlns:a16="http://schemas.microsoft.com/office/drawing/2014/main" id="{3916DBAE-5E4F-42CD-8F53-3C3CCBDC731F}"/>
+                </a:ext>
+              </a:extLst>
+            </p:cNvPr>
+            <p:cNvSpPr txBox="1"/>
+            <p:nvPr/>
+          </p:nvSpPr>
+          <p:spPr>
+            <a:xfrm>
+              <a:off x="8585768" y="5727529"/>
+              <a:ext cx="3077497" cy="646331"/>
+            </a:xfrm>
+            <a:prstGeom prst="rect">
+              <a:avLst/>
+            </a:prstGeom>
+            <a:noFill/>
+          </p:spPr>
+          <p:txBody>
+            <a:bodyPr wrap="square" rtlCol="0">
+              <a:spAutoFit/>
+            </a:bodyPr>
+            <a:lstStyle/>
+            <a:p>
+              <a:pPr algn="ctr"/>
+              <a:r>
+                <a:rPr lang="en-US" dirty="0">
+                  <a:latin typeface="Roboto Condensed" panose="02000000000000000000" pitchFamily="2" charset="0"/>
+                  <a:ea typeface="Roboto Condensed" panose="02000000000000000000" pitchFamily="2" charset="0"/>
+                </a:rPr>
+                <a:t>Registration and Management website</a:t>
+              </a:r>
+            </a:p>
+          </p:txBody>
+        </p:sp>
+      </p:grpSp>
+      <p:cxnSp>
+        <p:nvCxnSpPr>
+          <p:cNvPr id="28" name="Straight Arrow Connector 27">
+            <a:extLst>
+              <a:ext uri="{FF2B5EF4-FFF2-40B4-BE49-F238E27FC236}">
+                <a16:creationId xmlns:a16="http://schemas.microsoft.com/office/drawing/2014/main" id="{F573D385-D8C3-4393-831D-0ECA1823A5DB}"/>
+              </a:ext>
+            </a:extLst>
+          </p:cNvPr>
+          <p:cNvCxnSpPr>
+            <a:cxnSpLocks/>
+          </p:cNvCxnSpPr>
+          <p:nvPr/>
+        </p:nvCxnSpPr>
+        <p:spPr>
+          <a:xfrm flipV="1">
+            <a:off x="2841596" y="2624962"/>
+            <a:ext cx="1777912" cy="1635966"/>
+          </a:xfrm>
+          <a:prstGeom prst="straightConnector1">
+            <a:avLst/>
+          </a:prstGeom>
+          <a:ln w="57150">
+            <a:solidFill>
+              <a:srgbClr val="000000"/>
+            </a:solidFill>
+            <a:tailEnd type="triangle"/>
+          </a:ln>
+        </p:spPr>
+        <p:style>
+          <a:lnRef idx="1">
+            <a:schemeClr val="accent1"/>
+          </a:lnRef>
+          <a:fillRef idx="0">
+            <a:schemeClr val="accent1"/>
+          </a:fillRef>
+          <a:effectRef idx="0">
+            <a:schemeClr val="accent1"/>
+          </a:effectRef>
+          <a:fontRef idx="minor">
+            <a:schemeClr val="tx1"/>
+          </a:fontRef>
+        </p:style>
+      </p:cxnSp>
+      <p:cxnSp>
+        <p:nvCxnSpPr>
+          <p:cNvPr id="37" name="Straight Arrow Connector 36">
+            <a:extLst>
+              <a:ext uri="{FF2B5EF4-FFF2-40B4-BE49-F238E27FC236}">
+                <a16:creationId xmlns:a16="http://schemas.microsoft.com/office/drawing/2014/main" id="{DD385056-E99F-450C-BCC7-FA74C50AA5A4}"/>
+              </a:ext>
+            </a:extLst>
+          </p:cNvPr>
+          <p:cNvCxnSpPr>
+            <a:cxnSpLocks/>
+          </p:cNvCxnSpPr>
+          <p:nvPr/>
+        </p:nvCxnSpPr>
+        <p:spPr>
+          <a:xfrm flipH="1">
+            <a:off x="3036919" y="2946446"/>
+            <a:ext cx="1747935" cy="1626334"/>
+          </a:xfrm>
+          <a:prstGeom prst="straightConnector1">
+            <a:avLst/>
+          </a:prstGeom>
+          <a:ln w="57150">
+            <a:solidFill>
+              <a:srgbClr val="000000"/>
+            </a:solidFill>
+            <a:tailEnd type="triangle"/>
+          </a:ln>
+        </p:spPr>
+        <p:style>
+          <a:lnRef idx="1">
+            <a:schemeClr val="accent1"/>
+          </a:lnRef>
+          <a:fillRef idx="0">
+            <a:schemeClr val="accent1"/>
+          </a:fillRef>
+          <a:effectRef idx="0">
+            <a:schemeClr val="accent1"/>
+          </a:effectRef>
+          <a:fontRef idx="minor">
+            <a:schemeClr val="tx1"/>
+          </a:fontRef>
+        </p:style>
+      </p:cxnSp>
+      <p:sp>
+        <p:nvSpPr>
+          <p:cNvPr id="41" name="TextBox 40">
+            <a:extLst>
+              <a:ext uri="{FF2B5EF4-FFF2-40B4-BE49-F238E27FC236}">
+                <a16:creationId xmlns:a16="http://schemas.microsoft.com/office/drawing/2014/main" id="{EF073A1D-5E35-4AC5-8A00-3B54549F434C}"/>
+              </a:ext>
+            </a:extLst>
+          </p:cNvPr>
+          <p:cNvSpPr txBox="1"/>
+          <p:nvPr/>
+        </p:nvSpPr>
+        <p:spPr>
+          <a:xfrm rot="19041196">
+            <a:off x="3116611" y="3127337"/>
+            <a:ext cx="1029449" cy="369332"/>
+          </a:xfrm>
+          <a:prstGeom prst="rect">
+            <a:avLst/>
+          </a:prstGeom>
+          <a:noFill/>
+        </p:spPr>
+        <p:txBody>
+          <a:bodyPr wrap="none" rtlCol="0">
+            <a:spAutoFit/>
+          </a:bodyPr>
+          <a:lstStyle/>
+          <a:p>
+            <a:r>
+              <a:rPr lang="en-US" dirty="0">
+                <a:latin typeface="Roboto Condensed" panose="02000000000000000000" pitchFamily="2" charset="0"/>
+                <a:ea typeface="Roboto Condensed" panose="02000000000000000000" pitchFamily="2" charset="0"/>
+              </a:rPr>
+              <a:t>Requests</a:t>
+            </a:r>
+          </a:p>
+        </p:txBody>
+      </p:sp>
+      <p:cxnSp>
+        <p:nvCxnSpPr>
+          <p:cNvPr id="42" name="Straight Arrow Connector 41">
+            <a:extLst>
+              <a:ext uri="{FF2B5EF4-FFF2-40B4-BE49-F238E27FC236}">
+                <a16:creationId xmlns:a16="http://schemas.microsoft.com/office/drawing/2014/main" id="{0435DD12-2D4F-471F-BA3C-5E64C5C70CF2}"/>
+              </a:ext>
+            </a:extLst>
+          </p:cNvPr>
+          <p:cNvCxnSpPr>
+            <a:cxnSpLocks/>
+          </p:cNvCxnSpPr>
+          <p:nvPr/>
+        </p:nvCxnSpPr>
+        <p:spPr>
+          <a:xfrm>
+            <a:off x="7594882" y="2233127"/>
+            <a:ext cx="1801280" cy="1704354"/>
+          </a:xfrm>
+          <a:prstGeom prst="straightConnector1">
+            <a:avLst/>
+          </a:prstGeom>
+          <a:ln w="57150">
+            <a:solidFill>
+              <a:srgbClr val="000000"/>
+            </a:solidFill>
+            <a:tailEnd type="triangle"/>
+          </a:ln>
+        </p:spPr>
+        <p:style>
+          <a:lnRef idx="1">
+            <a:schemeClr val="accent1"/>
+          </a:lnRef>
+          <a:fillRef idx="0">
+            <a:schemeClr val="accent1"/>
+          </a:fillRef>
+          <a:effectRef idx="0">
+            <a:schemeClr val="accent1"/>
+          </a:effectRef>
+          <a:fontRef idx="minor">
+            <a:schemeClr val="tx1"/>
+          </a:fontRef>
+        </p:style>
+      </p:cxnSp>
+      <p:cxnSp>
+        <p:nvCxnSpPr>
+          <p:cNvPr id="43" name="Straight Arrow Connector 42">
+            <a:extLst>
+              <a:ext uri="{FF2B5EF4-FFF2-40B4-BE49-F238E27FC236}">
+                <a16:creationId xmlns:a16="http://schemas.microsoft.com/office/drawing/2014/main" id="{EF10C1C4-81A5-4D64-85A2-FE42032B50C5}"/>
+              </a:ext>
+            </a:extLst>
+          </p:cNvPr>
+          <p:cNvCxnSpPr>
+            <a:cxnSpLocks/>
+          </p:cNvCxnSpPr>
+          <p:nvPr/>
+        </p:nvCxnSpPr>
+        <p:spPr>
+          <a:xfrm rot="5136767" flipH="1">
+            <a:off x="7503700" y="2665016"/>
+            <a:ext cx="1747935" cy="1626334"/>
+          </a:xfrm>
+          <a:prstGeom prst="straightConnector1">
+            <a:avLst/>
+          </a:prstGeom>
+          <a:ln w="57150">
+            <a:solidFill>
+              <a:srgbClr val="000000"/>
+            </a:solidFill>
+            <a:tailEnd type="triangle"/>
+          </a:ln>
+        </p:spPr>
+        <p:style>
+          <a:lnRef idx="1">
+            <a:schemeClr val="accent1"/>
+          </a:lnRef>
+          <a:fillRef idx="0">
+            <a:schemeClr val="accent1"/>
+          </a:fillRef>
+          <a:effectRef idx="0">
+            <a:schemeClr val="accent1"/>
+          </a:effectRef>
+          <a:fontRef idx="minor">
+            <a:schemeClr val="tx1"/>
+          </a:fontRef>
+        </p:style>
+      </p:cxnSp>
+      <p:sp>
+        <p:nvSpPr>
+          <p:cNvPr id="44" name="TextBox 43">
+            <a:extLst>
+              <a:ext uri="{FF2B5EF4-FFF2-40B4-BE49-F238E27FC236}">
+                <a16:creationId xmlns:a16="http://schemas.microsoft.com/office/drawing/2014/main" id="{C9238C91-395C-4F14-97A6-74AEE4B986D3}"/>
+              </a:ext>
+            </a:extLst>
+          </p:cNvPr>
+          <p:cNvSpPr txBox="1"/>
+          <p:nvPr/>
+        </p:nvSpPr>
+        <p:spPr>
+          <a:xfrm rot="2577963">
+            <a:off x="8105727" y="3090242"/>
+            <a:ext cx="696024" cy="369332"/>
+          </a:xfrm>
+          <a:prstGeom prst="rect">
+            <a:avLst/>
+          </a:prstGeom>
+          <a:noFill/>
+        </p:spPr>
+        <p:txBody>
+          <a:bodyPr wrap="none" rtlCol="0">
+            <a:spAutoFit/>
+          </a:bodyPr>
+          <a:lstStyle/>
+          <a:p>
+            <a:r>
+              <a:rPr lang="en-US" dirty="0">
+                <a:latin typeface="Roboto Condensed" panose="02000000000000000000" pitchFamily="2" charset="0"/>
+                <a:ea typeface="Roboto Condensed" panose="02000000000000000000" pitchFamily="2" charset="0"/>
+              </a:rPr>
+              <a:t>HTTP</a:t>
+            </a:r>
+          </a:p>
+        </p:txBody>
+      </p:sp>
+      <p:sp>
+        <p:nvSpPr>
+          <p:cNvPr id="49" name="TextBox 48">
+            <a:extLst>
+              <a:ext uri="{FF2B5EF4-FFF2-40B4-BE49-F238E27FC236}">
+                <a16:creationId xmlns:a16="http://schemas.microsoft.com/office/drawing/2014/main" id="{58FB7C42-D342-4F43-8762-B09238EA5591}"/>
+              </a:ext>
+            </a:extLst>
+          </p:cNvPr>
+          <p:cNvSpPr txBox="1"/>
+          <p:nvPr/>
+        </p:nvSpPr>
+        <p:spPr>
+          <a:xfrm rot="19041196">
+            <a:off x="3522257" y="3389778"/>
+            <a:ext cx="696024" cy="369332"/>
+          </a:xfrm>
+          <a:prstGeom prst="rect">
+            <a:avLst/>
+          </a:prstGeom>
+          <a:noFill/>
+        </p:spPr>
+        <p:txBody>
+          <a:bodyPr wrap="none" rtlCol="0">
+            <a:spAutoFit/>
+          </a:bodyPr>
+          <a:lstStyle/>
+          <a:p>
+            <a:r>
+              <a:rPr lang="en-US" dirty="0">
+                <a:latin typeface="Roboto Condensed" panose="02000000000000000000" pitchFamily="2" charset="0"/>
+                <a:ea typeface="Roboto Condensed" panose="02000000000000000000" pitchFamily="2" charset="0"/>
+              </a:rPr>
+              <a:t>HTTP</a:t>
+            </a:r>
+          </a:p>
+        </p:txBody>
+      </p:sp>
+      <p:sp>
+        <p:nvSpPr>
+          <p:cNvPr id="55" name="TextBox 54">
+            <a:extLst>
+              <a:ext uri="{FF2B5EF4-FFF2-40B4-BE49-F238E27FC236}">
+                <a16:creationId xmlns:a16="http://schemas.microsoft.com/office/drawing/2014/main" id="{686ED1B7-86E2-4BFD-8A3A-9EE98EC52936}"/>
+              </a:ext>
+            </a:extLst>
+          </p:cNvPr>
+          <p:cNvSpPr txBox="1"/>
+          <p:nvPr/>
+        </p:nvSpPr>
+        <p:spPr>
+          <a:xfrm rot="18992551">
+            <a:off x="3510495" y="3666466"/>
+            <a:ext cx="1180131" cy="369332"/>
+          </a:xfrm>
+          <a:prstGeom prst="rect">
+            <a:avLst/>
+          </a:prstGeom>
+          <a:noFill/>
+        </p:spPr>
+        <p:txBody>
+          <a:bodyPr wrap="none" rtlCol="0">
+            <a:spAutoFit/>
+          </a:bodyPr>
+          <a:lstStyle/>
+          <a:p>
+            <a:r>
+              <a:rPr lang="en-US" dirty="0">
+                <a:latin typeface="Roboto Condensed" panose="02000000000000000000" pitchFamily="2" charset="0"/>
+                <a:ea typeface="Roboto Condensed" panose="02000000000000000000" pitchFamily="2" charset="0"/>
+              </a:rPr>
+              <a:t>Responses</a:t>
+            </a:r>
+          </a:p>
+        </p:txBody>
+      </p:sp>
       <p:pic>
         <p:nvPicPr>
           <p:cNvPr id="10" name="Picture 9" descr="A picture containing drawing&#10;&#10;Description automatically generated">
@@ -4713,10 +4671,10 @@
       </p:grpSpPr>
       <p:grpSp>
         <p:nvGrpSpPr>
-          <p:cNvPr id="6" name="Group 5">
+          <p:cNvPr id="68" name="Group 67">
             <a:extLst>
               <a:ext uri="{FF2B5EF4-FFF2-40B4-BE49-F238E27FC236}">
-                <a16:creationId xmlns:a16="http://schemas.microsoft.com/office/drawing/2014/main" id="{1AAE5759-A53C-4C41-9783-5705FECCC0A1}"/>
+                <a16:creationId xmlns:a16="http://schemas.microsoft.com/office/drawing/2014/main" id="{A0648C82-8D15-47D4-9F4F-1381285D3D17}"/>
               </a:ext>
             </a:extLst>
           </p:cNvPr>
@@ -4725,764 +4683,56 @@
         </p:nvGrpSpPr>
         <p:grpSpPr>
           <a:xfrm>
-            <a:off x="745827" y="541632"/>
-            <a:ext cx="11097830" cy="5803175"/>
-            <a:chOff x="745827" y="541632"/>
-            <a:chExt cx="11097830" cy="5803175"/>
+            <a:off x="3763701" y="284967"/>
+            <a:ext cx="4965919" cy="6288066"/>
+            <a:chOff x="3763701" y="284967"/>
+            <a:chExt cx="4965919" cy="6288066"/>
           </a:xfrm>
         </p:grpSpPr>
-        <p:grpSp>
-          <p:nvGrpSpPr>
-            <p:cNvPr id="2" name="Group 1">
+        <p:sp>
+          <p:nvSpPr>
+            <p:cNvPr id="21" name="TextBox 20">
               <a:extLst>
                 <a:ext uri="{FF2B5EF4-FFF2-40B4-BE49-F238E27FC236}">
-                  <a16:creationId xmlns:a16="http://schemas.microsoft.com/office/drawing/2014/main" id="{ABE8B96C-52D6-4E0A-B306-400B932530E0}"/>
+                  <a16:creationId xmlns:a16="http://schemas.microsoft.com/office/drawing/2014/main" id="{5EE10236-EFEB-4C34-8055-1BA330FBE957}"/>
                 </a:ext>
               </a:extLst>
             </p:cNvPr>
-            <p:cNvGrpSpPr/>
+            <p:cNvSpPr txBox="1"/>
             <p:nvPr/>
-          </p:nvGrpSpPr>
-          <p:grpSpPr>
+          </p:nvSpPr>
+          <p:spPr>
             <a:xfrm>
-              <a:off x="745827" y="2233127"/>
-              <a:ext cx="11097830" cy="4111680"/>
-              <a:chOff x="745827" y="2233127"/>
-              <a:chExt cx="11097830" cy="4111680"/>
+              <a:off x="4706690" y="2106784"/>
+              <a:ext cx="2444900" cy="369332"/>
             </a:xfrm>
-          </p:grpSpPr>
-          <p:grpSp>
-            <p:nvGrpSpPr>
-              <p:cNvPr id="47" name="Group 46">
-                <a:extLst>
-                  <a:ext uri="{FF2B5EF4-FFF2-40B4-BE49-F238E27FC236}">
-                    <a16:creationId xmlns:a16="http://schemas.microsoft.com/office/drawing/2014/main" id="{3B458918-10FE-4D8A-8D7F-FCCAE3BFB451}"/>
-                  </a:ext>
-                </a:extLst>
-              </p:cNvPr>
-              <p:cNvGrpSpPr/>
-              <p:nvPr/>
-            </p:nvGrpSpPr>
-            <p:grpSpPr>
-              <a:xfrm>
-                <a:off x="745827" y="2233127"/>
-                <a:ext cx="11097830" cy="4111680"/>
-                <a:chOff x="745827" y="2233127"/>
-                <a:chExt cx="11097830" cy="4111680"/>
-              </a:xfrm>
-            </p:grpSpPr>
-            <p:grpSp>
-              <p:nvGrpSpPr>
-                <p:cNvPr id="17" name="Group 16">
-                  <a:extLst>
-                    <a:ext uri="{FF2B5EF4-FFF2-40B4-BE49-F238E27FC236}">
-                      <a16:creationId xmlns:a16="http://schemas.microsoft.com/office/drawing/2014/main" id="{E2B00341-5D80-42AA-8D4F-CB072B604EE8}"/>
-                    </a:ext>
-                  </a:extLst>
-                </p:cNvPr>
-                <p:cNvGrpSpPr/>
-                <p:nvPr/>
-              </p:nvGrpSpPr>
-              <p:grpSpPr>
-                <a:xfrm>
-                  <a:off x="745827" y="3119232"/>
-                  <a:ext cx="2021633" cy="3225575"/>
-                  <a:chOff x="1363047" y="2565141"/>
-                  <a:chExt cx="2021633" cy="3225575"/>
-                </a:xfrm>
-              </p:grpSpPr>
-              <p:grpSp>
-                <p:nvGrpSpPr>
-                  <p:cNvPr id="15" name="Group 14">
-                    <a:extLst>
-                      <a:ext uri="{FF2B5EF4-FFF2-40B4-BE49-F238E27FC236}">
-                        <a16:creationId xmlns:a16="http://schemas.microsoft.com/office/drawing/2014/main" id="{51C7E96E-01E8-4F77-871B-7A3ECAA7BFD3}"/>
-                      </a:ext>
-                    </a:extLst>
-                  </p:cNvPr>
-                  <p:cNvGrpSpPr/>
-                  <p:nvPr/>
-                </p:nvGrpSpPr>
-                <p:grpSpPr>
-                  <a:xfrm>
-                    <a:off x="1363047" y="2565141"/>
-                    <a:ext cx="2021633" cy="2792963"/>
-                    <a:chOff x="1934547" y="1841241"/>
-                    <a:chExt cx="2021633" cy="2792963"/>
-                  </a:xfrm>
-                </p:grpSpPr>
-                <p:sp>
-                  <p:nvSpPr>
-                    <p:cNvPr id="4" name="Rectangle 3">
-                      <a:extLst>
-                        <a:ext uri="{FF2B5EF4-FFF2-40B4-BE49-F238E27FC236}">
-                          <a16:creationId xmlns:a16="http://schemas.microsoft.com/office/drawing/2014/main" id="{2A4D8AB6-790A-4ABC-BE77-9666A6B98B92}"/>
-                        </a:ext>
-                      </a:extLst>
-                    </p:cNvPr>
-                    <p:cNvSpPr/>
-                    <p:nvPr/>
-                  </p:nvSpPr>
-                  <p:spPr>
-                    <a:xfrm>
-                      <a:off x="1934547" y="1841241"/>
-                      <a:ext cx="2021633" cy="2792963"/>
-                    </a:xfrm>
-                    <a:prstGeom prst="rect">
-                      <a:avLst/>
-                    </a:prstGeom>
-                  </p:spPr>
-                  <p:style>
-                    <a:lnRef idx="2">
-                      <a:schemeClr val="dk1">
-                        <a:shade val="50000"/>
-                      </a:schemeClr>
-                    </a:lnRef>
-                    <a:fillRef idx="1">
-                      <a:schemeClr val="dk1"/>
-                    </a:fillRef>
-                    <a:effectRef idx="0">
-                      <a:schemeClr val="dk1"/>
-                    </a:effectRef>
-                    <a:fontRef idx="minor">
-                      <a:schemeClr val="lt1"/>
-                    </a:fontRef>
-                  </p:style>
-                  <p:txBody>
-                    <a:bodyPr rtlCol="0" anchor="ctr"/>
-                    <a:lstStyle/>
-                    <a:p>
-                      <a:pPr algn="ctr"/>
-                      <a:endParaRPr lang="en-US"/>
-                    </a:p>
-                  </p:txBody>
-                </p:sp>
-                <p:sp>
-                  <p:nvSpPr>
-                    <p:cNvPr id="5" name="Rectangle 4">
-                      <a:extLst>
-                        <a:ext uri="{FF2B5EF4-FFF2-40B4-BE49-F238E27FC236}">
-                          <a16:creationId xmlns:a16="http://schemas.microsoft.com/office/drawing/2014/main" id="{806AEFE7-374C-4227-997A-872B9E669544}"/>
-                        </a:ext>
-                      </a:extLst>
-                    </p:cNvPr>
-                    <p:cNvSpPr/>
-                    <p:nvPr/>
-                  </p:nvSpPr>
-                  <p:spPr>
-                    <a:xfrm>
-                      <a:off x="1990531" y="1884784"/>
-                      <a:ext cx="1897224" cy="2699657"/>
-                    </a:xfrm>
-                    <a:prstGeom prst="rect">
-                      <a:avLst/>
-                    </a:prstGeom>
-                  </p:spPr>
-                  <p:style>
-                    <a:lnRef idx="1">
-                      <a:schemeClr val="accent3"/>
-                    </a:lnRef>
-                    <a:fillRef idx="2">
-                      <a:schemeClr val="accent3"/>
-                    </a:fillRef>
-                    <a:effectRef idx="1">
-                      <a:schemeClr val="accent3"/>
-                    </a:effectRef>
-                    <a:fontRef idx="minor">
-                      <a:schemeClr val="dk1"/>
-                    </a:fontRef>
-                  </p:style>
-                  <p:txBody>
-                    <a:bodyPr rtlCol="0" anchor="ctr"/>
-                    <a:lstStyle/>
-                    <a:p>
-                      <a:pPr algn="ctr"/>
-                      <a:endParaRPr lang="en-US"/>
-                    </a:p>
-                  </p:txBody>
-                </p:sp>
-                <p:pic>
-                  <p:nvPicPr>
-                    <p:cNvPr id="3" name="Picture 2" descr="A picture containing flower&#10;&#10;Description automatically generated">
-                      <a:extLst>
-                        <a:ext uri="{FF2B5EF4-FFF2-40B4-BE49-F238E27FC236}">
-                          <a16:creationId xmlns:a16="http://schemas.microsoft.com/office/drawing/2014/main" id="{D6E99C5D-2993-46B9-9D6D-99DEE0869D55}"/>
-                        </a:ext>
-                      </a:extLst>
-                    </p:cNvPr>
-                    <p:cNvPicPr>
-                      <a:picLocks noChangeAspect="1"/>
-                    </p:cNvPicPr>
-                    <p:nvPr/>
-                  </p:nvPicPr>
-                  <p:blipFill>
-                    <a:blip r:embed="rId2">
-                      <a:extLst>
-                        <a:ext uri="{28A0092B-C50C-407E-A947-70E740481C1C}">
-                          <a14:useLocalDpi xmlns:a14="http://schemas.microsoft.com/office/drawing/2010/main" val="0"/>
-                        </a:ext>
-                      </a:extLst>
-                    </a:blip>
-                    <a:stretch>
-                      <a:fillRect/>
-                    </a:stretch>
-                  </p:blipFill>
-                  <p:spPr>
-                    <a:xfrm>
-                      <a:off x="2052735" y="1948064"/>
-                      <a:ext cx="619899" cy="309395"/>
-                    </a:xfrm>
-                    <a:prstGeom prst="rect">
-                      <a:avLst/>
-                    </a:prstGeom>
-                  </p:spPr>
-                </p:pic>
-                <p:pic>
-                  <p:nvPicPr>
-                    <p:cNvPr id="14" name="Picture 13" descr="A picture containing game&#10;&#10;Description automatically generated">
-                      <a:extLst>
-                        <a:ext uri="{FF2B5EF4-FFF2-40B4-BE49-F238E27FC236}">
-                          <a16:creationId xmlns:a16="http://schemas.microsoft.com/office/drawing/2014/main" id="{DAFE493F-13E0-4926-9AF2-A82F2300CADD}"/>
-                        </a:ext>
-                      </a:extLst>
-                    </p:cNvPr>
-                    <p:cNvPicPr>
-                      <a:picLocks noChangeAspect="1"/>
-                    </p:cNvPicPr>
-                    <p:nvPr/>
-                  </p:nvPicPr>
-                  <p:blipFill>
-                    <a:blip r:embed="rId3">
-                      <a:extLst>
-                        <a:ext uri="{28A0092B-C50C-407E-A947-70E740481C1C}">
-                          <a14:useLocalDpi xmlns:a14="http://schemas.microsoft.com/office/drawing/2010/main" val="0"/>
-                        </a:ext>
-                      </a:extLst>
-                    </a:blip>
-                    <a:stretch>
-                      <a:fillRect/>
-                    </a:stretch>
-                  </p:blipFill>
-                  <p:spPr>
-                    <a:xfrm>
-                      <a:off x="3215951" y="1948064"/>
-                      <a:ext cx="619899" cy="670728"/>
-                    </a:xfrm>
-                    <a:prstGeom prst="rect">
-                      <a:avLst/>
-                    </a:prstGeom>
-                  </p:spPr>
-                </p:pic>
-              </p:grpSp>
-              <p:sp>
-                <p:nvSpPr>
-                  <p:cNvPr id="16" name="TextBox 15">
-                    <a:extLst>
-                      <a:ext uri="{FF2B5EF4-FFF2-40B4-BE49-F238E27FC236}">
-                        <a16:creationId xmlns:a16="http://schemas.microsoft.com/office/drawing/2014/main" id="{F47614FB-E6E5-4B2E-BB7C-526CEB58F07C}"/>
-                      </a:ext>
-                    </a:extLst>
-                  </p:cNvPr>
-                  <p:cNvSpPr txBox="1"/>
-                  <p:nvPr/>
-                </p:nvSpPr>
-                <p:spPr>
-                  <a:xfrm>
-                    <a:off x="1665623" y="5421384"/>
-                    <a:ext cx="1335622" cy="369332"/>
-                  </a:xfrm>
-                  <a:prstGeom prst="rect">
-                    <a:avLst/>
-                  </a:prstGeom>
-                  <a:noFill/>
-                </p:spPr>
-                <p:txBody>
-                  <a:bodyPr wrap="none" rtlCol="0">
-                    <a:spAutoFit/>
-                  </a:bodyPr>
-                  <a:lstStyle/>
-                  <a:p>
-                    <a:r>
-                      <a:rPr lang="en-US" dirty="0">
-                        <a:latin typeface="Roboto Condensed" panose="02000000000000000000" pitchFamily="2" charset="0"/>
-                        <a:ea typeface="Roboto Condensed" panose="02000000000000000000" pitchFamily="2" charset="0"/>
-                      </a:rPr>
-                      <a:t>Smart Mirror</a:t>
-                    </a:r>
-                  </a:p>
-                </p:txBody>
-              </p:sp>
-            </p:grpSp>
-            <p:sp>
-              <p:nvSpPr>
-                <p:cNvPr id="21" name="TextBox 20">
-                  <a:extLst>
-                    <a:ext uri="{FF2B5EF4-FFF2-40B4-BE49-F238E27FC236}">
-                      <a16:creationId xmlns:a16="http://schemas.microsoft.com/office/drawing/2014/main" id="{5EE10236-EFEB-4C34-8055-1BA330FBE957}"/>
-                    </a:ext>
-                  </a:extLst>
-                </p:cNvPr>
-                <p:cNvSpPr txBox="1"/>
-                <p:nvPr/>
-              </p:nvSpPr>
-              <p:spPr>
-                <a:xfrm>
-                  <a:off x="4873549" y="2575559"/>
-                  <a:ext cx="2444900" cy="369332"/>
-                </a:xfrm>
-                <a:prstGeom prst="rect">
-                  <a:avLst/>
-                </a:prstGeom>
-                <a:noFill/>
-              </p:spPr>
-              <p:txBody>
-                <a:bodyPr wrap="none" rtlCol="0">
-                  <a:spAutoFit/>
-                </a:bodyPr>
-                <a:lstStyle/>
-                <a:p>
-                  <a:r>
-                    <a:rPr lang="en-US" dirty="0">
-                      <a:latin typeface="Roboto Condensed" panose="02000000000000000000" pitchFamily="2" charset="0"/>
-                      <a:ea typeface="Roboto Condensed" panose="02000000000000000000" pitchFamily="2" charset="0"/>
-                    </a:rPr>
-                    <a:t>Database and Webserver</a:t>
-                  </a:r>
-                </a:p>
-              </p:txBody>
-            </p:sp>
-            <p:grpSp>
-              <p:nvGrpSpPr>
-                <p:cNvPr id="35" name="Group 34">
-                  <a:extLst>
-                    <a:ext uri="{FF2B5EF4-FFF2-40B4-BE49-F238E27FC236}">
-                      <a16:creationId xmlns:a16="http://schemas.microsoft.com/office/drawing/2014/main" id="{E9AF47B3-5D17-4010-B2B7-5104FC583F5F}"/>
-                    </a:ext>
-                  </a:extLst>
-                </p:cNvPr>
-                <p:cNvGrpSpPr/>
-                <p:nvPr/>
-              </p:nvGrpSpPr>
-              <p:grpSpPr>
-                <a:xfrm>
-                  <a:off x="8766160" y="3506397"/>
-                  <a:ext cx="3077497" cy="2838410"/>
-                  <a:chOff x="8585768" y="3535450"/>
-                  <a:chExt cx="3077497" cy="2838410"/>
-                </a:xfrm>
-              </p:grpSpPr>
-              <p:pic>
-                <p:nvPicPr>
-                  <p:cNvPr id="24" name="Picture 23" descr="A picture containing computer, computer&#10;&#10;Description automatically generated">
-                    <a:extLst>
-                      <a:ext uri="{FF2B5EF4-FFF2-40B4-BE49-F238E27FC236}">
-                        <a16:creationId xmlns:a16="http://schemas.microsoft.com/office/drawing/2014/main" id="{31355BAD-CAAF-4613-A2CE-C9EEBB6B4A25}"/>
-                      </a:ext>
-                    </a:extLst>
-                  </p:cNvPr>
-                  <p:cNvPicPr>
-                    <a:picLocks noChangeAspect="1"/>
-                  </p:cNvPicPr>
-                  <p:nvPr/>
-                </p:nvPicPr>
-                <p:blipFill>
-                  <a:blip r:embed="rId4">
-                    <a:extLst>
-                      <a:ext uri="{28A0092B-C50C-407E-A947-70E740481C1C}">
-                        <a14:useLocalDpi xmlns:a14="http://schemas.microsoft.com/office/drawing/2010/main" val="0"/>
-                      </a:ext>
-                    </a:extLst>
-                  </a:blip>
-                  <a:stretch>
-                    <a:fillRect/>
-                  </a:stretch>
-                </p:blipFill>
-                <p:spPr>
-                  <a:xfrm>
-                    <a:off x="8743765" y="3535450"/>
-                    <a:ext cx="2761501" cy="2079122"/>
-                  </a:xfrm>
-                  <a:prstGeom prst="rect">
-                    <a:avLst/>
-                  </a:prstGeom>
-                </p:spPr>
-              </p:pic>
-              <p:sp>
-                <p:nvSpPr>
-                  <p:cNvPr id="26" name="TextBox 25">
-                    <a:extLst>
-                      <a:ext uri="{FF2B5EF4-FFF2-40B4-BE49-F238E27FC236}">
-                        <a16:creationId xmlns:a16="http://schemas.microsoft.com/office/drawing/2014/main" id="{3916DBAE-5E4F-42CD-8F53-3C3CCBDC731F}"/>
-                      </a:ext>
-                    </a:extLst>
-                  </p:cNvPr>
-                  <p:cNvSpPr txBox="1"/>
-                  <p:nvPr/>
-                </p:nvSpPr>
-                <p:spPr>
-                  <a:xfrm>
-                    <a:off x="8585768" y="5727529"/>
-                    <a:ext cx="3077497" cy="646331"/>
-                  </a:xfrm>
-                  <a:prstGeom prst="rect">
-                    <a:avLst/>
-                  </a:prstGeom>
-                  <a:noFill/>
-                </p:spPr>
-                <p:txBody>
-                  <a:bodyPr wrap="square" rtlCol="0">
-                    <a:spAutoFit/>
-                  </a:bodyPr>
-                  <a:lstStyle/>
-                  <a:p>
-                    <a:pPr algn="ctr"/>
-                    <a:r>
-                      <a:rPr lang="en-US" dirty="0">
-                        <a:latin typeface="Roboto Condensed" panose="02000000000000000000" pitchFamily="2" charset="0"/>
-                        <a:ea typeface="Roboto Condensed" panose="02000000000000000000" pitchFamily="2" charset="0"/>
-                      </a:rPr>
-                      <a:t>Registration and Management website</a:t>
-                    </a:r>
-                  </a:p>
-                </p:txBody>
-              </p:sp>
-            </p:grpSp>
-            <p:cxnSp>
-              <p:nvCxnSpPr>
-                <p:cNvPr id="28" name="Straight Arrow Connector 27">
-                  <a:extLst>
-                    <a:ext uri="{FF2B5EF4-FFF2-40B4-BE49-F238E27FC236}">
-                      <a16:creationId xmlns:a16="http://schemas.microsoft.com/office/drawing/2014/main" id="{F573D385-D8C3-4393-831D-0ECA1823A5DB}"/>
-                    </a:ext>
-                  </a:extLst>
-                </p:cNvPr>
-                <p:cNvCxnSpPr>
-                  <a:cxnSpLocks/>
-                </p:cNvCxnSpPr>
-                <p:nvPr/>
-              </p:nvCxnSpPr>
-              <p:spPr>
-                <a:xfrm flipV="1">
-                  <a:off x="2841596" y="2624962"/>
-                  <a:ext cx="1777912" cy="1635966"/>
-                </a:xfrm>
-                <a:prstGeom prst="straightConnector1">
-                  <a:avLst/>
-                </a:prstGeom>
-                <a:ln w="57150">
-                  <a:solidFill>
-                    <a:srgbClr val="000000"/>
-                  </a:solidFill>
-                  <a:tailEnd type="triangle"/>
-                </a:ln>
-              </p:spPr>
-              <p:style>
-                <a:lnRef idx="1">
-                  <a:schemeClr val="accent1"/>
-                </a:lnRef>
-                <a:fillRef idx="0">
-                  <a:schemeClr val="accent1"/>
-                </a:fillRef>
-                <a:effectRef idx="0">
-                  <a:schemeClr val="accent1"/>
-                </a:effectRef>
-                <a:fontRef idx="minor">
-                  <a:schemeClr val="tx1"/>
-                </a:fontRef>
-              </p:style>
-            </p:cxnSp>
-            <p:cxnSp>
-              <p:nvCxnSpPr>
-                <p:cNvPr id="37" name="Straight Arrow Connector 36">
-                  <a:extLst>
-                    <a:ext uri="{FF2B5EF4-FFF2-40B4-BE49-F238E27FC236}">
-                      <a16:creationId xmlns:a16="http://schemas.microsoft.com/office/drawing/2014/main" id="{DD385056-E99F-450C-BCC7-FA74C50AA5A4}"/>
-                    </a:ext>
-                  </a:extLst>
-                </p:cNvPr>
-                <p:cNvCxnSpPr>
-                  <a:cxnSpLocks/>
-                </p:cNvCxnSpPr>
-                <p:nvPr/>
-              </p:nvCxnSpPr>
-              <p:spPr>
-                <a:xfrm flipH="1">
-                  <a:off x="3036919" y="2946446"/>
-                  <a:ext cx="1747935" cy="1626334"/>
-                </a:xfrm>
-                <a:prstGeom prst="straightConnector1">
-                  <a:avLst/>
-                </a:prstGeom>
-                <a:ln w="57150">
-                  <a:solidFill>
-                    <a:srgbClr val="000000"/>
-                  </a:solidFill>
-                  <a:tailEnd type="triangle"/>
-                </a:ln>
-              </p:spPr>
-              <p:style>
-                <a:lnRef idx="1">
-                  <a:schemeClr val="accent1"/>
-                </a:lnRef>
-                <a:fillRef idx="0">
-                  <a:schemeClr val="accent1"/>
-                </a:fillRef>
-                <a:effectRef idx="0">
-                  <a:schemeClr val="accent1"/>
-                </a:effectRef>
-                <a:fontRef idx="minor">
-                  <a:schemeClr val="tx1"/>
-                </a:fontRef>
-              </p:style>
-            </p:cxnSp>
-            <p:sp>
-              <p:nvSpPr>
-                <p:cNvPr id="41" name="TextBox 40">
-                  <a:extLst>
-                    <a:ext uri="{FF2B5EF4-FFF2-40B4-BE49-F238E27FC236}">
-                      <a16:creationId xmlns:a16="http://schemas.microsoft.com/office/drawing/2014/main" id="{EF073A1D-5E35-4AC5-8A00-3B54549F434C}"/>
-                    </a:ext>
-                  </a:extLst>
-                </p:cNvPr>
-                <p:cNvSpPr txBox="1"/>
-                <p:nvPr/>
-              </p:nvSpPr>
-              <p:spPr>
-                <a:xfrm rot="19041196">
-                  <a:off x="3116611" y="3127337"/>
-                  <a:ext cx="1029449" cy="369332"/>
-                </a:xfrm>
-                <a:prstGeom prst="rect">
-                  <a:avLst/>
-                </a:prstGeom>
-                <a:noFill/>
-              </p:spPr>
-              <p:txBody>
-                <a:bodyPr wrap="none" rtlCol="0">
-                  <a:spAutoFit/>
-                </a:bodyPr>
-                <a:lstStyle/>
-                <a:p>
-                  <a:r>
-                    <a:rPr lang="en-US" dirty="0">
-                      <a:latin typeface="Roboto Condensed" panose="02000000000000000000" pitchFamily="2" charset="0"/>
-                      <a:ea typeface="Roboto Condensed" panose="02000000000000000000" pitchFamily="2" charset="0"/>
-                    </a:rPr>
-                    <a:t>Requests</a:t>
-                  </a:r>
-                </a:p>
-              </p:txBody>
-            </p:sp>
-            <p:cxnSp>
-              <p:nvCxnSpPr>
-                <p:cNvPr id="42" name="Straight Arrow Connector 41">
-                  <a:extLst>
-                    <a:ext uri="{FF2B5EF4-FFF2-40B4-BE49-F238E27FC236}">
-                      <a16:creationId xmlns:a16="http://schemas.microsoft.com/office/drawing/2014/main" id="{0435DD12-2D4F-471F-BA3C-5E64C5C70CF2}"/>
-                    </a:ext>
-                  </a:extLst>
-                </p:cNvPr>
-                <p:cNvCxnSpPr>
-                  <a:cxnSpLocks/>
-                </p:cNvCxnSpPr>
-                <p:nvPr/>
-              </p:nvCxnSpPr>
-              <p:spPr>
-                <a:xfrm>
-                  <a:off x="7594882" y="2233127"/>
-                  <a:ext cx="1801280" cy="1704354"/>
-                </a:xfrm>
-                <a:prstGeom prst="straightConnector1">
-                  <a:avLst/>
-                </a:prstGeom>
-                <a:ln w="57150">
-                  <a:solidFill>
-                    <a:srgbClr val="000000"/>
-                  </a:solidFill>
-                  <a:tailEnd type="triangle"/>
-                </a:ln>
-              </p:spPr>
-              <p:style>
-                <a:lnRef idx="1">
-                  <a:schemeClr val="accent1"/>
-                </a:lnRef>
-                <a:fillRef idx="0">
-                  <a:schemeClr val="accent1"/>
-                </a:fillRef>
-                <a:effectRef idx="0">
-                  <a:schemeClr val="accent1"/>
-                </a:effectRef>
-                <a:fontRef idx="minor">
-                  <a:schemeClr val="tx1"/>
-                </a:fontRef>
-              </p:style>
-            </p:cxnSp>
-            <p:cxnSp>
-              <p:nvCxnSpPr>
-                <p:cNvPr id="43" name="Straight Arrow Connector 42">
-                  <a:extLst>
-                    <a:ext uri="{FF2B5EF4-FFF2-40B4-BE49-F238E27FC236}">
-                      <a16:creationId xmlns:a16="http://schemas.microsoft.com/office/drawing/2014/main" id="{EF10C1C4-81A5-4D64-85A2-FE42032B50C5}"/>
-                    </a:ext>
-                  </a:extLst>
-                </p:cNvPr>
-                <p:cNvCxnSpPr>
-                  <a:cxnSpLocks/>
-                </p:cNvCxnSpPr>
-                <p:nvPr/>
-              </p:nvCxnSpPr>
-              <p:spPr>
-                <a:xfrm rot="5136767" flipH="1">
-                  <a:off x="7503700" y="2665016"/>
-                  <a:ext cx="1747935" cy="1626334"/>
-                </a:xfrm>
-                <a:prstGeom prst="straightConnector1">
-                  <a:avLst/>
-                </a:prstGeom>
-                <a:ln w="57150">
-                  <a:solidFill>
-                    <a:srgbClr val="000000"/>
-                  </a:solidFill>
-                  <a:tailEnd type="triangle"/>
-                </a:ln>
-              </p:spPr>
-              <p:style>
-                <a:lnRef idx="1">
-                  <a:schemeClr val="accent1"/>
-                </a:lnRef>
-                <a:fillRef idx="0">
-                  <a:schemeClr val="accent1"/>
-                </a:fillRef>
-                <a:effectRef idx="0">
-                  <a:schemeClr val="accent1"/>
-                </a:effectRef>
-                <a:fontRef idx="minor">
-                  <a:schemeClr val="tx1"/>
-                </a:fontRef>
-              </p:style>
-            </p:cxnSp>
-            <p:sp>
-              <p:nvSpPr>
-                <p:cNvPr id="44" name="TextBox 43">
-                  <a:extLst>
-                    <a:ext uri="{FF2B5EF4-FFF2-40B4-BE49-F238E27FC236}">
-                      <a16:creationId xmlns:a16="http://schemas.microsoft.com/office/drawing/2014/main" id="{C9238C91-395C-4F14-97A6-74AEE4B986D3}"/>
-                    </a:ext>
-                  </a:extLst>
-                </p:cNvPr>
-                <p:cNvSpPr txBox="1"/>
-                <p:nvPr/>
-              </p:nvSpPr>
-              <p:spPr>
-                <a:xfrm rot="2577963">
-                  <a:off x="8105727" y="3090242"/>
-                  <a:ext cx="696024" cy="369332"/>
-                </a:xfrm>
-                <a:prstGeom prst="rect">
-                  <a:avLst/>
-                </a:prstGeom>
-                <a:noFill/>
-              </p:spPr>
-              <p:txBody>
-                <a:bodyPr wrap="none" rtlCol="0">
-                  <a:spAutoFit/>
-                </a:bodyPr>
-                <a:lstStyle/>
-                <a:p>
-                  <a:r>
-                    <a:rPr lang="en-US" dirty="0">
-                      <a:latin typeface="Roboto Condensed" panose="02000000000000000000" pitchFamily="2" charset="0"/>
-                      <a:ea typeface="Roboto Condensed" panose="02000000000000000000" pitchFamily="2" charset="0"/>
-                    </a:rPr>
-                    <a:t>HTTP</a:t>
-                  </a:r>
-                </a:p>
-              </p:txBody>
-            </p:sp>
-          </p:grpSp>
-          <p:sp>
-            <p:nvSpPr>
-              <p:cNvPr id="49" name="TextBox 48">
-                <a:extLst>
-                  <a:ext uri="{FF2B5EF4-FFF2-40B4-BE49-F238E27FC236}">
-                    <a16:creationId xmlns:a16="http://schemas.microsoft.com/office/drawing/2014/main" id="{58FB7C42-D342-4F43-8762-B09238EA5591}"/>
-                  </a:ext>
-                </a:extLst>
-              </p:cNvPr>
-              <p:cNvSpPr txBox="1"/>
-              <p:nvPr/>
-            </p:nvSpPr>
-            <p:spPr>
-              <a:xfrm rot="19041196">
-                <a:off x="3522257" y="3389778"/>
-                <a:ext cx="696024" cy="369332"/>
-              </a:xfrm>
-              <a:prstGeom prst="rect">
-                <a:avLst/>
-              </a:prstGeom>
-              <a:noFill/>
-            </p:spPr>
-            <p:txBody>
-              <a:bodyPr wrap="none" rtlCol="0">
-                <a:spAutoFit/>
-              </a:bodyPr>
-              <a:lstStyle/>
-              <a:p>
-                <a:r>
-                  <a:rPr lang="en-US" dirty="0">
-                    <a:latin typeface="Roboto Condensed" panose="02000000000000000000" pitchFamily="2" charset="0"/>
-                    <a:ea typeface="Roboto Condensed" panose="02000000000000000000" pitchFamily="2" charset="0"/>
-                  </a:rPr>
-                  <a:t>HTTP</a:t>
-                </a:r>
-              </a:p>
-            </p:txBody>
-          </p:sp>
-          <p:sp>
-            <p:nvSpPr>
-              <p:cNvPr id="55" name="TextBox 54">
-                <a:extLst>
-                  <a:ext uri="{FF2B5EF4-FFF2-40B4-BE49-F238E27FC236}">
-                    <a16:creationId xmlns:a16="http://schemas.microsoft.com/office/drawing/2014/main" id="{686ED1B7-86E2-4BFD-8A3A-9EE98EC52936}"/>
-                  </a:ext>
-                </a:extLst>
-              </p:cNvPr>
-              <p:cNvSpPr txBox="1"/>
-              <p:nvPr/>
-            </p:nvSpPr>
-            <p:spPr>
-              <a:xfrm rot="18992551">
-                <a:off x="3510495" y="3666466"/>
-                <a:ext cx="1180131" cy="369332"/>
-              </a:xfrm>
-              <a:prstGeom prst="rect">
-                <a:avLst/>
-              </a:prstGeom>
-              <a:noFill/>
-            </p:spPr>
-            <p:txBody>
-              <a:bodyPr wrap="none" rtlCol="0">
-                <a:spAutoFit/>
-              </a:bodyPr>
-              <a:lstStyle/>
-              <a:p>
-                <a:r>
-                  <a:rPr lang="en-US" dirty="0">
-                    <a:latin typeface="Roboto Condensed" panose="02000000000000000000" pitchFamily="2" charset="0"/>
-                    <a:ea typeface="Roboto Condensed" panose="02000000000000000000" pitchFamily="2" charset="0"/>
-                  </a:rPr>
-                  <a:t>Responses</a:t>
-                </a:r>
-              </a:p>
-            </p:txBody>
-          </p:sp>
-        </p:grpSp>
+            <a:prstGeom prst="rect">
+              <a:avLst/>
+            </a:prstGeom>
+            <a:noFill/>
+          </p:spPr>
+          <p:txBody>
+            <a:bodyPr wrap="square" rtlCol="0">
+              <a:spAutoFit/>
+            </a:bodyPr>
+            <a:lstStyle/>
+            <a:p>
+              <a:r>
+                <a:rPr lang="en-US" dirty="0">
+                  <a:latin typeface="Roboto Condensed" panose="02000000000000000000" pitchFamily="2" charset="0"/>
+                  <a:ea typeface="Roboto Condensed" panose="02000000000000000000" pitchFamily="2" charset="0"/>
+                </a:rPr>
+                <a:t>Database and Webserver</a:t>
+              </a:r>
+            </a:p>
+          </p:txBody>
+        </p:sp>
         <p:pic>
           <p:nvPicPr>
-            <p:cNvPr id="10" name="Picture 9" descr="A picture containing drawing&#10;&#10;Description automatically generated">
+            <p:cNvPr id="24" name="Picture 23" descr="A picture containing computer, computer&#10;&#10;Description automatically generated">
               <a:extLst>
                 <a:ext uri="{FF2B5EF4-FFF2-40B4-BE49-F238E27FC236}">
-                  <a16:creationId xmlns:a16="http://schemas.microsoft.com/office/drawing/2014/main" id="{F8ED8CB4-8486-4300-8AEF-0B9E6AB4E436}"/>
+                  <a16:creationId xmlns:a16="http://schemas.microsoft.com/office/drawing/2014/main" id="{31355BAD-CAAF-4613-A2CE-C9EEBB6B4A25}"/>
                 </a:ext>
               </a:extLst>
             </p:cNvPr>
@@ -5491,22 +4741,22 @@
             </p:cNvPicPr>
             <p:nvPr/>
           </p:nvPicPr>
-          <p:blipFill rotWithShape="1">
-            <a:blip r:embed="rId5">
-              <a:alphaModFix amt="20000"/>
+          <p:blipFill>
+            <a:blip r:embed="rId2">
               <a:extLst>
                 <a:ext uri="{28A0092B-C50C-407E-A947-70E740481C1C}">
                   <a14:useLocalDpi xmlns:a14="http://schemas.microsoft.com/office/drawing/2010/main" val="0"/>
                 </a:ext>
               </a:extLst>
             </a:blip>
-            <a:srcRect b="20477"/>
-            <a:stretch/>
+            <a:stretch>
+              <a:fillRect/>
+            </a:stretch>
           </p:blipFill>
           <p:spPr>
-            <a:xfrm>
-              <a:off x="938906" y="4034675"/>
-              <a:ext cx="1554615" cy="1827757"/>
+            <a:xfrm flipH="1">
+              <a:off x="6332145" y="3850599"/>
+              <a:ext cx="2280971" cy="1717333"/>
             </a:xfrm>
             <a:prstGeom prst="rect">
               <a:avLst/>
@@ -5515,10 +4765,10 @@
         </p:pic>
         <p:sp>
           <p:nvSpPr>
-            <p:cNvPr id="13" name="TextBox 12">
+            <p:cNvPr id="26" name="TextBox 25">
               <a:extLst>
                 <a:ext uri="{FF2B5EF4-FFF2-40B4-BE49-F238E27FC236}">
-                  <a16:creationId xmlns:a16="http://schemas.microsoft.com/office/drawing/2014/main" id="{F0E7606A-661B-4D1D-B3A9-C0B289C62501}"/>
+                  <a16:creationId xmlns:a16="http://schemas.microsoft.com/office/drawing/2014/main" id="{3916DBAE-5E4F-42CD-8F53-3C3CCBDC731F}"/>
                 </a:ext>
               </a:extLst>
             </p:cNvPr>
@@ -5526,9 +4776,345 @@
             <p:nvPr/>
           </p:nvSpPr>
           <p:spPr>
-            <a:xfrm rot="2550401">
-              <a:off x="7682203" y="3366087"/>
-              <a:ext cx="1029449" cy="369332"/>
+            <a:xfrm>
+              <a:off x="6332145" y="5926702"/>
+              <a:ext cx="2397475" cy="646331"/>
+            </a:xfrm>
+            <a:prstGeom prst="rect">
+              <a:avLst/>
+            </a:prstGeom>
+            <a:noFill/>
+          </p:spPr>
+          <p:txBody>
+            <a:bodyPr wrap="square" rtlCol="0">
+              <a:spAutoFit/>
+            </a:bodyPr>
+            <a:lstStyle/>
+            <a:p>
+              <a:pPr algn="ctr"/>
+              <a:r>
+                <a:rPr lang="en-US" dirty="0">
+                  <a:latin typeface="Roboto Condensed" panose="02000000000000000000" pitchFamily="2" charset="0"/>
+                  <a:ea typeface="Roboto Condensed" panose="02000000000000000000" pitchFamily="2" charset="0"/>
+                </a:rPr>
+                <a:t>Management</a:t>
+              </a:r>
+            </a:p>
+            <a:p>
+              <a:pPr algn="ctr"/>
+              <a:r>
+                <a:rPr lang="en-US" dirty="0">
+                  <a:latin typeface="Roboto Condensed" panose="02000000000000000000" pitchFamily="2" charset="0"/>
+                  <a:ea typeface="Roboto Condensed" panose="02000000000000000000" pitchFamily="2" charset="0"/>
+                </a:rPr>
+                <a:t>website</a:t>
+              </a:r>
+            </a:p>
+          </p:txBody>
+        </p:sp>
+        <p:grpSp>
+          <p:nvGrpSpPr>
+            <p:cNvPr id="66" name="Group 65">
+              <a:extLst>
+                <a:ext uri="{FF2B5EF4-FFF2-40B4-BE49-F238E27FC236}">
+                  <a16:creationId xmlns:a16="http://schemas.microsoft.com/office/drawing/2014/main" id="{263733F6-A8EA-4EB0-AC50-BE99946E91DF}"/>
+                </a:ext>
+              </a:extLst>
+            </p:cNvPr>
+            <p:cNvGrpSpPr/>
+            <p:nvPr/>
+          </p:nvGrpSpPr>
+          <p:grpSpPr>
+            <a:xfrm rot="1383929">
+              <a:off x="4634650" y="2516088"/>
+              <a:ext cx="276821" cy="1200329"/>
+              <a:chOff x="4825644" y="2506857"/>
+              <a:chExt cx="276821" cy="1200329"/>
+            </a:xfrm>
+          </p:grpSpPr>
+          <p:cxnSp>
+            <p:nvCxnSpPr>
+              <p:cNvPr id="28" name="Straight Arrow Connector 27">
+                <a:extLst>
+                  <a:ext uri="{FF2B5EF4-FFF2-40B4-BE49-F238E27FC236}">
+                    <a16:creationId xmlns:a16="http://schemas.microsoft.com/office/drawing/2014/main" id="{F573D385-D8C3-4393-831D-0ECA1823A5DB}"/>
+                  </a:ext>
+                </a:extLst>
+              </p:cNvPr>
+              <p:cNvCxnSpPr>
+                <a:cxnSpLocks/>
+              </p:cNvCxnSpPr>
+              <p:nvPr/>
+            </p:nvCxnSpPr>
+            <p:spPr>
+              <a:xfrm flipV="1">
+                <a:off x="4825644" y="2506857"/>
+                <a:ext cx="0" cy="1200329"/>
+              </a:xfrm>
+              <a:prstGeom prst="straightConnector1">
+                <a:avLst/>
+              </a:prstGeom>
+              <a:ln w="57150">
+                <a:solidFill>
+                  <a:srgbClr val="000000"/>
+                </a:solidFill>
+                <a:tailEnd type="triangle"/>
+              </a:ln>
+            </p:spPr>
+            <p:style>
+              <a:lnRef idx="1">
+                <a:schemeClr val="accent1"/>
+              </a:lnRef>
+              <a:fillRef idx="0">
+                <a:schemeClr val="accent1"/>
+              </a:fillRef>
+              <a:effectRef idx="0">
+                <a:schemeClr val="accent1"/>
+              </a:effectRef>
+              <a:fontRef idx="minor">
+                <a:schemeClr val="tx1"/>
+              </a:fontRef>
+            </p:style>
+          </p:cxnSp>
+          <p:cxnSp>
+            <p:nvCxnSpPr>
+              <p:cNvPr id="37" name="Straight Arrow Connector 36">
+                <a:extLst>
+                  <a:ext uri="{FF2B5EF4-FFF2-40B4-BE49-F238E27FC236}">
+                    <a16:creationId xmlns:a16="http://schemas.microsoft.com/office/drawing/2014/main" id="{DD385056-E99F-450C-BCC7-FA74C50AA5A4}"/>
+                  </a:ext>
+                </a:extLst>
+              </p:cNvPr>
+              <p:cNvCxnSpPr>
+                <a:cxnSpLocks/>
+              </p:cNvCxnSpPr>
+              <p:nvPr/>
+            </p:nvCxnSpPr>
+            <p:spPr>
+              <a:xfrm>
+                <a:off x="5102465" y="2506857"/>
+                <a:ext cx="0" cy="1200329"/>
+              </a:xfrm>
+              <a:prstGeom prst="straightConnector1">
+                <a:avLst/>
+              </a:prstGeom>
+              <a:ln w="57150">
+                <a:solidFill>
+                  <a:srgbClr val="000000"/>
+                </a:solidFill>
+                <a:tailEnd type="triangle"/>
+              </a:ln>
+            </p:spPr>
+            <p:style>
+              <a:lnRef idx="1">
+                <a:schemeClr val="accent1"/>
+              </a:lnRef>
+              <a:fillRef idx="0">
+                <a:schemeClr val="accent1"/>
+              </a:fillRef>
+              <a:effectRef idx="0">
+                <a:schemeClr val="accent1"/>
+              </a:effectRef>
+              <a:fontRef idx="minor">
+                <a:schemeClr val="tx1"/>
+              </a:fontRef>
+            </p:style>
+          </p:cxnSp>
+        </p:grpSp>
+        <p:grpSp>
+          <p:nvGrpSpPr>
+            <p:cNvPr id="67" name="Group 66">
+              <a:extLst>
+                <a:ext uri="{FF2B5EF4-FFF2-40B4-BE49-F238E27FC236}">
+                  <a16:creationId xmlns:a16="http://schemas.microsoft.com/office/drawing/2014/main" id="{7F124975-73F1-4FAE-B5A4-CF5AF09CBA77}"/>
+                </a:ext>
+              </a:extLst>
+            </p:cNvPr>
+            <p:cNvGrpSpPr/>
+            <p:nvPr/>
+          </p:nvGrpSpPr>
+          <p:grpSpPr>
+            <a:xfrm rot="19951841">
+              <a:off x="6964105" y="2480451"/>
+              <a:ext cx="251604" cy="1225201"/>
+              <a:chOff x="6838303" y="2506857"/>
+              <a:chExt cx="251604" cy="1225201"/>
+            </a:xfrm>
+          </p:grpSpPr>
+          <p:cxnSp>
+            <p:nvCxnSpPr>
+              <p:cNvPr id="42" name="Straight Arrow Connector 41">
+                <a:extLst>
+                  <a:ext uri="{FF2B5EF4-FFF2-40B4-BE49-F238E27FC236}">
+                    <a16:creationId xmlns:a16="http://schemas.microsoft.com/office/drawing/2014/main" id="{0435DD12-2D4F-471F-BA3C-5E64C5C70CF2}"/>
+                  </a:ext>
+                </a:extLst>
+              </p:cNvPr>
+              <p:cNvCxnSpPr>
+                <a:cxnSpLocks/>
+              </p:cNvCxnSpPr>
+              <p:nvPr/>
+            </p:nvCxnSpPr>
+            <p:spPr>
+              <a:xfrm>
+                <a:off x="6838303" y="2506857"/>
+                <a:ext cx="0" cy="1225201"/>
+              </a:xfrm>
+              <a:prstGeom prst="straightConnector1">
+                <a:avLst/>
+              </a:prstGeom>
+              <a:ln w="57150">
+                <a:solidFill>
+                  <a:srgbClr val="000000"/>
+                </a:solidFill>
+                <a:tailEnd type="triangle"/>
+              </a:ln>
+            </p:spPr>
+            <p:style>
+              <a:lnRef idx="1">
+                <a:schemeClr val="accent1"/>
+              </a:lnRef>
+              <a:fillRef idx="0">
+                <a:schemeClr val="accent1"/>
+              </a:fillRef>
+              <a:effectRef idx="0">
+                <a:schemeClr val="accent1"/>
+              </a:effectRef>
+              <a:fontRef idx="minor">
+                <a:schemeClr val="tx1"/>
+              </a:fontRef>
+            </p:style>
+          </p:cxnSp>
+          <p:cxnSp>
+            <p:nvCxnSpPr>
+              <p:cNvPr id="43" name="Straight Arrow Connector 42">
+                <a:extLst>
+                  <a:ext uri="{FF2B5EF4-FFF2-40B4-BE49-F238E27FC236}">
+                    <a16:creationId xmlns:a16="http://schemas.microsoft.com/office/drawing/2014/main" id="{EF10C1C4-81A5-4D64-85A2-FE42032B50C5}"/>
+                  </a:ext>
+                </a:extLst>
+              </p:cNvPr>
+              <p:cNvCxnSpPr>
+                <a:cxnSpLocks/>
+              </p:cNvCxnSpPr>
+              <p:nvPr/>
+            </p:nvCxnSpPr>
+            <p:spPr>
+              <a:xfrm flipV="1">
+                <a:off x="7089907" y="2506857"/>
+                <a:ext cx="0" cy="1200330"/>
+              </a:xfrm>
+              <a:prstGeom prst="straightConnector1">
+                <a:avLst/>
+              </a:prstGeom>
+              <a:ln w="57150">
+                <a:solidFill>
+                  <a:srgbClr val="000000"/>
+                </a:solidFill>
+                <a:tailEnd type="triangle"/>
+              </a:ln>
+            </p:spPr>
+            <p:style>
+              <a:lnRef idx="1">
+                <a:schemeClr val="accent1"/>
+              </a:lnRef>
+              <a:fillRef idx="0">
+                <a:schemeClr val="accent1"/>
+              </a:fillRef>
+              <a:effectRef idx="0">
+                <a:schemeClr val="accent1"/>
+              </a:effectRef>
+              <a:fontRef idx="minor">
+                <a:schemeClr val="tx1"/>
+              </a:fontRef>
+            </p:style>
+          </p:cxnSp>
+        </p:grpSp>
+        <p:sp>
+          <p:nvSpPr>
+            <p:cNvPr id="49" name="TextBox 48">
+              <a:extLst>
+                <a:ext uri="{FF2B5EF4-FFF2-40B4-BE49-F238E27FC236}">
+                  <a16:creationId xmlns:a16="http://schemas.microsoft.com/office/drawing/2014/main" id="{58FB7C42-D342-4F43-8762-B09238EA5591}"/>
+                </a:ext>
+              </a:extLst>
+            </p:cNvPr>
+            <p:cNvSpPr txBox="1"/>
+            <p:nvPr/>
+          </p:nvSpPr>
+          <p:spPr>
+            <a:xfrm>
+              <a:off x="5401278" y="2506857"/>
+              <a:ext cx="1180131" cy="1200329"/>
+            </a:xfrm>
+            <a:prstGeom prst="rect">
+              <a:avLst/>
+            </a:prstGeom>
+            <a:noFill/>
+          </p:spPr>
+          <p:txBody>
+            <a:bodyPr wrap="none" rtlCol="0">
+              <a:spAutoFit/>
+            </a:bodyPr>
+            <a:lstStyle/>
+            <a:p>
+              <a:pPr algn="ctr"/>
+              <a:r>
+                <a:rPr lang="en-US" dirty="0">
+                  <a:latin typeface="Roboto Condensed" panose="02000000000000000000" pitchFamily="2" charset="0"/>
+                  <a:ea typeface="Roboto Condensed" panose="02000000000000000000" pitchFamily="2" charset="0"/>
+                </a:rPr>
+                <a:t>HTTP</a:t>
+              </a:r>
+            </a:p>
+            <a:p>
+              <a:pPr algn="ctr"/>
+              <a:r>
+                <a:rPr lang="en-US" dirty="0">
+                  <a:latin typeface="Roboto Condensed" panose="02000000000000000000" pitchFamily="2" charset="0"/>
+                  <a:ea typeface="Roboto Condensed" panose="02000000000000000000" pitchFamily="2" charset="0"/>
+                </a:rPr>
+                <a:t>Requests </a:t>
+              </a:r>
+            </a:p>
+            <a:p>
+              <a:pPr algn="ctr"/>
+              <a:r>
+                <a:rPr lang="en-US" dirty="0">
+                  <a:latin typeface="Roboto Condensed" panose="02000000000000000000" pitchFamily="2" charset="0"/>
+                  <a:ea typeface="Roboto Condensed" panose="02000000000000000000" pitchFamily="2" charset="0"/>
+                </a:rPr>
+                <a:t>And</a:t>
+              </a:r>
+            </a:p>
+            <a:p>
+              <a:pPr algn="ctr"/>
+              <a:r>
+                <a:rPr lang="en-US" dirty="0">
+                  <a:latin typeface="Roboto Condensed" panose="02000000000000000000" pitchFamily="2" charset="0"/>
+                  <a:ea typeface="Roboto Condensed" panose="02000000000000000000" pitchFamily="2" charset="0"/>
+                </a:rPr>
+                <a:t>Responses</a:t>
+              </a:r>
+            </a:p>
+          </p:txBody>
+        </p:sp>
+        <p:sp>
+          <p:nvSpPr>
+            <p:cNvPr id="16" name="TextBox 15">
+              <a:extLst>
+                <a:ext uri="{FF2B5EF4-FFF2-40B4-BE49-F238E27FC236}">
+                  <a16:creationId xmlns:a16="http://schemas.microsoft.com/office/drawing/2014/main" id="{F47614FB-E6E5-4B2E-BB7C-526CEB58F07C}"/>
+                </a:ext>
+              </a:extLst>
+            </p:cNvPr>
+            <p:cNvSpPr txBox="1"/>
+            <p:nvPr/>
+          </p:nvSpPr>
+          <p:spPr>
+            <a:xfrm>
+              <a:off x="3914922" y="6062921"/>
+              <a:ext cx="1335622" cy="369332"/>
             </a:xfrm>
             <a:prstGeom prst="rect">
               <a:avLst/>
@@ -5546,45 +5132,7 @@
                   <a:latin typeface="Roboto Condensed" panose="02000000000000000000" pitchFamily="2" charset="0"/>
                   <a:ea typeface="Roboto Condensed" panose="02000000000000000000" pitchFamily="2" charset="0"/>
                 </a:rPr>
-                <a:t>Requests</a:t>
-              </a:r>
-            </a:p>
-          </p:txBody>
-        </p:sp>
-        <p:sp>
-          <p:nvSpPr>
-            <p:cNvPr id="18" name="TextBox 17">
-              <a:extLst>
-                <a:ext uri="{FF2B5EF4-FFF2-40B4-BE49-F238E27FC236}">
-                  <a16:creationId xmlns:a16="http://schemas.microsoft.com/office/drawing/2014/main" id="{845010FA-0188-4DC0-BE49-CE17085286B5}"/>
-                </a:ext>
-              </a:extLst>
-            </p:cNvPr>
-            <p:cNvSpPr txBox="1"/>
-            <p:nvPr/>
-          </p:nvSpPr>
-          <p:spPr>
-            <a:xfrm rot="2605623">
-              <a:off x="8131308" y="2824543"/>
-              <a:ext cx="1180131" cy="369332"/>
-            </a:xfrm>
-            <a:prstGeom prst="rect">
-              <a:avLst/>
-            </a:prstGeom>
-            <a:noFill/>
-          </p:spPr>
-          <p:txBody>
-            <a:bodyPr wrap="none" rtlCol="0">
-              <a:spAutoFit/>
-            </a:bodyPr>
-            <a:lstStyle/>
-            <a:p>
-              <a:r>
-                <a:rPr lang="en-US" dirty="0">
-                  <a:latin typeface="Roboto Condensed" panose="02000000000000000000" pitchFamily="2" charset="0"/>
-                  <a:ea typeface="Roboto Condensed" panose="02000000000000000000" pitchFamily="2" charset="0"/>
-                </a:rPr>
-                <a:t>Responses</a:t>
+                <a:t>Smart Mirror</a:t>
               </a:r>
             </a:p>
           </p:txBody>
@@ -5604,7 +5152,7 @@
             <p:nvPr/>
           </p:nvPicPr>
           <p:blipFill>
-            <a:blip r:embed="rId6">
+            <a:blip r:embed="rId3">
               <a:extLst>
                 <a:ext uri="{28A0092B-C50C-407E-A947-70E740481C1C}">
                   <a14:useLocalDpi xmlns:a14="http://schemas.microsoft.com/office/drawing/2010/main" val="0"/>
@@ -5617,8 +5165,44 @@
           </p:blipFill>
           <p:spPr>
             <a:xfrm>
-              <a:off x="4388089" y="541632"/>
-              <a:ext cx="3159365" cy="2457745"/>
+              <a:off x="4253485" y="284967"/>
+              <a:ext cx="2836422" cy="2206520"/>
+            </a:xfrm>
+            <a:prstGeom prst="rect">
+              <a:avLst/>
+            </a:prstGeom>
+          </p:spPr>
+        </p:pic>
+        <p:pic>
+          <p:nvPicPr>
+            <p:cNvPr id="27" name="Picture 26" descr="A screenshot of a cell phone&#10;&#10;Description automatically generated">
+              <a:extLst>
+                <a:ext uri="{FF2B5EF4-FFF2-40B4-BE49-F238E27FC236}">
+                  <a16:creationId xmlns:a16="http://schemas.microsoft.com/office/drawing/2014/main" id="{14DAC235-31F6-41FE-B29B-E277EA5F5BA6}"/>
+                </a:ext>
+              </a:extLst>
+            </p:cNvPr>
+            <p:cNvPicPr>
+              <a:picLocks noChangeAspect="1"/>
+            </p:cNvPicPr>
+            <p:nvPr/>
+          </p:nvPicPr>
+          <p:blipFill>
+            <a:blip r:embed="rId4">
+              <a:extLst>
+                <a:ext uri="{28A0092B-C50C-407E-A947-70E740481C1C}">
+                  <a14:useLocalDpi xmlns:a14="http://schemas.microsoft.com/office/drawing/2010/main" val="0"/>
+                </a:ext>
+              </a:extLst>
+            </a:blip>
+            <a:stretch>
+              <a:fillRect/>
+            </a:stretch>
+          </p:blipFill>
+          <p:spPr>
+            <a:xfrm>
+              <a:off x="3763701" y="3810987"/>
+              <a:ext cx="1637577" cy="2255346"/>
             </a:xfrm>
             <a:prstGeom prst="rect">
               <a:avLst/>
